--- a/doc/plan/version 2 - design [Auto-saved].pptx
+++ b/doc/plan/version 2 - design [Auto-saved].pptx
@@ -2309,7 +2309,7 @@
           <a:p>
             <a:fld id="{1B6A1EFB-6C8C-4EE3-8FA3-17FA44E47B74}" type="datetimeFigureOut">
               <a:rPr lang="ko-KR" altLang="en-US" smtClean="0"/>
-              <a:t>2024-03-18</a:t>
+              <a:t>2024-03-24</a:t>
             </a:fld>
             <a:endParaRPr lang="ko-KR" altLang="en-US"/>
           </a:p>
@@ -2479,7 +2479,7 @@
           <a:p>
             <a:fld id="{1B6A1EFB-6C8C-4EE3-8FA3-17FA44E47B74}" type="datetimeFigureOut">
               <a:rPr lang="ko-KR" altLang="en-US" smtClean="0"/>
-              <a:t>2024-03-18</a:t>
+              <a:t>2024-03-24</a:t>
             </a:fld>
             <a:endParaRPr lang="ko-KR" altLang="en-US"/>
           </a:p>
@@ -2659,7 +2659,7 @@
           <a:p>
             <a:fld id="{1B6A1EFB-6C8C-4EE3-8FA3-17FA44E47B74}" type="datetimeFigureOut">
               <a:rPr lang="ko-KR" altLang="en-US" smtClean="0"/>
-              <a:t>2024-03-18</a:t>
+              <a:t>2024-03-24</a:t>
             </a:fld>
             <a:endParaRPr lang="ko-KR" altLang="en-US"/>
           </a:p>
@@ -2829,7 +2829,7 @@
           <a:p>
             <a:fld id="{1B6A1EFB-6C8C-4EE3-8FA3-17FA44E47B74}" type="datetimeFigureOut">
               <a:rPr lang="ko-KR" altLang="en-US" smtClean="0"/>
-              <a:t>2024-03-18</a:t>
+              <a:t>2024-03-24</a:t>
             </a:fld>
             <a:endParaRPr lang="ko-KR" altLang="en-US"/>
           </a:p>
@@ -3073,7 +3073,7 @@
           <a:p>
             <a:fld id="{1B6A1EFB-6C8C-4EE3-8FA3-17FA44E47B74}" type="datetimeFigureOut">
               <a:rPr lang="ko-KR" altLang="en-US" smtClean="0"/>
-              <a:t>2024-03-18</a:t>
+              <a:t>2024-03-24</a:t>
             </a:fld>
             <a:endParaRPr lang="ko-KR" altLang="en-US"/>
           </a:p>
@@ -3305,7 +3305,7 @@
           <a:p>
             <a:fld id="{1B6A1EFB-6C8C-4EE3-8FA3-17FA44E47B74}" type="datetimeFigureOut">
               <a:rPr lang="ko-KR" altLang="en-US" smtClean="0"/>
-              <a:t>2024-03-18</a:t>
+              <a:t>2024-03-24</a:t>
             </a:fld>
             <a:endParaRPr lang="ko-KR" altLang="en-US"/>
           </a:p>
@@ -3672,7 +3672,7 @@
           <a:p>
             <a:fld id="{1B6A1EFB-6C8C-4EE3-8FA3-17FA44E47B74}" type="datetimeFigureOut">
               <a:rPr lang="ko-KR" altLang="en-US" smtClean="0"/>
-              <a:t>2024-03-18</a:t>
+              <a:t>2024-03-24</a:t>
             </a:fld>
             <a:endParaRPr lang="ko-KR" altLang="en-US"/>
           </a:p>
@@ -3790,7 +3790,7 @@
           <a:p>
             <a:fld id="{1B6A1EFB-6C8C-4EE3-8FA3-17FA44E47B74}" type="datetimeFigureOut">
               <a:rPr lang="ko-KR" altLang="en-US" smtClean="0"/>
-              <a:t>2024-03-18</a:t>
+              <a:t>2024-03-24</a:t>
             </a:fld>
             <a:endParaRPr lang="ko-KR" altLang="en-US"/>
           </a:p>
@@ -3885,7 +3885,7 @@
           <a:p>
             <a:fld id="{1B6A1EFB-6C8C-4EE3-8FA3-17FA44E47B74}" type="datetimeFigureOut">
               <a:rPr lang="ko-KR" altLang="en-US" smtClean="0"/>
-              <a:t>2024-03-18</a:t>
+              <a:t>2024-03-24</a:t>
             </a:fld>
             <a:endParaRPr lang="ko-KR" altLang="en-US"/>
           </a:p>
@@ -4162,7 +4162,7 @@
           <a:p>
             <a:fld id="{1B6A1EFB-6C8C-4EE3-8FA3-17FA44E47B74}" type="datetimeFigureOut">
               <a:rPr lang="ko-KR" altLang="en-US" smtClean="0"/>
-              <a:t>2024-03-18</a:t>
+              <a:t>2024-03-24</a:t>
             </a:fld>
             <a:endParaRPr lang="ko-KR" altLang="en-US"/>
           </a:p>
@@ -4419,7 +4419,7 @@
           <a:p>
             <a:fld id="{1B6A1EFB-6C8C-4EE3-8FA3-17FA44E47B74}" type="datetimeFigureOut">
               <a:rPr lang="ko-KR" altLang="en-US" smtClean="0"/>
-              <a:t>2024-03-18</a:t>
+              <a:t>2024-03-24</a:t>
             </a:fld>
             <a:endParaRPr lang="ko-KR" altLang="en-US"/>
           </a:p>
@@ -4635,7 +4635,7 @@
           <a:p>
             <a:fld id="{1B6A1EFB-6C8C-4EE3-8FA3-17FA44E47B74}" type="datetimeFigureOut">
               <a:rPr lang="ko-KR" altLang="en-US" smtClean="0"/>
-              <a:t>2024-03-18</a:t>
+              <a:t>2024-03-24</a:t>
             </a:fld>
             <a:endParaRPr lang="ko-KR" altLang="en-US"/>
           </a:p>

--- a/doc/plan/version 2 - design [Auto-saved].pptx
+++ b/doc/plan/version 2 - design [Auto-saved].pptx
@@ -11,10 +11,13 @@
     <p:sldId id="275" r:id="rId5"/>
     <p:sldId id="277" r:id="rId6"/>
     <p:sldId id="268" r:id="rId7"/>
-    <p:sldId id="278" r:id="rId8"/>
-    <p:sldId id="280" r:id="rId9"/>
-    <p:sldId id="259" r:id="rId10"/>
-    <p:sldId id="279" r:id="rId11"/>
+    <p:sldId id="282" r:id="rId8"/>
+    <p:sldId id="281" r:id="rId9"/>
+    <p:sldId id="278" r:id="rId10"/>
+    <p:sldId id="283" r:id="rId11"/>
+    <p:sldId id="280" r:id="rId12"/>
+    <p:sldId id="259" r:id="rId13"/>
+    <p:sldId id="279" r:id="rId14"/>
   </p:sldIdLst>
   <p:sldSz cx="6732588" cy="10115550"/>
   <p:notesSz cx="6858000" cy="9144000"/>
@@ -907,7 +910,7 @@
           <c:smooth val="0"/>
           <c:extLst>
             <c:ext xmlns:c16="http://schemas.microsoft.com/office/drawing/2014/chart" uri="{C3380CC4-5D6E-409C-BE32-E72D297353CC}">
-              <c16:uniqueId val="{00000000-C3C2-4313-A17A-C21F802FF231}"/>
+              <c16:uniqueId val="{00000000-FAFE-4AD9-901C-3E5E7C89FC78}"/>
             </c:ext>
           </c:extLst>
         </c:ser>
@@ -928,12 +931,44 @@
         <c:scaling>
           <c:orientation val="minMax"/>
         </c:scaling>
-        <c:delete val="1"/>
+        <c:delete val="0"/>
         <c:axPos val="b"/>
         <c:numFmt formatCode="General" sourceLinked="1"/>
         <c:majorTickMark val="none"/>
         <c:minorTickMark val="none"/>
         <c:tickLblPos val="nextTo"/>
+        <c:spPr>
+          <a:noFill/>
+          <a:ln w="9525" cap="flat" cmpd="sng" algn="ctr">
+            <a:solidFill>
+              <a:schemeClr val="tx1">
+                <a:lumMod val="15000"/>
+                <a:lumOff val="85000"/>
+              </a:schemeClr>
+            </a:solidFill>
+            <a:round/>
+          </a:ln>
+          <a:effectLst/>
+        </c:spPr>
+        <c:txPr>
+          <a:bodyPr rot="-60000000" spcFirstLastPara="1" vertOverflow="ellipsis" vert="horz" wrap="square" anchor="ctr" anchorCtr="1"/>
+          <a:lstStyle/>
+          <a:p>
+            <a:pPr>
+              <a:defRPr sz="1197" b="0" i="0" u="none" strike="noStrike" kern="1200" baseline="0">
+                <a:solidFill>
+                  <a:schemeClr val="accent1">
+                    <a:lumMod val="50000"/>
+                  </a:schemeClr>
+                </a:solidFill>
+                <a:latin typeface="+mn-lt"/>
+                <a:ea typeface="+mn-ea"/>
+                <a:cs typeface="+mn-cs"/>
+              </a:defRPr>
+            </a:pPr>
+            <a:endParaRPr lang="en-US"/>
+          </a:p>
+        </c:txPr>
         <c:crossAx val="1184009216"/>
         <c:crosses val="autoZero"/>
         <c:auto val="1"/>
@@ -946,7 +981,7 @@
         <c:scaling>
           <c:orientation val="minMax"/>
         </c:scaling>
-        <c:delete val="1"/>
+        <c:delete val="0"/>
         <c:axPos val="l"/>
         <c:majorGridlines>
           <c:spPr>
@@ -966,6 +1001,32 @@
         <c:majorTickMark val="none"/>
         <c:minorTickMark val="none"/>
         <c:tickLblPos val="nextTo"/>
+        <c:spPr>
+          <a:noFill/>
+          <a:ln>
+            <a:noFill/>
+          </a:ln>
+          <a:effectLst/>
+        </c:spPr>
+        <c:txPr>
+          <a:bodyPr rot="-60000000" spcFirstLastPara="1" vertOverflow="ellipsis" vert="horz" wrap="square" anchor="ctr" anchorCtr="1"/>
+          <a:lstStyle/>
+          <a:p>
+            <a:pPr>
+              <a:defRPr sz="1197" b="0" i="0" u="none" strike="noStrike" kern="1200" baseline="0">
+                <a:solidFill>
+                  <a:schemeClr val="accent1">
+                    <a:lumMod val="50000"/>
+                  </a:schemeClr>
+                </a:solidFill>
+                <a:latin typeface="+mn-lt"/>
+                <a:ea typeface="+mn-ea"/>
+                <a:cs typeface="+mn-cs"/>
+              </a:defRPr>
+            </a:pPr>
+            <a:endParaRPr lang="en-US"/>
+          </a:p>
+        </c:txPr>
         <c:crossAx val="1190624032"/>
         <c:crosses val="autoZero"/>
         <c:crossBetween val="between"/>
@@ -990,9 +1051,7 @@
     <c:showDLblsOverMax val="0"/>
   </c:chart>
   <c:spPr>
-    <a:solidFill>
-      <a:schemeClr val="bg1"/>
-    </a:solidFill>
+    <a:noFill/>
     <a:ln>
       <a:noFill/>
     </a:ln>
@@ -1021,6 +1080,320 @@
 </file>
 
 <file path=ppt/charts/chart4.xml><?xml version="1.0" encoding="utf-8"?>
+<c:chartSpace xmlns:c="http://schemas.openxmlformats.org/drawingml/2006/chart" xmlns:a="http://schemas.openxmlformats.org/drawingml/2006/main" xmlns:r="http://schemas.openxmlformats.org/officeDocument/2006/relationships" xmlns:c16r2="http://schemas.microsoft.com/office/drawing/2015/06/chart">
+  <c:date1904 val="0"/>
+  <c:lang val="en-GB"/>
+  <c:roundedCorners val="0"/>
+  <mc:AlternateContent xmlns:mc="http://schemas.openxmlformats.org/markup-compatibility/2006">
+    <mc:Choice xmlns:c14="http://schemas.microsoft.com/office/drawing/2007/8/2/chart" Requires="c14">
+      <c14:style val="102"/>
+    </mc:Choice>
+    <mc:Fallback>
+      <c:style val="2"/>
+    </mc:Fallback>
+  </mc:AlternateContent>
+  <c:chart>
+    <c:title>
+      <c:tx>
+        <c:rich>
+          <a:bodyPr rot="0" spcFirstLastPara="1" vertOverflow="ellipsis" vert="horz" wrap="square" anchor="ctr" anchorCtr="1"/>
+          <a:lstStyle/>
+          <a:p>
+            <a:pPr>
+              <a:defRPr sz="1862" b="0" i="0" u="none" strike="noStrike" kern="1200" spc="0" baseline="0">
+                <a:solidFill>
+                  <a:schemeClr val="accent1">
+                    <a:lumMod val="50000"/>
+                  </a:schemeClr>
+                </a:solidFill>
+                <a:latin typeface="+mn-lt"/>
+                <a:ea typeface="+mn-ea"/>
+                <a:cs typeface="+mn-cs"/>
+              </a:defRPr>
+            </a:pPr>
+            <a:r>
+              <a:rPr lang="en-US"/>
+              <a:t>One rep max</a:t>
+            </a:r>
+          </a:p>
+        </c:rich>
+      </c:tx>
+      <c:overlay val="0"/>
+      <c:spPr>
+        <a:noFill/>
+        <a:ln>
+          <a:noFill/>
+        </a:ln>
+        <a:effectLst/>
+      </c:spPr>
+      <c:txPr>
+        <a:bodyPr rot="0" spcFirstLastPara="1" vertOverflow="ellipsis" vert="horz" wrap="square" anchor="ctr" anchorCtr="1"/>
+        <a:lstStyle/>
+        <a:p>
+          <a:pPr>
+            <a:defRPr sz="1862" b="0" i="0" u="none" strike="noStrike" kern="1200" spc="0" baseline="0">
+              <a:solidFill>
+                <a:schemeClr val="accent1">
+                  <a:lumMod val="50000"/>
+                </a:schemeClr>
+              </a:solidFill>
+              <a:latin typeface="+mn-lt"/>
+              <a:ea typeface="+mn-ea"/>
+              <a:cs typeface="+mn-cs"/>
+            </a:defRPr>
+          </a:pPr>
+          <a:endParaRPr lang="en-US"/>
+        </a:p>
+      </c:txPr>
+    </c:title>
+    <c:autoTitleDeleted val="0"/>
+    <c:plotArea>
+      <c:layout/>
+      <c:lineChart>
+        <c:grouping val="standard"/>
+        <c:varyColors val="0"/>
+        <c:ser>
+          <c:idx val="0"/>
+          <c:order val="0"/>
+          <c:tx>
+            <c:strRef>
+              <c:f>Sheet1!$B$1</c:f>
+              <c:strCache>
+                <c:ptCount val="1"/>
+                <c:pt idx="0">
+                  <c:v>Series 1</c:v>
+                </c:pt>
+              </c:strCache>
+            </c:strRef>
+          </c:tx>
+          <c:spPr>
+            <a:ln w="28575" cap="rnd">
+              <a:solidFill>
+                <a:schemeClr val="bg2">
+                  <a:lumMod val="75000"/>
+                </a:schemeClr>
+              </a:solidFill>
+              <a:round/>
+            </a:ln>
+            <a:effectLst/>
+          </c:spPr>
+          <c:marker>
+            <c:symbol val="none"/>
+          </c:marker>
+          <c:cat>
+            <c:strRef>
+              <c:f>Sheet1!$A$2:$A$5</c:f>
+              <c:strCache>
+                <c:ptCount val="4"/>
+                <c:pt idx="0">
+                  <c:v>Category 1</c:v>
+                </c:pt>
+                <c:pt idx="1">
+                  <c:v>Category 2</c:v>
+                </c:pt>
+                <c:pt idx="2">
+                  <c:v>Category 3</c:v>
+                </c:pt>
+                <c:pt idx="3">
+                  <c:v>Category 4</c:v>
+                </c:pt>
+              </c:strCache>
+            </c:strRef>
+          </c:cat>
+          <c:val>
+            <c:numRef>
+              <c:f>Sheet1!$B$2:$B$5</c:f>
+              <c:numCache>
+                <c:formatCode>General</c:formatCode>
+                <c:ptCount val="4"/>
+                <c:pt idx="0">
+                  <c:v>4.3</c:v>
+                </c:pt>
+                <c:pt idx="1">
+                  <c:v>2.5</c:v>
+                </c:pt>
+                <c:pt idx="2">
+                  <c:v>3.5</c:v>
+                </c:pt>
+                <c:pt idx="3">
+                  <c:v>4.5</c:v>
+                </c:pt>
+              </c:numCache>
+            </c:numRef>
+          </c:val>
+          <c:smooth val="0"/>
+          <c:extLst>
+            <c:ext xmlns:c16="http://schemas.microsoft.com/office/drawing/2014/chart" uri="{C3380CC4-5D6E-409C-BE32-E72D297353CC}">
+              <c16:uniqueId val="{00000000-FAFE-4AD9-901C-3E5E7C89FC78}"/>
+            </c:ext>
+          </c:extLst>
+        </c:ser>
+        <c:dLbls>
+          <c:showLegendKey val="0"/>
+          <c:showVal val="0"/>
+          <c:showCatName val="0"/>
+          <c:showSerName val="0"/>
+          <c:showPercent val="0"/>
+          <c:showBubbleSize val="0"/>
+        </c:dLbls>
+        <c:smooth val="0"/>
+        <c:axId val="1190624032"/>
+        <c:axId val="1184009216"/>
+      </c:lineChart>
+      <c:catAx>
+        <c:axId val="1190624032"/>
+        <c:scaling>
+          <c:orientation val="minMax"/>
+        </c:scaling>
+        <c:delete val="0"/>
+        <c:axPos val="b"/>
+        <c:numFmt formatCode="General" sourceLinked="1"/>
+        <c:majorTickMark val="none"/>
+        <c:minorTickMark val="none"/>
+        <c:tickLblPos val="nextTo"/>
+        <c:spPr>
+          <a:noFill/>
+          <a:ln w="9525" cap="flat" cmpd="sng" algn="ctr">
+            <a:solidFill>
+              <a:schemeClr val="tx1">
+                <a:lumMod val="15000"/>
+                <a:lumOff val="85000"/>
+              </a:schemeClr>
+            </a:solidFill>
+            <a:round/>
+          </a:ln>
+          <a:effectLst/>
+        </c:spPr>
+        <c:txPr>
+          <a:bodyPr rot="-60000000" spcFirstLastPara="1" vertOverflow="ellipsis" vert="horz" wrap="square" anchor="ctr" anchorCtr="1"/>
+          <a:lstStyle/>
+          <a:p>
+            <a:pPr>
+              <a:defRPr sz="1197" b="0" i="0" u="none" strike="noStrike" kern="1200" baseline="0">
+                <a:solidFill>
+                  <a:schemeClr val="accent1">
+                    <a:lumMod val="50000"/>
+                  </a:schemeClr>
+                </a:solidFill>
+                <a:latin typeface="+mn-lt"/>
+                <a:ea typeface="+mn-ea"/>
+                <a:cs typeface="+mn-cs"/>
+              </a:defRPr>
+            </a:pPr>
+            <a:endParaRPr lang="en-US"/>
+          </a:p>
+        </c:txPr>
+        <c:crossAx val="1184009216"/>
+        <c:crosses val="autoZero"/>
+        <c:auto val="1"/>
+        <c:lblAlgn val="ctr"/>
+        <c:lblOffset val="100"/>
+        <c:noMultiLvlLbl val="0"/>
+      </c:catAx>
+      <c:valAx>
+        <c:axId val="1184009216"/>
+        <c:scaling>
+          <c:orientation val="minMax"/>
+        </c:scaling>
+        <c:delete val="0"/>
+        <c:axPos val="l"/>
+        <c:majorGridlines>
+          <c:spPr>
+            <a:ln w="9525" cap="flat" cmpd="sng" algn="ctr">
+              <a:solidFill>
+                <a:schemeClr val="tx1">
+                  <a:lumMod val="15000"/>
+                  <a:lumOff val="85000"/>
+                </a:schemeClr>
+              </a:solidFill>
+              <a:round/>
+            </a:ln>
+            <a:effectLst/>
+          </c:spPr>
+        </c:majorGridlines>
+        <c:numFmt formatCode="General" sourceLinked="1"/>
+        <c:majorTickMark val="none"/>
+        <c:minorTickMark val="none"/>
+        <c:tickLblPos val="nextTo"/>
+        <c:spPr>
+          <a:noFill/>
+          <a:ln>
+            <a:noFill/>
+          </a:ln>
+          <a:effectLst/>
+        </c:spPr>
+        <c:txPr>
+          <a:bodyPr rot="-60000000" spcFirstLastPara="1" vertOverflow="ellipsis" vert="horz" wrap="square" anchor="ctr" anchorCtr="1"/>
+          <a:lstStyle/>
+          <a:p>
+            <a:pPr>
+              <a:defRPr sz="1197" b="0" i="0" u="none" strike="noStrike" kern="1200" baseline="0">
+                <a:solidFill>
+                  <a:schemeClr val="accent1">
+                    <a:lumMod val="50000"/>
+                  </a:schemeClr>
+                </a:solidFill>
+                <a:latin typeface="+mn-lt"/>
+                <a:ea typeface="+mn-ea"/>
+                <a:cs typeface="+mn-cs"/>
+              </a:defRPr>
+            </a:pPr>
+            <a:endParaRPr lang="en-US"/>
+          </a:p>
+        </c:txPr>
+        <c:crossAx val="1190624032"/>
+        <c:crosses val="autoZero"/>
+        <c:crossBetween val="between"/>
+      </c:valAx>
+      <c:spPr>
+        <a:noFill/>
+        <a:ln>
+          <a:noFill/>
+        </a:ln>
+        <a:effectLst/>
+      </c:spPr>
+    </c:plotArea>
+    <c:plotVisOnly val="1"/>
+    <c:dispBlanksAs val="gap"/>
+    <c:extLst>
+      <c:ext xmlns:c16r3="http://schemas.microsoft.com/office/drawing/2017/03/chart" uri="{56B9EC1D-385E-4148-901F-78D8002777C0}">
+        <c16r3:dataDisplayOptions16>
+          <c16r3:dispNaAsBlank val="1"/>
+        </c16r3:dataDisplayOptions16>
+      </c:ext>
+    </c:extLst>
+    <c:showDLblsOverMax val="0"/>
+  </c:chart>
+  <c:spPr>
+    <a:noFill/>
+    <a:ln>
+      <a:noFill/>
+    </a:ln>
+    <a:effectLst/>
+  </c:spPr>
+  <c:txPr>
+    <a:bodyPr/>
+    <a:lstStyle/>
+    <a:p>
+      <a:pPr>
+        <a:defRPr>
+          <a:solidFill>
+            <a:schemeClr val="accent1">
+              <a:lumMod val="50000"/>
+            </a:schemeClr>
+          </a:solidFill>
+        </a:defRPr>
+      </a:pPr>
+      <a:endParaRPr lang="en-US"/>
+    </a:p>
+  </c:txPr>
+  <c:externalData r:id="rId3">
+    <c:autoUpdate val="0"/>
+  </c:externalData>
+</c:chartSpace>
+</file>
+
+<file path=ppt/charts/chart5.xml><?xml version="1.0" encoding="utf-8"?>
 <c:chartSpace xmlns:c="http://schemas.openxmlformats.org/drawingml/2006/chart" xmlns:a="http://schemas.openxmlformats.org/drawingml/2006/main" xmlns:r="http://schemas.openxmlformats.org/officeDocument/2006/relationships" xmlns:c16r2="http://schemas.microsoft.com/office/drawing/2015/06/chart">
   <c:date1904 val="0"/>
   <c:lang val="en-GB"/>
@@ -1278,7 +1651,265 @@
 </c:chartSpace>
 </file>
 
-<file path=ppt/charts/chart5.xml><?xml version="1.0" encoding="utf-8"?>
+<file path=ppt/charts/chart6.xml><?xml version="1.0" encoding="utf-8"?>
+<c:chartSpace xmlns:c="http://schemas.openxmlformats.org/drawingml/2006/chart" xmlns:a="http://schemas.openxmlformats.org/drawingml/2006/main" xmlns:r="http://schemas.openxmlformats.org/officeDocument/2006/relationships" xmlns:c16r2="http://schemas.microsoft.com/office/drawing/2015/06/chart">
+  <c:date1904 val="0"/>
+  <c:lang val="en-GB"/>
+  <c:roundedCorners val="0"/>
+  <mc:AlternateContent xmlns:mc="http://schemas.openxmlformats.org/markup-compatibility/2006">
+    <mc:Choice xmlns:c14="http://schemas.microsoft.com/office/drawing/2007/8/2/chart" Requires="c14">
+      <c14:style val="102"/>
+    </mc:Choice>
+    <mc:Fallback>
+      <c:style val="2"/>
+    </mc:Fallback>
+  </mc:AlternateContent>
+  <c:chart>
+    <c:title>
+      <c:tx>
+        <c:rich>
+          <a:bodyPr rot="0" spcFirstLastPara="1" vertOverflow="ellipsis" vert="horz" wrap="square" anchor="ctr" anchorCtr="1"/>
+          <a:lstStyle/>
+          <a:p>
+            <a:pPr>
+              <a:defRPr sz="1862" b="0" i="0" u="none" strike="noStrike" kern="1200" spc="0" baseline="0">
+                <a:solidFill>
+                  <a:schemeClr val="accent1">
+                    <a:lumMod val="50000"/>
+                  </a:schemeClr>
+                </a:solidFill>
+                <a:latin typeface="+mn-lt"/>
+                <a:ea typeface="+mn-ea"/>
+                <a:cs typeface="+mn-cs"/>
+              </a:defRPr>
+            </a:pPr>
+            <a:r>
+              <a:rPr lang="en-US"/>
+              <a:t>One rep max</a:t>
+            </a:r>
+          </a:p>
+        </c:rich>
+      </c:tx>
+      <c:overlay val="0"/>
+      <c:spPr>
+        <a:noFill/>
+        <a:ln>
+          <a:noFill/>
+        </a:ln>
+        <a:effectLst/>
+      </c:spPr>
+      <c:txPr>
+        <a:bodyPr rot="0" spcFirstLastPara="1" vertOverflow="ellipsis" vert="horz" wrap="square" anchor="ctr" anchorCtr="1"/>
+        <a:lstStyle/>
+        <a:p>
+          <a:pPr>
+            <a:defRPr sz="1862" b="0" i="0" u="none" strike="noStrike" kern="1200" spc="0" baseline="0">
+              <a:solidFill>
+                <a:schemeClr val="accent1">
+                  <a:lumMod val="50000"/>
+                </a:schemeClr>
+              </a:solidFill>
+              <a:latin typeface="+mn-lt"/>
+              <a:ea typeface="+mn-ea"/>
+              <a:cs typeface="+mn-cs"/>
+            </a:defRPr>
+          </a:pPr>
+          <a:endParaRPr lang="en-US"/>
+        </a:p>
+      </c:txPr>
+    </c:title>
+    <c:autoTitleDeleted val="0"/>
+    <c:plotArea>
+      <c:layout/>
+      <c:lineChart>
+        <c:grouping val="standard"/>
+        <c:varyColors val="0"/>
+        <c:ser>
+          <c:idx val="0"/>
+          <c:order val="0"/>
+          <c:tx>
+            <c:strRef>
+              <c:f>Sheet1!$B$1</c:f>
+              <c:strCache>
+                <c:ptCount val="1"/>
+                <c:pt idx="0">
+                  <c:v>Series 1</c:v>
+                </c:pt>
+              </c:strCache>
+            </c:strRef>
+          </c:tx>
+          <c:spPr>
+            <a:ln w="28575" cap="rnd">
+              <a:solidFill>
+                <a:schemeClr val="bg2">
+                  <a:lumMod val="75000"/>
+                </a:schemeClr>
+              </a:solidFill>
+              <a:round/>
+            </a:ln>
+            <a:effectLst/>
+          </c:spPr>
+          <c:marker>
+            <c:symbol val="none"/>
+          </c:marker>
+          <c:cat>
+            <c:strRef>
+              <c:f>Sheet1!$A$2:$A$5</c:f>
+              <c:strCache>
+                <c:ptCount val="4"/>
+                <c:pt idx="0">
+                  <c:v>Category 1</c:v>
+                </c:pt>
+                <c:pt idx="1">
+                  <c:v>Category 2</c:v>
+                </c:pt>
+                <c:pt idx="2">
+                  <c:v>Category 3</c:v>
+                </c:pt>
+                <c:pt idx="3">
+                  <c:v>Category 4</c:v>
+                </c:pt>
+              </c:strCache>
+            </c:strRef>
+          </c:cat>
+          <c:val>
+            <c:numRef>
+              <c:f>Sheet1!$B$2:$B$5</c:f>
+              <c:numCache>
+                <c:formatCode>General</c:formatCode>
+                <c:ptCount val="4"/>
+                <c:pt idx="0">
+                  <c:v>4.3</c:v>
+                </c:pt>
+                <c:pt idx="1">
+                  <c:v>2.5</c:v>
+                </c:pt>
+                <c:pt idx="2">
+                  <c:v>3.5</c:v>
+                </c:pt>
+                <c:pt idx="3">
+                  <c:v>4.5</c:v>
+                </c:pt>
+              </c:numCache>
+            </c:numRef>
+          </c:val>
+          <c:smooth val="0"/>
+          <c:extLst>
+            <c:ext xmlns:c16="http://schemas.microsoft.com/office/drawing/2014/chart" uri="{C3380CC4-5D6E-409C-BE32-E72D297353CC}">
+              <c16:uniqueId val="{00000000-C3C2-4313-A17A-C21F802FF231}"/>
+            </c:ext>
+          </c:extLst>
+        </c:ser>
+        <c:dLbls>
+          <c:showLegendKey val="0"/>
+          <c:showVal val="0"/>
+          <c:showCatName val="0"/>
+          <c:showSerName val="0"/>
+          <c:showPercent val="0"/>
+          <c:showBubbleSize val="0"/>
+        </c:dLbls>
+        <c:smooth val="0"/>
+        <c:axId val="1190624032"/>
+        <c:axId val="1184009216"/>
+      </c:lineChart>
+      <c:catAx>
+        <c:axId val="1190624032"/>
+        <c:scaling>
+          <c:orientation val="minMax"/>
+        </c:scaling>
+        <c:delete val="1"/>
+        <c:axPos val="b"/>
+        <c:numFmt formatCode="General" sourceLinked="1"/>
+        <c:majorTickMark val="none"/>
+        <c:minorTickMark val="none"/>
+        <c:tickLblPos val="nextTo"/>
+        <c:crossAx val="1184009216"/>
+        <c:crosses val="autoZero"/>
+        <c:auto val="1"/>
+        <c:lblAlgn val="ctr"/>
+        <c:lblOffset val="100"/>
+        <c:noMultiLvlLbl val="0"/>
+      </c:catAx>
+      <c:valAx>
+        <c:axId val="1184009216"/>
+        <c:scaling>
+          <c:orientation val="minMax"/>
+        </c:scaling>
+        <c:delete val="1"/>
+        <c:axPos val="l"/>
+        <c:majorGridlines>
+          <c:spPr>
+            <a:ln w="9525" cap="flat" cmpd="sng" algn="ctr">
+              <a:solidFill>
+                <a:schemeClr val="tx1">
+                  <a:lumMod val="15000"/>
+                  <a:lumOff val="85000"/>
+                </a:schemeClr>
+              </a:solidFill>
+              <a:round/>
+            </a:ln>
+            <a:effectLst/>
+          </c:spPr>
+        </c:majorGridlines>
+        <c:numFmt formatCode="General" sourceLinked="1"/>
+        <c:majorTickMark val="none"/>
+        <c:minorTickMark val="none"/>
+        <c:tickLblPos val="nextTo"/>
+        <c:crossAx val="1190624032"/>
+        <c:crosses val="autoZero"/>
+        <c:crossBetween val="between"/>
+      </c:valAx>
+      <c:spPr>
+        <a:noFill/>
+        <a:ln>
+          <a:noFill/>
+        </a:ln>
+        <a:effectLst/>
+      </c:spPr>
+    </c:plotArea>
+    <c:plotVisOnly val="1"/>
+    <c:dispBlanksAs val="gap"/>
+    <c:extLst>
+      <c:ext xmlns:c16r3="http://schemas.microsoft.com/office/drawing/2017/03/chart" uri="{56B9EC1D-385E-4148-901F-78D8002777C0}">
+        <c16r3:dataDisplayOptions16>
+          <c16r3:dispNaAsBlank val="1"/>
+        </c16r3:dataDisplayOptions16>
+      </c:ext>
+    </c:extLst>
+    <c:showDLblsOverMax val="0"/>
+  </c:chart>
+  <c:spPr>
+    <a:solidFill>
+      <a:schemeClr val="bg1"/>
+    </a:solidFill>
+    <a:ln>
+      <a:noFill/>
+    </a:ln>
+    <a:effectLst/>
+  </c:spPr>
+  <c:txPr>
+    <a:bodyPr/>
+    <a:lstStyle/>
+    <a:p>
+      <a:pPr>
+        <a:defRPr>
+          <a:solidFill>
+            <a:schemeClr val="accent1">
+              <a:lumMod val="50000"/>
+            </a:schemeClr>
+          </a:solidFill>
+        </a:defRPr>
+      </a:pPr>
+      <a:endParaRPr lang="en-US"/>
+    </a:p>
+  </c:txPr>
+  <c:externalData r:id="rId3">
+    <c:autoUpdate val="0"/>
+  </c:externalData>
+</c:chartSpace>
+</file>
+
+<file path=ppt/charts/chart7.xml><?xml version="1.0" encoding="utf-8"?>
 <c:chartSpace xmlns:c="http://schemas.openxmlformats.org/drawingml/2006/chart" xmlns:a="http://schemas.openxmlformats.org/drawingml/2006/main" xmlns:r="http://schemas.openxmlformats.org/officeDocument/2006/relationships" xmlns:c16r2="http://schemas.microsoft.com/office/drawing/2015/06/chart">
   <c:date1904 val="0"/>
   <c:lang val="en-GB"/>
@@ -1685,6 +2316,80 @@
 </file>
 
 <file path=ppt/charts/colors5.xml><?xml version="1.0" encoding="utf-8"?>
+<cs:colorStyle xmlns:cs="http://schemas.microsoft.com/office/drawing/2012/chartStyle" xmlns:a="http://schemas.openxmlformats.org/drawingml/2006/main" meth="cycle" id="11">
+  <a:schemeClr val="accent1"/>
+  <a:schemeClr val="accent3"/>
+  <a:schemeClr val="accent5"/>
+  <cs:variation/>
+  <cs:variation>
+    <a:lumMod val="60000"/>
+  </cs:variation>
+  <cs:variation>
+    <a:lumMod val="80000"/>
+    <a:lumOff val="20000"/>
+  </cs:variation>
+  <cs:variation>
+    <a:lumMod val="80000"/>
+  </cs:variation>
+  <cs:variation>
+    <a:lumMod val="60000"/>
+    <a:lumOff val="40000"/>
+  </cs:variation>
+  <cs:variation>
+    <a:lumMod val="50000"/>
+  </cs:variation>
+  <cs:variation>
+    <a:lumMod val="70000"/>
+    <a:lumOff val="30000"/>
+  </cs:variation>
+  <cs:variation>
+    <a:lumMod val="70000"/>
+  </cs:variation>
+  <cs:variation>
+    <a:lumMod val="50000"/>
+    <a:lumOff val="50000"/>
+  </cs:variation>
+</cs:colorStyle>
+</file>
+
+<file path=ppt/charts/colors6.xml><?xml version="1.0" encoding="utf-8"?>
+<cs:colorStyle xmlns:cs="http://schemas.microsoft.com/office/drawing/2012/chartStyle" xmlns:a="http://schemas.openxmlformats.org/drawingml/2006/main" meth="cycle" id="11">
+  <a:schemeClr val="accent1"/>
+  <a:schemeClr val="accent3"/>
+  <a:schemeClr val="accent5"/>
+  <cs:variation/>
+  <cs:variation>
+    <a:lumMod val="60000"/>
+  </cs:variation>
+  <cs:variation>
+    <a:lumMod val="80000"/>
+    <a:lumOff val="20000"/>
+  </cs:variation>
+  <cs:variation>
+    <a:lumMod val="80000"/>
+  </cs:variation>
+  <cs:variation>
+    <a:lumMod val="60000"/>
+    <a:lumOff val="40000"/>
+  </cs:variation>
+  <cs:variation>
+    <a:lumMod val="50000"/>
+  </cs:variation>
+  <cs:variation>
+    <a:lumMod val="70000"/>
+    <a:lumOff val="30000"/>
+  </cs:variation>
+  <cs:variation>
+    <a:lumMod val="70000"/>
+  </cs:variation>
+  <cs:variation>
+    <a:lumMod val="50000"/>
+    <a:lumOff val="50000"/>
+  </cs:variation>
+</cs:colorStyle>
+</file>
+
+<file path=ppt/charts/colors7.xml><?xml version="1.0" encoding="utf-8"?>
 <cs:colorStyle xmlns:cs="http://schemas.microsoft.com/office/drawing/2012/chartStyle" xmlns:a="http://schemas.openxmlformats.org/drawingml/2006/main" meth="cycle" id="11">
   <a:schemeClr val="accent1"/>
   <a:schemeClr val="accent3"/>
@@ -4301,6 +5006,1038 @@
 </cs:chartStyle>
 </file>
 
+<file path=ppt/charts/style6.xml><?xml version="1.0" encoding="utf-8"?>
+<cs:chartStyle xmlns:cs="http://schemas.microsoft.com/office/drawing/2012/chartStyle" xmlns:a="http://schemas.openxmlformats.org/drawingml/2006/main" id="227">
+  <cs:axisTitle>
+    <cs:lnRef idx="0"/>
+    <cs:fillRef idx="0"/>
+    <cs:effectRef idx="0"/>
+    <cs:fontRef idx="minor">
+      <a:schemeClr val="tx1">
+        <a:lumMod val="65000"/>
+        <a:lumOff val="35000"/>
+      </a:schemeClr>
+    </cs:fontRef>
+    <cs:defRPr sz="1330" kern="1200"/>
+  </cs:axisTitle>
+  <cs:categoryAxis>
+    <cs:lnRef idx="0"/>
+    <cs:fillRef idx="0"/>
+    <cs:effectRef idx="0"/>
+    <cs:fontRef idx="minor">
+      <a:schemeClr val="tx1">
+        <a:lumMod val="65000"/>
+        <a:lumOff val="35000"/>
+      </a:schemeClr>
+    </cs:fontRef>
+    <cs:spPr>
+      <a:ln w="9525" cap="flat" cmpd="sng" algn="ctr">
+        <a:solidFill>
+          <a:schemeClr val="tx1">
+            <a:lumMod val="15000"/>
+            <a:lumOff val="85000"/>
+          </a:schemeClr>
+        </a:solidFill>
+        <a:round/>
+      </a:ln>
+    </cs:spPr>
+    <cs:defRPr sz="1197" kern="1200"/>
+  </cs:categoryAxis>
+  <cs:chartArea mods="allowNoFillOverride allowNoLineOverride">
+    <cs:lnRef idx="0"/>
+    <cs:fillRef idx="0"/>
+    <cs:effectRef idx="0"/>
+    <cs:fontRef idx="minor">
+      <a:schemeClr val="tx1"/>
+    </cs:fontRef>
+    <cs:spPr>
+      <a:solidFill>
+        <a:schemeClr val="bg1"/>
+      </a:solidFill>
+      <a:ln w="9525" cap="flat" cmpd="sng" algn="ctr">
+        <a:solidFill>
+          <a:schemeClr val="tx1">
+            <a:lumMod val="15000"/>
+            <a:lumOff val="85000"/>
+          </a:schemeClr>
+        </a:solidFill>
+        <a:round/>
+      </a:ln>
+    </cs:spPr>
+    <cs:defRPr sz="1330" kern="1200"/>
+  </cs:chartArea>
+  <cs:dataLabel>
+    <cs:lnRef idx="0"/>
+    <cs:fillRef idx="0"/>
+    <cs:effectRef idx="0"/>
+    <cs:fontRef idx="minor">
+      <a:schemeClr val="tx1">
+        <a:lumMod val="75000"/>
+        <a:lumOff val="25000"/>
+      </a:schemeClr>
+    </cs:fontRef>
+    <cs:defRPr sz="1197" kern="1200"/>
+  </cs:dataLabel>
+  <cs:dataLabelCallout>
+    <cs:lnRef idx="0"/>
+    <cs:fillRef idx="0"/>
+    <cs:effectRef idx="0"/>
+    <cs:fontRef idx="minor">
+      <a:schemeClr val="dk1">
+        <a:lumMod val="65000"/>
+        <a:lumOff val="35000"/>
+      </a:schemeClr>
+    </cs:fontRef>
+    <cs:spPr>
+      <a:solidFill>
+        <a:schemeClr val="lt1"/>
+      </a:solidFill>
+      <a:ln>
+        <a:solidFill>
+          <a:schemeClr val="dk1">
+            <a:lumMod val="25000"/>
+            <a:lumOff val="75000"/>
+          </a:schemeClr>
+        </a:solidFill>
+      </a:ln>
+    </cs:spPr>
+    <cs:defRPr sz="1197" kern="1200"/>
+    <cs:bodyPr rot="0" spcFirstLastPara="1" vertOverflow="clip" horzOverflow="clip" vert="horz" wrap="square" lIns="36576" tIns="18288" rIns="36576" bIns="18288" anchor="ctr" anchorCtr="1">
+      <a:spAutoFit/>
+    </cs:bodyPr>
+  </cs:dataLabelCallout>
+  <cs:dataPoint>
+    <cs:lnRef idx="0"/>
+    <cs:fillRef idx="1">
+      <cs:styleClr val="auto"/>
+    </cs:fillRef>
+    <cs:effectRef idx="0"/>
+    <cs:fontRef idx="minor">
+      <a:schemeClr val="tx1"/>
+    </cs:fontRef>
+    <cs:spPr>
+      <a:solidFill>
+        <a:schemeClr val="phClr"/>
+      </a:solidFill>
+    </cs:spPr>
+  </cs:dataPoint>
+  <cs:dataPoint3D>
+    <cs:lnRef idx="0"/>
+    <cs:fillRef idx="1">
+      <cs:styleClr val="auto"/>
+    </cs:fillRef>
+    <cs:effectRef idx="0"/>
+    <cs:fontRef idx="minor">
+      <a:schemeClr val="tx1"/>
+    </cs:fontRef>
+    <cs:spPr>
+      <a:solidFill>
+        <a:schemeClr val="phClr"/>
+      </a:solidFill>
+    </cs:spPr>
+  </cs:dataPoint3D>
+  <cs:dataPointLine>
+    <cs:lnRef idx="0">
+      <cs:styleClr val="auto"/>
+    </cs:lnRef>
+    <cs:fillRef idx="1"/>
+    <cs:effectRef idx="0"/>
+    <cs:fontRef idx="minor">
+      <a:schemeClr val="tx1"/>
+    </cs:fontRef>
+    <cs:spPr>
+      <a:ln w="28575" cap="rnd">
+        <a:solidFill>
+          <a:schemeClr val="phClr"/>
+        </a:solidFill>
+        <a:round/>
+      </a:ln>
+    </cs:spPr>
+  </cs:dataPointLine>
+  <cs:dataPointMarker>
+    <cs:lnRef idx="0">
+      <cs:styleClr val="auto"/>
+    </cs:lnRef>
+    <cs:fillRef idx="1">
+      <cs:styleClr val="auto"/>
+    </cs:fillRef>
+    <cs:effectRef idx="0"/>
+    <cs:fontRef idx="minor">
+      <a:schemeClr val="tx1"/>
+    </cs:fontRef>
+    <cs:spPr>
+      <a:solidFill>
+        <a:schemeClr val="phClr"/>
+      </a:solidFill>
+      <a:ln w="9525">
+        <a:solidFill>
+          <a:schemeClr val="phClr"/>
+        </a:solidFill>
+      </a:ln>
+    </cs:spPr>
+  </cs:dataPointMarker>
+  <cs:dataPointMarkerLayout symbol="circle" size="5"/>
+  <cs:dataPointWireframe>
+    <cs:lnRef idx="0">
+      <cs:styleClr val="auto"/>
+    </cs:lnRef>
+    <cs:fillRef idx="1"/>
+    <cs:effectRef idx="0"/>
+    <cs:fontRef idx="minor">
+      <a:schemeClr val="tx1"/>
+    </cs:fontRef>
+    <cs:spPr>
+      <a:ln w="9525" cap="rnd">
+        <a:solidFill>
+          <a:schemeClr val="phClr"/>
+        </a:solidFill>
+        <a:round/>
+      </a:ln>
+    </cs:spPr>
+  </cs:dataPointWireframe>
+  <cs:dataTable>
+    <cs:lnRef idx="0"/>
+    <cs:fillRef idx="0"/>
+    <cs:effectRef idx="0"/>
+    <cs:fontRef idx="minor">
+      <a:schemeClr val="tx1">
+        <a:lumMod val="65000"/>
+        <a:lumOff val="35000"/>
+      </a:schemeClr>
+    </cs:fontRef>
+    <cs:spPr>
+      <a:noFill/>
+      <a:ln w="9525" cap="flat" cmpd="sng" algn="ctr">
+        <a:solidFill>
+          <a:schemeClr val="tx1">
+            <a:lumMod val="15000"/>
+            <a:lumOff val="85000"/>
+          </a:schemeClr>
+        </a:solidFill>
+        <a:round/>
+      </a:ln>
+    </cs:spPr>
+    <cs:defRPr sz="1197" kern="1200"/>
+  </cs:dataTable>
+  <cs:downBar>
+    <cs:lnRef idx="0"/>
+    <cs:fillRef idx="0"/>
+    <cs:effectRef idx="0"/>
+    <cs:fontRef idx="minor">
+      <a:schemeClr val="dk1"/>
+    </cs:fontRef>
+    <cs:spPr>
+      <a:solidFill>
+        <a:schemeClr val="dk1">
+          <a:lumMod val="65000"/>
+          <a:lumOff val="35000"/>
+        </a:schemeClr>
+      </a:solidFill>
+      <a:ln w="9525">
+        <a:solidFill>
+          <a:schemeClr val="tx1">
+            <a:lumMod val="65000"/>
+            <a:lumOff val="35000"/>
+          </a:schemeClr>
+        </a:solidFill>
+      </a:ln>
+    </cs:spPr>
+  </cs:downBar>
+  <cs:dropLine>
+    <cs:lnRef idx="0"/>
+    <cs:fillRef idx="0"/>
+    <cs:effectRef idx="0"/>
+    <cs:fontRef idx="minor">
+      <a:schemeClr val="tx1"/>
+    </cs:fontRef>
+    <cs:spPr>
+      <a:ln w="9525" cap="flat" cmpd="sng" algn="ctr">
+        <a:solidFill>
+          <a:schemeClr val="tx1">
+            <a:lumMod val="35000"/>
+            <a:lumOff val="65000"/>
+          </a:schemeClr>
+        </a:solidFill>
+        <a:round/>
+      </a:ln>
+    </cs:spPr>
+  </cs:dropLine>
+  <cs:errorBar>
+    <cs:lnRef idx="0"/>
+    <cs:fillRef idx="0"/>
+    <cs:effectRef idx="0"/>
+    <cs:fontRef idx="minor">
+      <a:schemeClr val="tx1"/>
+    </cs:fontRef>
+    <cs:spPr>
+      <a:ln w="9525" cap="flat" cmpd="sng" algn="ctr">
+        <a:solidFill>
+          <a:schemeClr val="tx1">
+            <a:lumMod val="65000"/>
+            <a:lumOff val="35000"/>
+          </a:schemeClr>
+        </a:solidFill>
+        <a:round/>
+      </a:ln>
+    </cs:spPr>
+  </cs:errorBar>
+  <cs:floor>
+    <cs:lnRef idx="0"/>
+    <cs:fillRef idx="0"/>
+    <cs:effectRef idx="0"/>
+    <cs:fontRef idx="minor">
+      <a:schemeClr val="tx1"/>
+    </cs:fontRef>
+    <cs:spPr>
+      <a:noFill/>
+      <a:ln>
+        <a:noFill/>
+      </a:ln>
+    </cs:spPr>
+  </cs:floor>
+  <cs:gridlineMajor>
+    <cs:lnRef idx="0"/>
+    <cs:fillRef idx="0"/>
+    <cs:effectRef idx="0"/>
+    <cs:fontRef idx="minor">
+      <a:schemeClr val="tx1"/>
+    </cs:fontRef>
+    <cs:spPr>
+      <a:ln w="9525" cap="flat" cmpd="sng" algn="ctr">
+        <a:solidFill>
+          <a:schemeClr val="tx1">
+            <a:lumMod val="15000"/>
+            <a:lumOff val="85000"/>
+          </a:schemeClr>
+        </a:solidFill>
+        <a:round/>
+      </a:ln>
+    </cs:spPr>
+  </cs:gridlineMajor>
+  <cs:gridlineMinor>
+    <cs:lnRef idx="0"/>
+    <cs:fillRef idx="0"/>
+    <cs:effectRef idx="0"/>
+    <cs:fontRef idx="minor">
+      <a:schemeClr val="tx1"/>
+    </cs:fontRef>
+    <cs:spPr>
+      <a:ln w="9525" cap="flat" cmpd="sng" algn="ctr">
+        <a:solidFill>
+          <a:schemeClr val="tx1">
+            <a:lumMod val="5000"/>
+            <a:lumOff val="95000"/>
+          </a:schemeClr>
+        </a:solidFill>
+        <a:round/>
+      </a:ln>
+    </cs:spPr>
+  </cs:gridlineMinor>
+  <cs:hiLoLine>
+    <cs:lnRef idx="0"/>
+    <cs:fillRef idx="0"/>
+    <cs:effectRef idx="0"/>
+    <cs:fontRef idx="minor">
+      <a:schemeClr val="tx1"/>
+    </cs:fontRef>
+    <cs:spPr>
+      <a:ln w="9525" cap="flat" cmpd="sng" algn="ctr">
+        <a:solidFill>
+          <a:schemeClr val="tx1">
+            <a:lumMod val="75000"/>
+            <a:lumOff val="25000"/>
+          </a:schemeClr>
+        </a:solidFill>
+        <a:round/>
+      </a:ln>
+    </cs:spPr>
+  </cs:hiLoLine>
+  <cs:leaderLine>
+    <cs:lnRef idx="0"/>
+    <cs:fillRef idx="0"/>
+    <cs:effectRef idx="0"/>
+    <cs:fontRef idx="minor">
+      <a:schemeClr val="tx1"/>
+    </cs:fontRef>
+    <cs:spPr>
+      <a:ln w="9525" cap="flat" cmpd="sng" algn="ctr">
+        <a:solidFill>
+          <a:schemeClr val="tx1">
+            <a:lumMod val="35000"/>
+            <a:lumOff val="65000"/>
+          </a:schemeClr>
+        </a:solidFill>
+        <a:round/>
+      </a:ln>
+    </cs:spPr>
+  </cs:leaderLine>
+  <cs:legend>
+    <cs:lnRef idx="0"/>
+    <cs:fillRef idx="0"/>
+    <cs:effectRef idx="0"/>
+    <cs:fontRef idx="minor">
+      <a:schemeClr val="tx1">
+        <a:lumMod val="65000"/>
+        <a:lumOff val="35000"/>
+      </a:schemeClr>
+    </cs:fontRef>
+    <cs:defRPr sz="1197" kern="1200"/>
+  </cs:legend>
+  <cs:plotArea mods="allowNoFillOverride allowNoLineOverride">
+    <cs:lnRef idx="0"/>
+    <cs:fillRef idx="0"/>
+    <cs:effectRef idx="0"/>
+    <cs:fontRef idx="minor">
+      <a:schemeClr val="tx1"/>
+    </cs:fontRef>
+  </cs:plotArea>
+  <cs:plotArea3D mods="allowNoFillOverride allowNoLineOverride">
+    <cs:lnRef idx="0"/>
+    <cs:fillRef idx="0"/>
+    <cs:effectRef idx="0"/>
+    <cs:fontRef idx="minor">
+      <a:schemeClr val="tx1"/>
+    </cs:fontRef>
+  </cs:plotArea3D>
+  <cs:seriesAxis>
+    <cs:lnRef idx="0"/>
+    <cs:fillRef idx="0"/>
+    <cs:effectRef idx="0"/>
+    <cs:fontRef idx="minor">
+      <a:schemeClr val="tx1">
+        <a:lumMod val="65000"/>
+        <a:lumOff val="35000"/>
+      </a:schemeClr>
+    </cs:fontRef>
+    <cs:defRPr sz="1197" kern="1200"/>
+  </cs:seriesAxis>
+  <cs:seriesLine>
+    <cs:lnRef idx="0"/>
+    <cs:fillRef idx="0"/>
+    <cs:effectRef idx="0"/>
+    <cs:fontRef idx="minor">
+      <a:schemeClr val="tx1"/>
+    </cs:fontRef>
+    <cs:spPr>
+      <a:ln w="9525" cap="flat" cmpd="sng" algn="ctr">
+        <a:solidFill>
+          <a:schemeClr val="tx1">
+            <a:lumMod val="35000"/>
+            <a:lumOff val="65000"/>
+          </a:schemeClr>
+        </a:solidFill>
+        <a:round/>
+      </a:ln>
+    </cs:spPr>
+  </cs:seriesLine>
+  <cs:title>
+    <cs:lnRef idx="0"/>
+    <cs:fillRef idx="0"/>
+    <cs:effectRef idx="0"/>
+    <cs:fontRef idx="minor">
+      <a:schemeClr val="tx1">
+        <a:lumMod val="65000"/>
+        <a:lumOff val="35000"/>
+      </a:schemeClr>
+    </cs:fontRef>
+    <cs:defRPr sz="1862" b="0" kern="1200" spc="0" baseline="0"/>
+  </cs:title>
+  <cs:trendline>
+    <cs:lnRef idx="0">
+      <cs:styleClr val="auto"/>
+    </cs:lnRef>
+    <cs:fillRef idx="0"/>
+    <cs:effectRef idx="0"/>
+    <cs:fontRef idx="minor">
+      <a:schemeClr val="tx1"/>
+    </cs:fontRef>
+    <cs:spPr>
+      <a:ln w="19050" cap="rnd">
+        <a:solidFill>
+          <a:schemeClr val="phClr"/>
+        </a:solidFill>
+        <a:prstDash val="sysDot"/>
+      </a:ln>
+    </cs:spPr>
+  </cs:trendline>
+  <cs:trendlineLabel>
+    <cs:lnRef idx="0"/>
+    <cs:fillRef idx="0"/>
+    <cs:effectRef idx="0"/>
+    <cs:fontRef idx="minor">
+      <a:schemeClr val="tx1">
+        <a:lumMod val="65000"/>
+        <a:lumOff val="35000"/>
+      </a:schemeClr>
+    </cs:fontRef>
+    <cs:defRPr sz="1197" kern="1200"/>
+  </cs:trendlineLabel>
+  <cs:upBar>
+    <cs:lnRef idx="0"/>
+    <cs:fillRef idx="0"/>
+    <cs:effectRef idx="0"/>
+    <cs:fontRef idx="minor">
+      <a:schemeClr val="dk1"/>
+    </cs:fontRef>
+    <cs:spPr>
+      <a:solidFill>
+        <a:schemeClr val="lt1"/>
+      </a:solidFill>
+      <a:ln w="9525">
+        <a:solidFill>
+          <a:schemeClr val="tx1">
+            <a:lumMod val="15000"/>
+            <a:lumOff val="85000"/>
+          </a:schemeClr>
+        </a:solidFill>
+      </a:ln>
+    </cs:spPr>
+  </cs:upBar>
+  <cs:valueAxis>
+    <cs:lnRef idx="0"/>
+    <cs:fillRef idx="0"/>
+    <cs:effectRef idx="0"/>
+    <cs:fontRef idx="minor">
+      <a:schemeClr val="tx1">
+        <a:lumMod val="65000"/>
+        <a:lumOff val="35000"/>
+      </a:schemeClr>
+    </cs:fontRef>
+    <cs:defRPr sz="1197" kern="1200"/>
+  </cs:valueAxis>
+  <cs:wall>
+    <cs:lnRef idx="0"/>
+    <cs:fillRef idx="0"/>
+    <cs:effectRef idx="0"/>
+    <cs:fontRef idx="minor">
+      <a:schemeClr val="tx1"/>
+    </cs:fontRef>
+    <cs:spPr>
+      <a:noFill/>
+      <a:ln>
+        <a:noFill/>
+      </a:ln>
+    </cs:spPr>
+  </cs:wall>
+</cs:chartStyle>
+</file>
+
+<file path=ppt/charts/style7.xml><?xml version="1.0" encoding="utf-8"?>
+<cs:chartStyle xmlns:cs="http://schemas.microsoft.com/office/drawing/2012/chartStyle" xmlns:a="http://schemas.openxmlformats.org/drawingml/2006/main" id="227">
+  <cs:axisTitle>
+    <cs:lnRef idx="0"/>
+    <cs:fillRef idx="0"/>
+    <cs:effectRef idx="0"/>
+    <cs:fontRef idx="minor">
+      <a:schemeClr val="tx1">
+        <a:lumMod val="65000"/>
+        <a:lumOff val="35000"/>
+      </a:schemeClr>
+    </cs:fontRef>
+    <cs:defRPr sz="1330" kern="1200"/>
+  </cs:axisTitle>
+  <cs:categoryAxis>
+    <cs:lnRef idx="0"/>
+    <cs:fillRef idx="0"/>
+    <cs:effectRef idx="0"/>
+    <cs:fontRef idx="minor">
+      <a:schemeClr val="tx1">
+        <a:lumMod val="65000"/>
+        <a:lumOff val="35000"/>
+      </a:schemeClr>
+    </cs:fontRef>
+    <cs:spPr>
+      <a:ln w="9525" cap="flat" cmpd="sng" algn="ctr">
+        <a:solidFill>
+          <a:schemeClr val="tx1">
+            <a:lumMod val="15000"/>
+            <a:lumOff val="85000"/>
+          </a:schemeClr>
+        </a:solidFill>
+        <a:round/>
+      </a:ln>
+    </cs:spPr>
+    <cs:defRPr sz="1197" kern="1200"/>
+  </cs:categoryAxis>
+  <cs:chartArea mods="allowNoFillOverride allowNoLineOverride">
+    <cs:lnRef idx="0"/>
+    <cs:fillRef idx="0"/>
+    <cs:effectRef idx="0"/>
+    <cs:fontRef idx="minor">
+      <a:schemeClr val="tx1"/>
+    </cs:fontRef>
+    <cs:spPr>
+      <a:solidFill>
+        <a:schemeClr val="bg1"/>
+      </a:solidFill>
+      <a:ln w="9525" cap="flat" cmpd="sng" algn="ctr">
+        <a:solidFill>
+          <a:schemeClr val="tx1">
+            <a:lumMod val="15000"/>
+            <a:lumOff val="85000"/>
+          </a:schemeClr>
+        </a:solidFill>
+        <a:round/>
+      </a:ln>
+    </cs:spPr>
+    <cs:defRPr sz="1330" kern="1200"/>
+  </cs:chartArea>
+  <cs:dataLabel>
+    <cs:lnRef idx="0"/>
+    <cs:fillRef idx="0"/>
+    <cs:effectRef idx="0"/>
+    <cs:fontRef idx="minor">
+      <a:schemeClr val="tx1">
+        <a:lumMod val="75000"/>
+        <a:lumOff val="25000"/>
+      </a:schemeClr>
+    </cs:fontRef>
+    <cs:defRPr sz="1197" kern="1200"/>
+  </cs:dataLabel>
+  <cs:dataLabelCallout>
+    <cs:lnRef idx="0"/>
+    <cs:fillRef idx="0"/>
+    <cs:effectRef idx="0"/>
+    <cs:fontRef idx="minor">
+      <a:schemeClr val="dk1">
+        <a:lumMod val="65000"/>
+        <a:lumOff val="35000"/>
+      </a:schemeClr>
+    </cs:fontRef>
+    <cs:spPr>
+      <a:solidFill>
+        <a:schemeClr val="lt1"/>
+      </a:solidFill>
+      <a:ln>
+        <a:solidFill>
+          <a:schemeClr val="dk1">
+            <a:lumMod val="25000"/>
+            <a:lumOff val="75000"/>
+          </a:schemeClr>
+        </a:solidFill>
+      </a:ln>
+    </cs:spPr>
+    <cs:defRPr sz="1197" kern="1200"/>
+    <cs:bodyPr rot="0" spcFirstLastPara="1" vertOverflow="clip" horzOverflow="clip" vert="horz" wrap="square" lIns="36576" tIns="18288" rIns="36576" bIns="18288" anchor="ctr" anchorCtr="1">
+      <a:spAutoFit/>
+    </cs:bodyPr>
+  </cs:dataLabelCallout>
+  <cs:dataPoint>
+    <cs:lnRef idx="0"/>
+    <cs:fillRef idx="1">
+      <cs:styleClr val="auto"/>
+    </cs:fillRef>
+    <cs:effectRef idx="0"/>
+    <cs:fontRef idx="minor">
+      <a:schemeClr val="tx1"/>
+    </cs:fontRef>
+    <cs:spPr>
+      <a:solidFill>
+        <a:schemeClr val="phClr"/>
+      </a:solidFill>
+    </cs:spPr>
+  </cs:dataPoint>
+  <cs:dataPoint3D>
+    <cs:lnRef idx="0"/>
+    <cs:fillRef idx="1">
+      <cs:styleClr val="auto"/>
+    </cs:fillRef>
+    <cs:effectRef idx="0"/>
+    <cs:fontRef idx="minor">
+      <a:schemeClr val="tx1"/>
+    </cs:fontRef>
+    <cs:spPr>
+      <a:solidFill>
+        <a:schemeClr val="phClr"/>
+      </a:solidFill>
+    </cs:spPr>
+  </cs:dataPoint3D>
+  <cs:dataPointLine>
+    <cs:lnRef idx="0">
+      <cs:styleClr val="auto"/>
+    </cs:lnRef>
+    <cs:fillRef idx="1"/>
+    <cs:effectRef idx="0"/>
+    <cs:fontRef idx="minor">
+      <a:schemeClr val="tx1"/>
+    </cs:fontRef>
+    <cs:spPr>
+      <a:ln w="28575" cap="rnd">
+        <a:solidFill>
+          <a:schemeClr val="phClr"/>
+        </a:solidFill>
+        <a:round/>
+      </a:ln>
+    </cs:spPr>
+  </cs:dataPointLine>
+  <cs:dataPointMarker>
+    <cs:lnRef idx="0">
+      <cs:styleClr val="auto"/>
+    </cs:lnRef>
+    <cs:fillRef idx="1">
+      <cs:styleClr val="auto"/>
+    </cs:fillRef>
+    <cs:effectRef idx="0"/>
+    <cs:fontRef idx="minor">
+      <a:schemeClr val="tx1"/>
+    </cs:fontRef>
+    <cs:spPr>
+      <a:solidFill>
+        <a:schemeClr val="phClr"/>
+      </a:solidFill>
+      <a:ln w="9525">
+        <a:solidFill>
+          <a:schemeClr val="phClr"/>
+        </a:solidFill>
+      </a:ln>
+    </cs:spPr>
+  </cs:dataPointMarker>
+  <cs:dataPointMarkerLayout symbol="circle" size="5"/>
+  <cs:dataPointWireframe>
+    <cs:lnRef idx="0">
+      <cs:styleClr val="auto"/>
+    </cs:lnRef>
+    <cs:fillRef idx="1"/>
+    <cs:effectRef idx="0"/>
+    <cs:fontRef idx="minor">
+      <a:schemeClr val="tx1"/>
+    </cs:fontRef>
+    <cs:spPr>
+      <a:ln w="9525" cap="rnd">
+        <a:solidFill>
+          <a:schemeClr val="phClr"/>
+        </a:solidFill>
+        <a:round/>
+      </a:ln>
+    </cs:spPr>
+  </cs:dataPointWireframe>
+  <cs:dataTable>
+    <cs:lnRef idx="0"/>
+    <cs:fillRef idx="0"/>
+    <cs:effectRef idx="0"/>
+    <cs:fontRef idx="minor">
+      <a:schemeClr val="tx1">
+        <a:lumMod val="65000"/>
+        <a:lumOff val="35000"/>
+      </a:schemeClr>
+    </cs:fontRef>
+    <cs:spPr>
+      <a:noFill/>
+      <a:ln w="9525" cap="flat" cmpd="sng" algn="ctr">
+        <a:solidFill>
+          <a:schemeClr val="tx1">
+            <a:lumMod val="15000"/>
+            <a:lumOff val="85000"/>
+          </a:schemeClr>
+        </a:solidFill>
+        <a:round/>
+      </a:ln>
+    </cs:spPr>
+    <cs:defRPr sz="1197" kern="1200"/>
+  </cs:dataTable>
+  <cs:downBar>
+    <cs:lnRef idx="0"/>
+    <cs:fillRef idx="0"/>
+    <cs:effectRef idx="0"/>
+    <cs:fontRef idx="minor">
+      <a:schemeClr val="dk1"/>
+    </cs:fontRef>
+    <cs:spPr>
+      <a:solidFill>
+        <a:schemeClr val="dk1">
+          <a:lumMod val="65000"/>
+          <a:lumOff val="35000"/>
+        </a:schemeClr>
+      </a:solidFill>
+      <a:ln w="9525">
+        <a:solidFill>
+          <a:schemeClr val="tx1">
+            <a:lumMod val="65000"/>
+            <a:lumOff val="35000"/>
+          </a:schemeClr>
+        </a:solidFill>
+      </a:ln>
+    </cs:spPr>
+  </cs:downBar>
+  <cs:dropLine>
+    <cs:lnRef idx="0"/>
+    <cs:fillRef idx="0"/>
+    <cs:effectRef idx="0"/>
+    <cs:fontRef idx="minor">
+      <a:schemeClr val="tx1"/>
+    </cs:fontRef>
+    <cs:spPr>
+      <a:ln w="9525" cap="flat" cmpd="sng" algn="ctr">
+        <a:solidFill>
+          <a:schemeClr val="tx1">
+            <a:lumMod val="35000"/>
+            <a:lumOff val="65000"/>
+          </a:schemeClr>
+        </a:solidFill>
+        <a:round/>
+      </a:ln>
+    </cs:spPr>
+  </cs:dropLine>
+  <cs:errorBar>
+    <cs:lnRef idx="0"/>
+    <cs:fillRef idx="0"/>
+    <cs:effectRef idx="0"/>
+    <cs:fontRef idx="minor">
+      <a:schemeClr val="tx1"/>
+    </cs:fontRef>
+    <cs:spPr>
+      <a:ln w="9525" cap="flat" cmpd="sng" algn="ctr">
+        <a:solidFill>
+          <a:schemeClr val="tx1">
+            <a:lumMod val="65000"/>
+            <a:lumOff val="35000"/>
+          </a:schemeClr>
+        </a:solidFill>
+        <a:round/>
+      </a:ln>
+    </cs:spPr>
+  </cs:errorBar>
+  <cs:floor>
+    <cs:lnRef idx="0"/>
+    <cs:fillRef idx="0"/>
+    <cs:effectRef idx="0"/>
+    <cs:fontRef idx="minor">
+      <a:schemeClr val="tx1"/>
+    </cs:fontRef>
+    <cs:spPr>
+      <a:noFill/>
+      <a:ln>
+        <a:noFill/>
+      </a:ln>
+    </cs:spPr>
+  </cs:floor>
+  <cs:gridlineMajor>
+    <cs:lnRef idx="0"/>
+    <cs:fillRef idx="0"/>
+    <cs:effectRef idx="0"/>
+    <cs:fontRef idx="minor">
+      <a:schemeClr val="tx1"/>
+    </cs:fontRef>
+    <cs:spPr>
+      <a:ln w="9525" cap="flat" cmpd="sng" algn="ctr">
+        <a:solidFill>
+          <a:schemeClr val="tx1">
+            <a:lumMod val="15000"/>
+            <a:lumOff val="85000"/>
+          </a:schemeClr>
+        </a:solidFill>
+        <a:round/>
+      </a:ln>
+    </cs:spPr>
+  </cs:gridlineMajor>
+  <cs:gridlineMinor>
+    <cs:lnRef idx="0"/>
+    <cs:fillRef idx="0"/>
+    <cs:effectRef idx="0"/>
+    <cs:fontRef idx="minor">
+      <a:schemeClr val="tx1"/>
+    </cs:fontRef>
+    <cs:spPr>
+      <a:ln w="9525" cap="flat" cmpd="sng" algn="ctr">
+        <a:solidFill>
+          <a:schemeClr val="tx1">
+            <a:lumMod val="5000"/>
+            <a:lumOff val="95000"/>
+          </a:schemeClr>
+        </a:solidFill>
+        <a:round/>
+      </a:ln>
+    </cs:spPr>
+  </cs:gridlineMinor>
+  <cs:hiLoLine>
+    <cs:lnRef idx="0"/>
+    <cs:fillRef idx="0"/>
+    <cs:effectRef idx="0"/>
+    <cs:fontRef idx="minor">
+      <a:schemeClr val="tx1"/>
+    </cs:fontRef>
+    <cs:spPr>
+      <a:ln w="9525" cap="flat" cmpd="sng" algn="ctr">
+        <a:solidFill>
+          <a:schemeClr val="tx1">
+            <a:lumMod val="75000"/>
+            <a:lumOff val="25000"/>
+          </a:schemeClr>
+        </a:solidFill>
+        <a:round/>
+      </a:ln>
+    </cs:spPr>
+  </cs:hiLoLine>
+  <cs:leaderLine>
+    <cs:lnRef idx="0"/>
+    <cs:fillRef idx="0"/>
+    <cs:effectRef idx="0"/>
+    <cs:fontRef idx="minor">
+      <a:schemeClr val="tx1"/>
+    </cs:fontRef>
+    <cs:spPr>
+      <a:ln w="9525" cap="flat" cmpd="sng" algn="ctr">
+        <a:solidFill>
+          <a:schemeClr val="tx1">
+            <a:lumMod val="35000"/>
+            <a:lumOff val="65000"/>
+          </a:schemeClr>
+        </a:solidFill>
+        <a:round/>
+      </a:ln>
+    </cs:spPr>
+  </cs:leaderLine>
+  <cs:legend>
+    <cs:lnRef idx="0"/>
+    <cs:fillRef idx="0"/>
+    <cs:effectRef idx="0"/>
+    <cs:fontRef idx="minor">
+      <a:schemeClr val="tx1">
+        <a:lumMod val="65000"/>
+        <a:lumOff val="35000"/>
+      </a:schemeClr>
+    </cs:fontRef>
+    <cs:defRPr sz="1197" kern="1200"/>
+  </cs:legend>
+  <cs:plotArea mods="allowNoFillOverride allowNoLineOverride">
+    <cs:lnRef idx="0"/>
+    <cs:fillRef idx="0"/>
+    <cs:effectRef idx="0"/>
+    <cs:fontRef idx="minor">
+      <a:schemeClr val="tx1"/>
+    </cs:fontRef>
+  </cs:plotArea>
+  <cs:plotArea3D mods="allowNoFillOverride allowNoLineOverride">
+    <cs:lnRef idx="0"/>
+    <cs:fillRef idx="0"/>
+    <cs:effectRef idx="0"/>
+    <cs:fontRef idx="minor">
+      <a:schemeClr val="tx1"/>
+    </cs:fontRef>
+  </cs:plotArea3D>
+  <cs:seriesAxis>
+    <cs:lnRef idx="0"/>
+    <cs:fillRef idx="0"/>
+    <cs:effectRef idx="0"/>
+    <cs:fontRef idx="minor">
+      <a:schemeClr val="tx1">
+        <a:lumMod val="65000"/>
+        <a:lumOff val="35000"/>
+      </a:schemeClr>
+    </cs:fontRef>
+    <cs:defRPr sz="1197" kern="1200"/>
+  </cs:seriesAxis>
+  <cs:seriesLine>
+    <cs:lnRef idx="0"/>
+    <cs:fillRef idx="0"/>
+    <cs:effectRef idx="0"/>
+    <cs:fontRef idx="minor">
+      <a:schemeClr val="tx1"/>
+    </cs:fontRef>
+    <cs:spPr>
+      <a:ln w="9525" cap="flat" cmpd="sng" algn="ctr">
+        <a:solidFill>
+          <a:schemeClr val="tx1">
+            <a:lumMod val="35000"/>
+            <a:lumOff val="65000"/>
+          </a:schemeClr>
+        </a:solidFill>
+        <a:round/>
+      </a:ln>
+    </cs:spPr>
+  </cs:seriesLine>
+  <cs:title>
+    <cs:lnRef idx="0"/>
+    <cs:fillRef idx="0"/>
+    <cs:effectRef idx="0"/>
+    <cs:fontRef idx="minor">
+      <a:schemeClr val="tx1">
+        <a:lumMod val="65000"/>
+        <a:lumOff val="35000"/>
+      </a:schemeClr>
+    </cs:fontRef>
+    <cs:defRPr sz="1862" b="0" kern="1200" spc="0" baseline="0"/>
+  </cs:title>
+  <cs:trendline>
+    <cs:lnRef idx="0">
+      <cs:styleClr val="auto"/>
+    </cs:lnRef>
+    <cs:fillRef idx="0"/>
+    <cs:effectRef idx="0"/>
+    <cs:fontRef idx="minor">
+      <a:schemeClr val="tx1"/>
+    </cs:fontRef>
+    <cs:spPr>
+      <a:ln w="19050" cap="rnd">
+        <a:solidFill>
+          <a:schemeClr val="phClr"/>
+        </a:solidFill>
+        <a:prstDash val="sysDot"/>
+      </a:ln>
+    </cs:spPr>
+  </cs:trendline>
+  <cs:trendlineLabel>
+    <cs:lnRef idx="0"/>
+    <cs:fillRef idx="0"/>
+    <cs:effectRef idx="0"/>
+    <cs:fontRef idx="minor">
+      <a:schemeClr val="tx1">
+        <a:lumMod val="65000"/>
+        <a:lumOff val="35000"/>
+      </a:schemeClr>
+    </cs:fontRef>
+    <cs:defRPr sz="1197" kern="1200"/>
+  </cs:trendlineLabel>
+  <cs:upBar>
+    <cs:lnRef idx="0"/>
+    <cs:fillRef idx="0"/>
+    <cs:effectRef idx="0"/>
+    <cs:fontRef idx="minor">
+      <a:schemeClr val="dk1"/>
+    </cs:fontRef>
+    <cs:spPr>
+      <a:solidFill>
+        <a:schemeClr val="lt1"/>
+      </a:solidFill>
+      <a:ln w="9525">
+        <a:solidFill>
+          <a:schemeClr val="tx1">
+            <a:lumMod val="15000"/>
+            <a:lumOff val="85000"/>
+          </a:schemeClr>
+        </a:solidFill>
+      </a:ln>
+    </cs:spPr>
+  </cs:upBar>
+  <cs:valueAxis>
+    <cs:lnRef idx="0"/>
+    <cs:fillRef idx="0"/>
+    <cs:effectRef idx="0"/>
+    <cs:fontRef idx="minor">
+      <a:schemeClr val="tx1">
+        <a:lumMod val="65000"/>
+        <a:lumOff val="35000"/>
+      </a:schemeClr>
+    </cs:fontRef>
+    <cs:defRPr sz="1197" kern="1200"/>
+  </cs:valueAxis>
+  <cs:wall>
+    <cs:lnRef idx="0"/>
+    <cs:fillRef idx="0"/>
+    <cs:effectRef idx="0"/>
+    <cs:fontRef idx="minor">
+      <a:schemeClr val="tx1"/>
+    </cs:fontRef>
+    <cs:spPr>
+      <a:noFill/>
+      <a:ln>
+        <a:noFill/>
+      </a:ln>
+    </cs:spPr>
+  </cs:wall>
+</cs:chartStyle>
+</file>
+
 <file path=ppt/comments/modernComment_10C_80076D98.xml><?xml version="1.0" encoding="utf-8"?>
 <p188:cmLst xmlns:a="http://schemas.openxmlformats.org/drawingml/2006/main" xmlns:r="http://schemas.openxmlformats.org/officeDocument/2006/relationships" xmlns:p188="http://schemas.microsoft.com/office/powerpoint/2018/8/main">
   <p188:cm id="{A90B15C4-A429-4589-8666-02DFB70B8255}" authorId="{7C2E7579-0009-95B3-8778-C60A511AA04A}" created="2024-02-29T19:42:17.506">
@@ -4939,6 +6676,242 @@
 </p188:cmLst>
 </file>
 
+<file path=ppt/comments/modernComment_119_3321905D.xml><?xml version="1.0" encoding="utf-8"?>
+<p188:cmLst xmlns:a="http://schemas.openxmlformats.org/drawingml/2006/main" xmlns:r="http://schemas.openxmlformats.org/officeDocument/2006/relationships" xmlns:p188="http://schemas.microsoft.com/office/powerpoint/2018/8/main">
+  <p188:cm id="{30FFBA58-1E11-4034-9761-B4BF3244290E}" authorId="{7C2E7579-0009-95B3-8778-C60A511AA04A}" created="2024-02-29T19:42:17.506">
+    <pc:sldMkLst xmlns:pc="http://schemas.microsoft.com/office/powerpoint/2013/main/command">
+      <pc:docMk/>
+      <pc:sldMk cId="326648802" sldId="256"/>
+    </pc:sldMkLst>
+    <p188:txBody>
+      <a:bodyPr/>
+      <a:lstStyle/>
+      <a:p>
+        <a:r>
+          <a:rPr lang="ko-KR" altLang="en-US"/>
+          <a:t>Reset button (for filter)</a:t>
+        </a:r>
+      </a:p>
+    </p188:txBody>
+  </p188:cm>
+  <p188:cm id="{749973F0-A861-410D-96DE-FF71015A08D3}" authorId="{7C2E7579-0009-95B3-8778-C60A511AA04A}" created="2024-02-29T19:43:01.284">
+    <pc:sldMkLst xmlns:pc="http://schemas.microsoft.com/office/powerpoint/2013/main/command">
+      <pc:docMk/>
+      <pc:sldMk cId="326648802" sldId="256"/>
+    </pc:sldMkLst>
+    <p188:txBody>
+      <a:bodyPr/>
+      <a:lstStyle/>
+      <a:p>
+        <a:r>
+          <a:rPr lang="ko-KR" altLang="en-US"/>
+          <a:t>Past log</a:t>
+        </a:r>
+      </a:p>
+    </p188:txBody>
+  </p188:cm>
+  <p188:cm id="{301698E2-32DE-4223-A088-18F55BE99542}" authorId="{7C2E7579-0009-95B3-8778-C60A511AA04A}" created="2024-02-29T19:43:09.447">
+    <pc:sldMkLst xmlns:pc="http://schemas.microsoft.com/office/powerpoint/2013/main/command">
+      <pc:docMk/>
+      <pc:sldMk cId="326648802" sldId="256"/>
+    </pc:sldMkLst>
+    <p188:txBody>
+      <a:bodyPr/>
+      <a:lstStyle/>
+      <a:p>
+        <a:r>
+          <a:rPr lang="ko-KR" altLang="en-US"/>
+          <a:t>Graph</a:t>
+        </a:r>
+      </a:p>
+    </p188:txBody>
+  </p188:cm>
+  <p188:cm id="{C5D7BBD8-3A8B-40DA-9D63-4A09EBBE2E99}" authorId="{7C2E7579-0009-95B3-8778-C60A511AA04A}" created="2024-02-29T22:54:04.071">
+    <pc:sldMkLst xmlns:pc="http://schemas.microsoft.com/office/powerpoint/2013/main/command">
+      <pc:docMk/>
+      <pc:sldMk cId="2286257811" sldId="261"/>
+    </pc:sldMkLst>
+    <p188:txBody>
+      <a:bodyPr/>
+      <a:lstStyle/>
+      <a:p>
+        <a:r>
+          <a:rPr lang="ko-KR" altLang="en-US"/>
+          <a:t>Track if user recorded the first set as the warming up set
+</a:t>
+        </a:r>
+      </a:p>
+    </p188:txBody>
+  </p188:cm>
+  <p188:cm id="{3BF84D33-E5EB-4B5A-9C5C-4F527E248805}" authorId="{7C2E7579-0009-95B3-8778-C60A511AA04A}" created="2024-03-01T04:47:37.157">
+    <pc:sldMkLst xmlns:pc="http://schemas.microsoft.com/office/powerpoint/2013/main/command">
+      <pc:docMk/>
+      <pc:sldMk cId="1443124297" sldId="262"/>
+    </pc:sldMkLst>
+    <p188:txBody>
+      <a:bodyPr/>
+      <a:lstStyle/>
+      <a:p>
+        <a:r>
+          <a:rPr lang="ko-KR" altLang="en-US"/>
+          <a:t>The tag used last, when was the last time used, what tag contains recommended exercise</a:t>
+        </a:r>
+      </a:p>
+    </p188:txBody>
+  </p188:cm>
+  <p188:cm id="{EE793FFB-1B83-4A55-A178-604E8F42A6F8}" authorId="{90BDE6BD-5967-93D4-9B0B-A06F809B70E3}" created="2024-03-16T23:25:08.549">
+    <pc:sldMkLst xmlns:pc="http://schemas.microsoft.com/office/powerpoint/2013/main/command">
+      <pc:docMk/>
+      <pc:sldMk cId="2147970456" sldId="268"/>
+    </pc:sldMkLst>
+    <p188:txBody>
+      <a:bodyPr/>
+      <a:lstStyle/>
+      <a:p>
+        <a:r>
+          <a:rPr lang="en-GB"/>
+          <a:t>Target for the next session</a:t>
+        </a:r>
+      </a:p>
+    </p188:txBody>
+  </p188:cm>
+  <p188:cm id="{264DEE08-277F-456A-B3C5-FD44AB394000}" authorId="{90BDE6BD-5967-93D4-9B0B-A06F809B70E3}" created="2024-03-27T00:52:16.151">
+    <pc:sldMkLst xmlns:pc="http://schemas.microsoft.com/office/powerpoint/2013/main/command">
+      <pc:docMk/>
+      <pc:sldMk cId="2147970456" sldId="268"/>
+    </pc:sldMkLst>
+    <p188:txBody>
+      <a:bodyPr/>
+      <a:lstStyle/>
+      <a:p>
+        <a:r>
+          <a:rPr lang="en-GB"/>
+          <a:t>One rep max for each rep / set</a:t>
+        </a:r>
+      </a:p>
+    </p188:txBody>
+  </p188:cm>
+</p188:cmLst>
+</file>
+
+<file path=ppt/comments/modernComment_11A_438994E6.xml><?xml version="1.0" encoding="utf-8"?>
+<p188:cmLst xmlns:a="http://schemas.openxmlformats.org/drawingml/2006/main" xmlns:r="http://schemas.openxmlformats.org/officeDocument/2006/relationships" xmlns:p188="http://schemas.microsoft.com/office/powerpoint/2018/8/main">
+  <p188:cm id="{16DCA5AA-C122-498F-8358-1FDC7601429A}" authorId="{7C2E7579-0009-95B3-8778-C60A511AA04A}" created="2024-02-29T19:42:17.506">
+    <pc:sldMkLst xmlns:pc="http://schemas.microsoft.com/office/powerpoint/2013/main/command">
+      <pc:docMk/>
+      <pc:sldMk cId="326648802" sldId="256"/>
+    </pc:sldMkLst>
+    <p188:txBody>
+      <a:bodyPr/>
+      <a:lstStyle/>
+      <a:p>
+        <a:r>
+          <a:rPr lang="ko-KR" altLang="en-US"/>
+          <a:t>Reset button (for filter)</a:t>
+        </a:r>
+      </a:p>
+    </p188:txBody>
+  </p188:cm>
+  <p188:cm id="{D75B00F3-85EB-48E4-8845-01B7A71352A5}" authorId="{7C2E7579-0009-95B3-8778-C60A511AA04A}" created="2024-02-29T19:43:01.284">
+    <pc:sldMkLst xmlns:pc="http://schemas.microsoft.com/office/powerpoint/2013/main/command">
+      <pc:docMk/>
+      <pc:sldMk cId="326648802" sldId="256"/>
+    </pc:sldMkLst>
+    <p188:txBody>
+      <a:bodyPr/>
+      <a:lstStyle/>
+      <a:p>
+        <a:r>
+          <a:rPr lang="ko-KR" altLang="en-US"/>
+          <a:t>Past log</a:t>
+        </a:r>
+      </a:p>
+    </p188:txBody>
+  </p188:cm>
+  <p188:cm id="{F33D9221-0AF3-4ED4-8237-A14084A1AAE0}" authorId="{7C2E7579-0009-95B3-8778-C60A511AA04A}" created="2024-02-29T19:43:09.447">
+    <pc:sldMkLst xmlns:pc="http://schemas.microsoft.com/office/powerpoint/2013/main/command">
+      <pc:docMk/>
+      <pc:sldMk cId="326648802" sldId="256"/>
+    </pc:sldMkLst>
+    <p188:txBody>
+      <a:bodyPr/>
+      <a:lstStyle/>
+      <a:p>
+        <a:r>
+          <a:rPr lang="ko-KR" altLang="en-US"/>
+          <a:t>Graph</a:t>
+        </a:r>
+      </a:p>
+    </p188:txBody>
+  </p188:cm>
+  <p188:cm id="{CB87BACA-16F9-4C30-9E3C-7B431906CBBB}" authorId="{7C2E7579-0009-95B3-8778-C60A511AA04A}" created="2024-02-29T22:54:04.071">
+    <pc:sldMkLst xmlns:pc="http://schemas.microsoft.com/office/powerpoint/2013/main/command">
+      <pc:docMk/>
+      <pc:sldMk cId="2286257811" sldId="261"/>
+    </pc:sldMkLst>
+    <p188:txBody>
+      <a:bodyPr/>
+      <a:lstStyle/>
+      <a:p>
+        <a:r>
+          <a:rPr lang="ko-KR" altLang="en-US"/>
+          <a:t>Track if user recorded the first set as the warming up set
+</a:t>
+        </a:r>
+      </a:p>
+    </p188:txBody>
+  </p188:cm>
+  <p188:cm id="{9181E281-8FCE-4C1E-90C1-4DE432786253}" authorId="{7C2E7579-0009-95B3-8778-C60A511AA04A}" created="2024-03-01T04:47:37.157">
+    <pc:sldMkLst xmlns:pc="http://schemas.microsoft.com/office/powerpoint/2013/main/command">
+      <pc:docMk/>
+      <pc:sldMk cId="1443124297" sldId="262"/>
+    </pc:sldMkLst>
+    <p188:txBody>
+      <a:bodyPr/>
+      <a:lstStyle/>
+      <a:p>
+        <a:r>
+          <a:rPr lang="ko-KR" altLang="en-US"/>
+          <a:t>The tag used last, when was the last time used, what tag contains recommended exercise</a:t>
+        </a:r>
+      </a:p>
+    </p188:txBody>
+  </p188:cm>
+  <p188:cm id="{453F942A-F383-4A96-B091-4BACD587366F}" authorId="{90BDE6BD-5967-93D4-9B0B-A06F809B70E3}" created="2024-03-16T23:25:08.549">
+    <pc:sldMkLst xmlns:pc="http://schemas.microsoft.com/office/powerpoint/2013/main/command">
+      <pc:docMk/>
+      <pc:sldMk cId="2147970456" sldId="268"/>
+    </pc:sldMkLst>
+    <p188:txBody>
+      <a:bodyPr/>
+      <a:lstStyle/>
+      <a:p>
+        <a:r>
+          <a:rPr lang="en-GB"/>
+          <a:t>Target for the next session</a:t>
+        </a:r>
+      </a:p>
+    </p188:txBody>
+  </p188:cm>
+  <p188:cm id="{FD6F6EA0-B0E9-4219-83C7-21CDDD419F4A}" authorId="{90BDE6BD-5967-93D4-9B0B-A06F809B70E3}" created="2024-03-27T00:52:16.151">
+    <pc:sldMkLst xmlns:pc="http://schemas.microsoft.com/office/powerpoint/2013/main/command">
+      <pc:docMk/>
+      <pc:sldMk cId="2147970456" sldId="268"/>
+    </pc:sldMkLst>
+    <p188:txBody>
+      <a:bodyPr/>
+      <a:lstStyle/>
+      <a:p>
+        <a:r>
+          <a:rPr lang="en-GB"/>
+          <a:t>One rep max for each rep / set</a:t>
+        </a:r>
+      </a:p>
+    </p188:txBody>
+  </p188:cm>
+</p188:cmLst>
+</file>
+
 <file path=ppt/slideLayouts/slideLayout1.xml><?xml version="1.0" encoding="utf-8"?>
 <p:sldLayout xmlns:a="http://schemas.openxmlformats.org/drawingml/2006/main" xmlns:r="http://schemas.openxmlformats.org/officeDocument/2006/relationships" xmlns:p="http://schemas.openxmlformats.org/presentationml/2006/main" type="title" preserve="1">
   <p:cSld name="Title Slide">
@@ -5070,7 +7043,7 @@
           <a:p>
             <a:fld id="{1B6A1EFB-6C8C-4EE3-8FA3-17FA44E47B74}" type="datetimeFigureOut">
               <a:rPr lang="ko-KR" altLang="en-US" smtClean="0"/>
-              <a:t>2024-03-24</a:t>
+              <a:t>2024-04-08</a:t>
             </a:fld>
             <a:endParaRPr lang="ko-KR" altLang="en-US"/>
           </a:p>
@@ -5240,7 +7213,7 @@
           <a:p>
             <a:fld id="{1B6A1EFB-6C8C-4EE3-8FA3-17FA44E47B74}" type="datetimeFigureOut">
               <a:rPr lang="ko-KR" altLang="en-US" smtClean="0"/>
-              <a:t>2024-03-24</a:t>
+              <a:t>2024-04-08</a:t>
             </a:fld>
             <a:endParaRPr lang="ko-KR" altLang="en-US"/>
           </a:p>
@@ -5420,7 +7393,7 @@
           <a:p>
             <a:fld id="{1B6A1EFB-6C8C-4EE3-8FA3-17FA44E47B74}" type="datetimeFigureOut">
               <a:rPr lang="ko-KR" altLang="en-US" smtClean="0"/>
-              <a:t>2024-03-24</a:t>
+              <a:t>2024-04-08</a:t>
             </a:fld>
             <a:endParaRPr lang="ko-KR" altLang="en-US"/>
           </a:p>
@@ -5590,7 +7563,7 @@
           <a:p>
             <a:fld id="{1B6A1EFB-6C8C-4EE3-8FA3-17FA44E47B74}" type="datetimeFigureOut">
               <a:rPr lang="ko-KR" altLang="en-US" smtClean="0"/>
-              <a:t>2024-03-24</a:t>
+              <a:t>2024-04-08</a:t>
             </a:fld>
             <a:endParaRPr lang="ko-KR" altLang="en-US"/>
           </a:p>
@@ -5834,7 +7807,7 @@
           <a:p>
             <a:fld id="{1B6A1EFB-6C8C-4EE3-8FA3-17FA44E47B74}" type="datetimeFigureOut">
               <a:rPr lang="ko-KR" altLang="en-US" smtClean="0"/>
-              <a:t>2024-03-24</a:t>
+              <a:t>2024-04-08</a:t>
             </a:fld>
             <a:endParaRPr lang="ko-KR" altLang="en-US"/>
           </a:p>
@@ -6066,7 +8039,7 @@
           <a:p>
             <a:fld id="{1B6A1EFB-6C8C-4EE3-8FA3-17FA44E47B74}" type="datetimeFigureOut">
               <a:rPr lang="ko-KR" altLang="en-US" smtClean="0"/>
-              <a:t>2024-03-24</a:t>
+              <a:t>2024-04-08</a:t>
             </a:fld>
             <a:endParaRPr lang="ko-KR" altLang="en-US"/>
           </a:p>
@@ -6433,7 +8406,7 @@
           <a:p>
             <a:fld id="{1B6A1EFB-6C8C-4EE3-8FA3-17FA44E47B74}" type="datetimeFigureOut">
               <a:rPr lang="ko-KR" altLang="en-US" smtClean="0"/>
-              <a:t>2024-03-24</a:t>
+              <a:t>2024-04-08</a:t>
             </a:fld>
             <a:endParaRPr lang="ko-KR" altLang="en-US"/>
           </a:p>
@@ -6551,7 +8524,7 @@
           <a:p>
             <a:fld id="{1B6A1EFB-6C8C-4EE3-8FA3-17FA44E47B74}" type="datetimeFigureOut">
               <a:rPr lang="ko-KR" altLang="en-US" smtClean="0"/>
-              <a:t>2024-03-24</a:t>
+              <a:t>2024-04-08</a:t>
             </a:fld>
             <a:endParaRPr lang="ko-KR" altLang="en-US"/>
           </a:p>
@@ -6646,7 +8619,7 @@
           <a:p>
             <a:fld id="{1B6A1EFB-6C8C-4EE3-8FA3-17FA44E47B74}" type="datetimeFigureOut">
               <a:rPr lang="ko-KR" altLang="en-US" smtClean="0"/>
-              <a:t>2024-03-24</a:t>
+              <a:t>2024-04-08</a:t>
             </a:fld>
             <a:endParaRPr lang="ko-KR" altLang="en-US"/>
           </a:p>
@@ -6923,7 +8896,7 @@
           <a:p>
             <a:fld id="{1B6A1EFB-6C8C-4EE3-8FA3-17FA44E47B74}" type="datetimeFigureOut">
               <a:rPr lang="ko-KR" altLang="en-US" smtClean="0"/>
-              <a:t>2024-03-24</a:t>
+              <a:t>2024-04-08</a:t>
             </a:fld>
             <a:endParaRPr lang="ko-KR" altLang="en-US"/>
           </a:p>
@@ -7180,7 +9153,7 @@
           <a:p>
             <a:fld id="{1B6A1EFB-6C8C-4EE3-8FA3-17FA44E47B74}" type="datetimeFigureOut">
               <a:rPr lang="ko-KR" altLang="en-US" smtClean="0"/>
-              <a:t>2024-03-24</a:t>
+              <a:t>2024-04-08</a:t>
             </a:fld>
             <a:endParaRPr lang="ko-KR" altLang="en-US"/>
           </a:p>
@@ -7396,7 +9369,7 @@
           <a:p>
             <a:fld id="{1B6A1EFB-6C8C-4EE3-8FA3-17FA44E47B74}" type="datetimeFigureOut">
               <a:rPr lang="ko-KR" altLang="en-US" smtClean="0"/>
-              <a:t>2024-03-24</a:t>
+              <a:t>2024-04-08</a:t>
             </a:fld>
             <a:endParaRPr lang="ko-KR" altLang="en-US"/>
           </a:p>
@@ -9517,6 +11490,2034 @@
 </file>
 
 <file path=ppt/slides/slide10.xml><?xml version="1.0" encoding="utf-8"?>
+<p:sld xmlns:a="http://schemas.openxmlformats.org/drawingml/2006/main" xmlns:r="http://schemas.openxmlformats.org/officeDocument/2006/relationships" xmlns:p="http://schemas.openxmlformats.org/presentationml/2006/main">
+  <p:cSld>
+    <p:spTree>
+      <p:nvGrpSpPr>
+        <p:cNvPr id="1" name="">
+          <a:extLst>
+            <a:ext uri="{FF2B5EF4-FFF2-40B4-BE49-F238E27FC236}">
+              <a16:creationId xmlns:a16="http://schemas.microsoft.com/office/drawing/2014/main" id="{36FB561A-F38B-1EF1-0A66-0422216F22F4}"/>
+            </a:ext>
+          </a:extLst>
+        </p:cNvPr>
+        <p:cNvGrpSpPr/>
+        <p:nvPr/>
+      </p:nvGrpSpPr>
+      <p:grpSpPr>
+        <a:xfrm>
+          <a:off x="0" y="0"/>
+          <a:ext cx="0" cy="0"/>
+          <a:chOff x="0" y="0"/>
+          <a:chExt cx="0" cy="0"/>
+        </a:xfrm>
+      </p:grpSpPr>
+      <p:sp>
+        <p:nvSpPr>
+          <p:cNvPr id="14" name="Rectangle 13">
+            <a:extLst>
+              <a:ext uri="{FF2B5EF4-FFF2-40B4-BE49-F238E27FC236}">
+                <a16:creationId xmlns:a16="http://schemas.microsoft.com/office/drawing/2014/main" id="{3ABD8BBC-13A4-1ED2-45BC-71F8A9191089}"/>
+              </a:ext>
+            </a:extLst>
+          </p:cNvPr>
+          <p:cNvSpPr/>
+          <p:nvPr/>
+        </p:nvSpPr>
+        <p:spPr>
+          <a:xfrm>
+            <a:off x="0" y="0"/>
+            <a:ext cx="6732588" cy="586854"/>
+          </a:xfrm>
+          <a:prstGeom prst="rect">
+            <a:avLst/>
+          </a:prstGeom>
+          <a:solidFill>
+            <a:schemeClr val="accent1">
+              <a:lumMod val="50000"/>
+            </a:schemeClr>
+          </a:solidFill>
+          <a:ln>
+            <a:noFill/>
+          </a:ln>
+        </p:spPr>
+        <p:style>
+          <a:lnRef idx="2">
+            <a:schemeClr val="accent1">
+              <a:shade val="15000"/>
+            </a:schemeClr>
+          </a:lnRef>
+          <a:fillRef idx="1">
+            <a:schemeClr val="accent1"/>
+          </a:fillRef>
+          <a:effectRef idx="0">
+            <a:schemeClr val="accent1"/>
+          </a:effectRef>
+          <a:fontRef idx="minor">
+            <a:schemeClr val="lt1"/>
+          </a:fontRef>
+        </p:style>
+        <p:txBody>
+          <a:bodyPr rtlCol="0" anchor="ctr"/>
+          <a:lstStyle/>
+          <a:p>
+            <a:pPr algn="ctr"/>
+            <a:endParaRPr lang="ko-KR" altLang="en-US" dirty="0"/>
+          </a:p>
+        </p:txBody>
+      </p:sp>
+      <p:sp>
+        <p:nvSpPr>
+          <p:cNvPr id="15" name="TextBox 14">
+            <a:extLst>
+              <a:ext uri="{FF2B5EF4-FFF2-40B4-BE49-F238E27FC236}">
+                <a16:creationId xmlns:a16="http://schemas.microsoft.com/office/drawing/2014/main" id="{CFE0EB47-FEED-EE32-70D6-78A77E761CD7}"/>
+              </a:ext>
+            </a:extLst>
+          </p:cNvPr>
+          <p:cNvSpPr txBox="1"/>
+          <p:nvPr/>
+        </p:nvSpPr>
+        <p:spPr>
+          <a:xfrm>
+            <a:off x="273021" y="108654"/>
+            <a:ext cx="839012" cy="369332"/>
+          </a:xfrm>
+          <a:prstGeom prst="rect">
+            <a:avLst/>
+          </a:prstGeom>
+          <a:noFill/>
+        </p:spPr>
+        <p:txBody>
+          <a:bodyPr wrap="none" rtlCol="0">
+            <a:spAutoFit/>
+          </a:bodyPr>
+          <a:lstStyle/>
+          <a:p>
+            <a:r>
+              <a:rPr lang="en-US" altLang="ko-KR" dirty="0">
+                <a:solidFill>
+                  <a:schemeClr val="bg1"/>
+                </a:solidFill>
+              </a:rPr>
+              <a:t>Setting</a:t>
+            </a:r>
+          </a:p>
+        </p:txBody>
+      </p:sp>
+      <p:grpSp>
+        <p:nvGrpSpPr>
+          <p:cNvPr id="4" name="Group 3">
+            <a:extLst>
+              <a:ext uri="{FF2B5EF4-FFF2-40B4-BE49-F238E27FC236}">
+                <a16:creationId xmlns:a16="http://schemas.microsoft.com/office/drawing/2014/main" id="{D2798422-43F6-DD58-E7F5-37B7110CF785}"/>
+              </a:ext>
+            </a:extLst>
+          </p:cNvPr>
+          <p:cNvGrpSpPr/>
+          <p:nvPr/>
+        </p:nvGrpSpPr>
+        <p:grpSpPr>
+          <a:xfrm>
+            <a:off x="-1" y="9201150"/>
+            <a:ext cx="6732589" cy="914399"/>
+            <a:chOff x="-1" y="9201150"/>
+            <a:chExt cx="6732589" cy="914399"/>
+          </a:xfrm>
+        </p:grpSpPr>
+        <p:sp>
+          <p:nvSpPr>
+            <p:cNvPr id="5" name="Rectangle 4">
+              <a:extLst>
+                <a:ext uri="{FF2B5EF4-FFF2-40B4-BE49-F238E27FC236}">
+                  <a16:creationId xmlns:a16="http://schemas.microsoft.com/office/drawing/2014/main" id="{7E99A680-A337-0D20-29E6-A9C56A41E9B9}"/>
+                </a:ext>
+              </a:extLst>
+            </p:cNvPr>
+            <p:cNvSpPr/>
+            <p:nvPr/>
+          </p:nvSpPr>
+          <p:spPr>
+            <a:xfrm>
+              <a:off x="-1" y="9201150"/>
+              <a:ext cx="6732589" cy="914399"/>
+            </a:xfrm>
+            <a:prstGeom prst="rect">
+              <a:avLst/>
+            </a:prstGeom>
+            <a:solidFill>
+              <a:srgbClr val="355D7E"/>
+            </a:solidFill>
+            <a:ln>
+              <a:noFill/>
+            </a:ln>
+            <a:effectLst>
+              <a:outerShdw blurRad="546100" dist="38100" dir="16200000" sx="84000" sy="84000" rotWithShape="0">
+                <a:prstClr val="black">
+                  <a:alpha val="12000"/>
+                </a:prstClr>
+              </a:outerShdw>
+            </a:effectLst>
+          </p:spPr>
+          <p:style>
+            <a:lnRef idx="2">
+              <a:schemeClr val="accent1">
+                <a:shade val="15000"/>
+              </a:schemeClr>
+            </a:lnRef>
+            <a:fillRef idx="1">
+              <a:schemeClr val="accent1"/>
+            </a:fillRef>
+            <a:effectRef idx="0">
+              <a:schemeClr val="accent1"/>
+            </a:effectRef>
+            <a:fontRef idx="minor">
+              <a:schemeClr val="lt1"/>
+            </a:fontRef>
+          </p:style>
+          <p:txBody>
+            <a:bodyPr rtlCol="0" anchor="ctr"/>
+            <a:lstStyle/>
+            <a:p>
+              <a:pPr algn="ctr"/>
+              <a:endParaRPr lang="ko-KR" altLang="en-US"/>
+            </a:p>
+          </p:txBody>
+        </p:sp>
+        <p:sp>
+          <p:nvSpPr>
+            <p:cNvPr id="6" name="TextBox 5">
+              <a:extLst>
+                <a:ext uri="{FF2B5EF4-FFF2-40B4-BE49-F238E27FC236}">
+                  <a16:creationId xmlns:a16="http://schemas.microsoft.com/office/drawing/2014/main" id="{271517EB-62BD-13E0-46FA-51E6D46E5D1A}"/>
+                </a:ext>
+              </a:extLst>
+            </p:cNvPr>
+            <p:cNvSpPr txBox="1"/>
+            <p:nvPr/>
+          </p:nvSpPr>
+          <p:spPr>
+            <a:xfrm>
+              <a:off x="720582" y="9727537"/>
+              <a:ext cx="688009" cy="338554"/>
+            </a:xfrm>
+            <a:prstGeom prst="rect">
+              <a:avLst/>
+            </a:prstGeom>
+            <a:noFill/>
+          </p:spPr>
+          <p:txBody>
+            <a:bodyPr wrap="none" rtlCol="0">
+              <a:spAutoFit/>
+            </a:bodyPr>
+            <a:lstStyle/>
+            <a:p>
+              <a:r>
+                <a:rPr lang="en-US" altLang="ko-KR" sz="1600" b="1" dirty="0">
+                  <a:solidFill>
+                    <a:schemeClr val="accent1">
+                      <a:lumMod val="75000"/>
+                    </a:schemeClr>
+                  </a:solidFill>
+                </a:rPr>
+                <a:t>Home</a:t>
+              </a:r>
+            </a:p>
+          </p:txBody>
+        </p:sp>
+        <p:sp>
+          <p:nvSpPr>
+            <p:cNvPr id="7" name="TextBox 6">
+              <a:extLst>
+                <a:ext uri="{FF2B5EF4-FFF2-40B4-BE49-F238E27FC236}">
+                  <a16:creationId xmlns:a16="http://schemas.microsoft.com/office/drawing/2014/main" id="{6DCAEE79-B9C1-E24D-52F4-AA5295C72769}"/>
+                </a:ext>
+              </a:extLst>
+            </p:cNvPr>
+            <p:cNvSpPr txBox="1"/>
+            <p:nvPr/>
+          </p:nvSpPr>
+          <p:spPr>
+            <a:xfrm>
+              <a:off x="3001929" y="9739919"/>
+              <a:ext cx="698012" cy="338554"/>
+            </a:xfrm>
+            <a:prstGeom prst="rect">
+              <a:avLst/>
+            </a:prstGeom>
+            <a:noFill/>
+          </p:spPr>
+          <p:txBody>
+            <a:bodyPr wrap="none" rtlCol="0">
+              <a:spAutoFit/>
+            </a:bodyPr>
+            <a:lstStyle/>
+            <a:p>
+              <a:r>
+                <a:rPr lang="en-US" altLang="ko-KR" sz="1600" dirty="0">
+                  <a:solidFill>
+                    <a:schemeClr val="accent1">
+                      <a:lumMod val="75000"/>
+                    </a:schemeClr>
+                  </a:solidFill>
+                </a:rPr>
+                <a:t>Status</a:t>
+              </a:r>
+            </a:p>
+          </p:txBody>
+        </p:sp>
+        <p:sp>
+          <p:nvSpPr>
+            <p:cNvPr id="8" name="TextBox 7">
+              <a:extLst>
+                <a:ext uri="{FF2B5EF4-FFF2-40B4-BE49-F238E27FC236}">
+                  <a16:creationId xmlns:a16="http://schemas.microsoft.com/office/drawing/2014/main" id="{29CD9312-0722-37E2-E1DD-BE2FF023082D}"/>
+                </a:ext>
+              </a:extLst>
+            </p:cNvPr>
+            <p:cNvSpPr txBox="1"/>
+            <p:nvPr/>
+          </p:nvSpPr>
+          <p:spPr>
+            <a:xfrm>
+              <a:off x="5281105" y="9713901"/>
+              <a:ext cx="765787" cy="338554"/>
+            </a:xfrm>
+            <a:prstGeom prst="rect">
+              <a:avLst/>
+            </a:prstGeom>
+            <a:noFill/>
+          </p:spPr>
+          <p:txBody>
+            <a:bodyPr wrap="none" rtlCol="0">
+              <a:spAutoFit/>
+            </a:bodyPr>
+            <a:lstStyle/>
+            <a:p>
+              <a:r>
+                <a:rPr lang="en-US" altLang="ko-KR" sz="1600" dirty="0">
+                  <a:solidFill>
+                    <a:schemeClr val="bg2">
+                      <a:lumMod val="75000"/>
+                    </a:schemeClr>
+                  </a:solidFill>
+                </a:rPr>
+                <a:t>Setting</a:t>
+              </a:r>
+            </a:p>
+          </p:txBody>
+        </p:sp>
+        <p:pic>
+          <p:nvPicPr>
+            <p:cNvPr id="9" name="Graphic 8" descr="House with solid fill">
+              <a:extLst>
+                <a:ext uri="{FF2B5EF4-FFF2-40B4-BE49-F238E27FC236}">
+                  <a16:creationId xmlns:a16="http://schemas.microsoft.com/office/drawing/2014/main" id="{6942A678-8770-5678-4793-943944E1931E}"/>
+                </a:ext>
+              </a:extLst>
+            </p:cNvPr>
+            <p:cNvPicPr>
+              <a:picLocks noChangeAspect="1"/>
+            </p:cNvPicPr>
+            <p:nvPr/>
+          </p:nvPicPr>
+          <p:blipFill>
+            <a:blip r:embed="rId2">
+              <a:extLst>
+                <a:ext uri="{28A0092B-C50C-407E-A947-70E740481C1C}">
+                  <a14:useLocalDpi xmlns:a14="http://schemas.microsoft.com/office/drawing/2010/main" val="0"/>
+                </a:ext>
+                <a:ext uri="{96DAC541-7B7A-43D3-8B79-37D633B846F1}">
+                  <asvg:svgBlip xmlns:asvg="http://schemas.microsoft.com/office/drawing/2016/SVG/main" r:embed="rId3"/>
+                </a:ext>
+              </a:extLst>
+            </a:blip>
+            <a:stretch>
+              <a:fillRect/>
+            </a:stretch>
+          </p:blipFill>
+          <p:spPr>
+            <a:xfrm>
+              <a:off x="882884" y="9411398"/>
+              <a:ext cx="362008" cy="362008"/>
+            </a:xfrm>
+            <a:prstGeom prst="rect">
+              <a:avLst/>
+            </a:prstGeom>
+          </p:spPr>
+        </p:pic>
+        <p:pic>
+          <p:nvPicPr>
+            <p:cNvPr id="10" name="Graphic 9" descr="User with solid fill">
+              <a:extLst>
+                <a:ext uri="{FF2B5EF4-FFF2-40B4-BE49-F238E27FC236}">
+                  <a16:creationId xmlns:a16="http://schemas.microsoft.com/office/drawing/2014/main" id="{F4396F38-FB0D-4A42-E1C6-AA7B31D5FBD3}"/>
+                </a:ext>
+              </a:extLst>
+            </p:cNvPr>
+            <p:cNvPicPr>
+              <a:picLocks noChangeAspect="1"/>
+            </p:cNvPicPr>
+            <p:nvPr/>
+          </p:nvPicPr>
+          <p:blipFill>
+            <a:blip r:embed="rId4">
+              <a:extLst>
+                <a:ext uri="{28A0092B-C50C-407E-A947-70E740481C1C}">
+                  <a14:useLocalDpi xmlns:a14="http://schemas.microsoft.com/office/drawing/2010/main" val="0"/>
+                </a:ext>
+                <a:ext uri="{96DAC541-7B7A-43D3-8B79-37D633B846F1}">
+                  <asvg:svgBlip xmlns:asvg="http://schemas.microsoft.com/office/drawing/2016/SVG/main" r:embed="rId5"/>
+                </a:ext>
+              </a:extLst>
+            </a:blip>
+            <a:stretch>
+              <a:fillRect/>
+            </a:stretch>
+          </p:blipFill>
+          <p:spPr>
+            <a:xfrm>
+              <a:off x="5472854" y="9411398"/>
+              <a:ext cx="362008" cy="362008"/>
+            </a:xfrm>
+            <a:prstGeom prst="rect">
+              <a:avLst/>
+            </a:prstGeom>
+          </p:spPr>
+        </p:pic>
+        <p:pic>
+          <p:nvPicPr>
+            <p:cNvPr id="11" name="Graphic 10" descr="Window with solid fill">
+              <a:extLst>
+                <a:ext uri="{FF2B5EF4-FFF2-40B4-BE49-F238E27FC236}">
+                  <a16:creationId xmlns:a16="http://schemas.microsoft.com/office/drawing/2014/main" id="{96EEAE3F-A5C6-84F4-7C16-036F1A46E4D3}"/>
+                </a:ext>
+              </a:extLst>
+            </p:cNvPr>
+            <p:cNvPicPr>
+              <a:picLocks noChangeAspect="1"/>
+            </p:cNvPicPr>
+            <p:nvPr/>
+          </p:nvPicPr>
+          <p:blipFill>
+            <a:blip r:embed="rId6">
+              <a:extLst>
+                <a:ext uri="{28A0092B-C50C-407E-A947-70E740481C1C}">
+                  <a14:useLocalDpi xmlns:a14="http://schemas.microsoft.com/office/drawing/2010/main" val="0"/>
+                </a:ext>
+                <a:ext uri="{96DAC541-7B7A-43D3-8B79-37D633B846F1}">
+                  <asvg:svgBlip xmlns:asvg="http://schemas.microsoft.com/office/drawing/2016/SVG/main" r:embed="rId7"/>
+                </a:ext>
+              </a:extLst>
+            </a:blip>
+            <a:stretch>
+              <a:fillRect/>
+            </a:stretch>
+          </p:blipFill>
+          <p:spPr>
+            <a:xfrm>
+              <a:off x="3182771" y="9449253"/>
+              <a:ext cx="324153" cy="324153"/>
+            </a:xfrm>
+            <a:prstGeom prst="rect">
+              <a:avLst/>
+            </a:prstGeom>
+          </p:spPr>
+        </p:pic>
+      </p:grpSp>
+      <p:sp>
+        <p:nvSpPr>
+          <p:cNvPr id="23" name="TextBox 22">
+            <a:extLst>
+              <a:ext uri="{FF2B5EF4-FFF2-40B4-BE49-F238E27FC236}">
+                <a16:creationId xmlns:a16="http://schemas.microsoft.com/office/drawing/2014/main" id="{EE6A452B-62CF-9369-3E26-5EB33CB904A1}"/>
+              </a:ext>
+            </a:extLst>
+          </p:cNvPr>
+          <p:cNvSpPr txBox="1"/>
+          <p:nvPr/>
+        </p:nvSpPr>
+        <p:spPr>
+          <a:xfrm>
+            <a:off x="2401830" y="834957"/>
+            <a:ext cx="1928926" cy="369332"/>
+          </a:xfrm>
+          <a:prstGeom prst="rect">
+            <a:avLst/>
+          </a:prstGeom>
+          <a:noFill/>
+        </p:spPr>
+        <p:txBody>
+          <a:bodyPr wrap="none" rtlCol="0">
+            <a:spAutoFit/>
+          </a:bodyPr>
+          <a:lstStyle/>
+          <a:p>
+            <a:r>
+              <a:rPr lang="en-GB" dirty="0">
+                <a:solidFill>
+                  <a:schemeClr val="accent1">
+                    <a:lumMod val="50000"/>
+                  </a:schemeClr>
+                </a:solidFill>
+              </a:rPr>
+              <a:t>App version : 1.0.0</a:t>
+            </a:r>
+          </a:p>
+        </p:txBody>
+      </p:sp>
+    </p:spTree>
+    <p:extLst>
+      <p:ext uri="{BB962C8B-B14F-4D97-AF65-F5344CB8AC3E}">
+        <p14:creationId xmlns:p14="http://schemas.microsoft.com/office/powerpoint/2010/main" val="3386162287"/>
+      </p:ext>
+    </p:extLst>
+  </p:cSld>
+  <p:clrMapOvr>
+    <a:masterClrMapping/>
+  </p:clrMapOvr>
+</p:sld>
+</file>
+
+<file path=ppt/slides/slide11.xml><?xml version="1.0" encoding="utf-8"?>
+<p:sld xmlns:a="http://schemas.openxmlformats.org/drawingml/2006/main" xmlns:r="http://schemas.openxmlformats.org/officeDocument/2006/relationships" xmlns:p="http://schemas.openxmlformats.org/presentationml/2006/main">
+  <p:cSld>
+    <p:spTree>
+      <p:nvGrpSpPr>
+        <p:cNvPr id="1" name="">
+          <a:extLst>
+            <a:ext uri="{FF2B5EF4-FFF2-40B4-BE49-F238E27FC236}">
+              <a16:creationId xmlns:a16="http://schemas.microsoft.com/office/drawing/2014/main" id="{AFA17D20-D0E7-4D5D-27E1-34257D629753}"/>
+            </a:ext>
+          </a:extLst>
+        </p:cNvPr>
+        <p:cNvGrpSpPr/>
+        <p:nvPr/>
+      </p:nvGrpSpPr>
+      <p:grpSpPr>
+        <a:xfrm>
+          <a:off x="0" y="0"/>
+          <a:ext cx="0" cy="0"/>
+          <a:chOff x="0" y="0"/>
+          <a:chExt cx="0" cy="0"/>
+        </a:xfrm>
+      </p:grpSpPr>
+      <p:sp>
+        <p:nvSpPr>
+          <p:cNvPr id="14" name="Rectangle 13">
+            <a:extLst>
+              <a:ext uri="{FF2B5EF4-FFF2-40B4-BE49-F238E27FC236}">
+                <a16:creationId xmlns:a16="http://schemas.microsoft.com/office/drawing/2014/main" id="{3588551C-986A-F5A3-5107-031EB40646CF}"/>
+              </a:ext>
+            </a:extLst>
+          </p:cNvPr>
+          <p:cNvSpPr/>
+          <p:nvPr/>
+        </p:nvSpPr>
+        <p:spPr>
+          <a:xfrm>
+            <a:off x="0" y="0"/>
+            <a:ext cx="6732588" cy="586854"/>
+          </a:xfrm>
+          <a:prstGeom prst="rect">
+            <a:avLst/>
+          </a:prstGeom>
+          <a:solidFill>
+            <a:schemeClr val="accent1">
+              <a:lumMod val="50000"/>
+            </a:schemeClr>
+          </a:solidFill>
+          <a:ln>
+            <a:noFill/>
+          </a:ln>
+        </p:spPr>
+        <p:style>
+          <a:lnRef idx="2">
+            <a:schemeClr val="accent1">
+              <a:shade val="15000"/>
+            </a:schemeClr>
+          </a:lnRef>
+          <a:fillRef idx="1">
+            <a:schemeClr val="accent1"/>
+          </a:fillRef>
+          <a:effectRef idx="0">
+            <a:schemeClr val="accent1"/>
+          </a:effectRef>
+          <a:fontRef idx="minor">
+            <a:schemeClr val="lt1"/>
+          </a:fontRef>
+        </p:style>
+        <p:txBody>
+          <a:bodyPr rtlCol="0" anchor="ctr"/>
+          <a:lstStyle/>
+          <a:p>
+            <a:pPr algn="ctr"/>
+            <a:endParaRPr lang="ko-KR" altLang="en-US" dirty="0"/>
+          </a:p>
+        </p:txBody>
+      </p:sp>
+      <p:sp>
+        <p:nvSpPr>
+          <p:cNvPr id="15" name="TextBox 14">
+            <a:extLst>
+              <a:ext uri="{FF2B5EF4-FFF2-40B4-BE49-F238E27FC236}">
+                <a16:creationId xmlns:a16="http://schemas.microsoft.com/office/drawing/2014/main" id="{6AEA2DE6-1F61-9096-4F52-BDBF92F5CEA6}"/>
+              </a:ext>
+            </a:extLst>
+          </p:cNvPr>
+          <p:cNvSpPr txBox="1"/>
+          <p:nvPr/>
+        </p:nvSpPr>
+        <p:spPr>
+          <a:xfrm>
+            <a:off x="273020" y="108654"/>
+            <a:ext cx="5411499" cy="646331"/>
+          </a:xfrm>
+          <a:prstGeom prst="rect">
+            <a:avLst/>
+          </a:prstGeom>
+          <a:noFill/>
+        </p:spPr>
+        <p:txBody>
+          <a:bodyPr wrap="square" rtlCol="0">
+            <a:spAutoFit/>
+          </a:bodyPr>
+          <a:lstStyle/>
+          <a:p>
+            <a:r>
+              <a:rPr lang="en-US" altLang="ko-KR" dirty="0">
+                <a:solidFill>
+                  <a:schemeClr val="bg1"/>
+                </a:solidFill>
+              </a:rPr>
+              <a:t>&lt; Personal Information</a:t>
+            </a:r>
+          </a:p>
+          <a:p>
+            <a:endParaRPr lang="en-US" altLang="ko-KR" dirty="0">
+              <a:solidFill>
+                <a:schemeClr val="bg1"/>
+              </a:solidFill>
+            </a:endParaRPr>
+          </a:p>
+        </p:txBody>
+      </p:sp>
+      <p:sp>
+        <p:nvSpPr>
+          <p:cNvPr id="24" name="Flowchart: Terminator 23">
+            <a:extLst>
+              <a:ext uri="{FF2B5EF4-FFF2-40B4-BE49-F238E27FC236}">
+                <a16:creationId xmlns:a16="http://schemas.microsoft.com/office/drawing/2014/main" id="{66D9EFA9-2E0C-949F-8553-33128E8AABBC}"/>
+              </a:ext>
+            </a:extLst>
+          </p:cNvPr>
+          <p:cNvSpPr/>
+          <p:nvPr/>
+        </p:nvSpPr>
+        <p:spPr>
+          <a:xfrm>
+            <a:off x="2315017" y="1549387"/>
+            <a:ext cx="2215548" cy="407194"/>
+          </a:xfrm>
+          <a:prstGeom prst="flowChartTerminator">
+            <a:avLst/>
+          </a:prstGeom>
+          <a:solidFill>
+            <a:schemeClr val="accent1">
+              <a:lumMod val="50000"/>
+            </a:schemeClr>
+          </a:solidFill>
+          <a:ln w="28575">
+            <a:solidFill>
+              <a:srgbClr val="FFFFFF"/>
+            </a:solidFill>
+          </a:ln>
+        </p:spPr>
+        <p:style>
+          <a:lnRef idx="2">
+            <a:schemeClr val="accent1">
+              <a:shade val="15000"/>
+            </a:schemeClr>
+          </a:lnRef>
+          <a:fillRef idx="1">
+            <a:schemeClr val="accent1"/>
+          </a:fillRef>
+          <a:effectRef idx="0">
+            <a:schemeClr val="accent1"/>
+          </a:effectRef>
+          <a:fontRef idx="minor">
+            <a:schemeClr val="lt1"/>
+          </a:fontRef>
+        </p:style>
+        <p:txBody>
+          <a:bodyPr rtlCol="0" anchor="ctr"/>
+          <a:lstStyle/>
+          <a:p>
+            <a:pPr algn="ctr"/>
+            <a:r>
+              <a:rPr lang="en-GB" dirty="0"/>
+              <a:t>RECOVERY RATE</a:t>
+            </a:r>
+          </a:p>
+        </p:txBody>
+      </p:sp>
+      <p:sp>
+        <p:nvSpPr>
+          <p:cNvPr id="28" name="Oval 27">
+            <a:extLst>
+              <a:ext uri="{FF2B5EF4-FFF2-40B4-BE49-F238E27FC236}">
+                <a16:creationId xmlns:a16="http://schemas.microsoft.com/office/drawing/2014/main" id="{4D9C65E9-1D33-D2FF-869D-022F8072B822}"/>
+              </a:ext>
+            </a:extLst>
+          </p:cNvPr>
+          <p:cNvSpPr/>
+          <p:nvPr/>
+        </p:nvSpPr>
+        <p:spPr>
+          <a:xfrm>
+            <a:off x="6045075" y="1287690"/>
+            <a:ext cx="207820" cy="207820"/>
+          </a:xfrm>
+          <a:prstGeom prst="ellipse">
+            <a:avLst/>
+          </a:prstGeom>
+          <a:solidFill>
+            <a:schemeClr val="bg1"/>
+          </a:solidFill>
+          <a:ln>
+            <a:noFill/>
+          </a:ln>
+        </p:spPr>
+        <p:style>
+          <a:lnRef idx="2">
+            <a:schemeClr val="accent1">
+              <a:shade val="15000"/>
+            </a:schemeClr>
+          </a:lnRef>
+          <a:fillRef idx="1">
+            <a:schemeClr val="accent1"/>
+          </a:fillRef>
+          <a:effectRef idx="0">
+            <a:schemeClr val="accent1"/>
+          </a:effectRef>
+          <a:fontRef idx="minor">
+            <a:schemeClr val="lt1"/>
+          </a:fontRef>
+        </p:style>
+        <p:txBody>
+          <a:bodyPr rtlCol="0" anchor="ctr"/>
+          <a:lstStyle/>
+          <a:p>
+            <a:pPr algn="ctr"/>
+            <a:endParaRPr lang="en-GB" dirty="0"/>
+          </a:p>
+        </p:txBody>
+      </p:sp>
+      <p:sp>
+        <p:nvSpPr>
+          <p:cNvPr id="29" name="Oval 28">
+            <a:extLst>
+              <a:ext uri="{FF2B5EF4-FFF2-40B4-BE49-F238E27FC236}">
+                <a16:creationId xmlns:a16="http://schemas.microsoft.com/office/drawing/2014/main" id="{28E8F6D9-BFEB-4865-4B32-75848012C353}"/>
+              </a:ext>
+            </a:extLst>
+          </p:cNvPr>
+          <p:cNvSpPr/>
+          <p:nvPr/>
+        </p:nvSpPr>
+        <p:spPr>
+          <a:xfrm>
+            <a:off x="479693" y="1287690"/>
+            <a:ext cx="207820" cy="207820"/>
+          </a:xfrm>
+          <a:prstGeom prst="ellipse">
+            <a:avLst/>
+          </a:prstGeom>
+          <a:solidFill>
+            <a:schemeClr val="bg1"/>
+          </a:solidFill>
+          <a:ln>
+            <a:noFill/>
+          </a:ln>
+        </p:spPr>
+        <p:style>
+          <a:lnRef idx="2">
+            <a:schemeClr val="accent1">
+              <a:shade val="15000"/>
+            </a:schemeClr>
+          </a:lnRef>
+          <a:fillRef idx="1">
+            <a:schemeClr val="accent1"/>
+          </a:fillRef>
+          <a:effectRef idx="0">
+            <a:schemeClr val="accent1"/>
+          </a:effectRef>
+          <a:fontRef idx="minor">
+            <a:schemeClr val="lt1"/>
+          </a:fontRef>
+        </p:style>
+        <p:txBody>
+          <a:bodyPr rtlCol="0" anchor="ctr"/>
+          <a:lstStyle/>
+          <a:p>
+            <a:pPr algn="ctr"/>
+            <a:endParaRPr lang="en-GB" dirty="0"/>
+          </a:p>
+        </p:txBody>
+      </p:sp>
+      <p:cxnSp>
+        <p:nvCxnSpPr>
+          <p:cNvPr id="19" name="Straight Connector 18">
+            <a:extLst>
+              <a:ext uri="{FF2B5EF4-FFF2-40B4-BE49-F238E27FC236}">
+                <a16:creationId xmlns:a16="http://schemas.microsoft.com/office/drawing/2014/main" id="{7D70EE37-2CB5-14F7-3EE6-67D7CA2FDD84}"/>
+              </a:ext>
+            </a:extLst>
+          </p:cNvPr>
+          <p:cNvCxnSpPr>
+            <a:cxnSpLocks/>
+          </p:cNvCxnSpPr>
+          <p:nvPr/>
+        </p:nvCxnSpPr>
+        <p:spPr>
+          <a:xfrm>
+            <a:off x="583603" y="1391600"/>
+            <a:ext cx="5565382" cy="0"/>
+          </a:xfrm>
+          <a:prstGeom prst="line">
+            <a:avLst/>
+          </a:prstGeom>
+          <a:ln>
+            <a:solidFill>
+              <a:schemeClr val="accent1">
+                <a:lumMod val="50000"/>
+              </a:schemeClr>
+            </a:solidFill>
+          </a:ln>
+        </p:spPr>
+        <p:style>
+          <a:lnRef idx="3">
+            <a:schemeClr val="accent1"/>
+          </a:lnRef>
+          <a:fillRef idx="0">
+            <a:schemeClr val="accent1"/>
+          </a:fillRef>
+          <a:effectRef idx="2">
+            <a:schemeClr val="accent1"/>
+          </a:effectRef>
+          <a:fontRef idx="minor">
+            <a:schemeClr val="tx1"/>
+          </a:fontRef>
+        </p:style>
+      </p:cxnSp>
+      <p:sp>
+        <p:nvSpPr>
+          <p:cNvPr id="30" name="Oval 29">
+            <a:extLst>
+              <a:ext uri="{FF2B5EF4-FFF2-40B4-BE49-F238E27FC236}">
+                <a16:creationId xmlns:a16="http://schemas.microsoft.com/office/drawing/2014/main" id="{6B64FB10-CB90-0D0C-4943-BE62264D0337}"/>
+              </a:ext>
+            </a:extLst>
+          </p:cNvPr>
+          <p:cNvSpPr/>
+          <p:nvPr/>
+        </p:nvSpPr>
+        <p:spPr>
+          <a:xfrm>
+            <a:off x="1314845" y="1287690"/>
+            <a:ext cx="207820" cy="207820"/>
+          </a:xfrm>
+          <a:prstGeom prst="ellipse">
+            <a:avLst/>
+          </a:prstGeom>
+          <a:solidFill>
+            <a:schemeClr val="bg2">
+              <a:lumMod val="75000"/>
+            </a:schemeClr>
+          </a:solidFill>
+          <a:ln>
+            <a:noFill/>
+          </a:ln>
+        </p:spPr>
+        <p:style>
+          <a:lnRef idx="2">
+            <a:schemeClr val="accent1">
+              <a:shade val="15000"/>
+            </a:schemeClr>
+          </a:lnRef>
+          <a:fillRef idx="1">
+            <a:schemeClr val="accent1"/>
+          </a:fillRef>
+          <a:effectRef idx="0">
+            <a:schemeClr val="accent1"/>
+          </a:effectRef>
+          <a:fontRef idx="minor">
+            <a:schemeClr val="lt1"/>
+          </a:fontRef>
+        </p:style>
+        <p:txBody>
+          <a:bodyPr rtlCol="0" anchor="ctr"/>
+          <a:lstStyle/>
+          <a:p>
+            <a:pPr algn="ctr"/>
+            <a:endParaRPr lang="en-GB" dirty="0"/>
+          </a:p>
+        </p:txBody>
+      </p:sp>
+      <p:grpSp>
+        <p:nvGrpSpPr>
+          <p:cNvPr id="7" name="Group 6">
+            <a:extLst>
+              <a:ext uri="{FF2B5EF4-FFF2-40B4-BE49-F238E27FC236}">
+                <a16:creationId xmlns:a16="http://schemas.microsoft.com/office/drawing/2014/main" id="{8DB3FB18-BD6F-0A73-D062-64DB64914E18}"/>
+              </a:ext>
+            </a:extLst>
+          </p:cNvPr>
+          <p:cNvGrpSpPr/>
+          <p:nvPr/>
+        </p:nvGrpSpPr>
+        <p:grpSpPr>
+          <a:xfrm>
+            <a:off x="-1" y="9201150"/>
+            <a:ext cx="6732589" cy="914399"/>
+            <a:chOff x="-1" y="9201150"/>
+            <a:chExt cx="6732589" cy="914399"/>
+          </a:xfrm>
+        </p:grpSpPr>
+        <p:sp>
+          <p:nvSpPr>
+            <p:cNvPr id="8" name="Rectangle 7">
+              <a:extLst>
+                <a:ext uri="{FF2B5EF4-FFF2-40B4-BE49-F238E27FC236}">
+                  <a16:creationId xmlns:a16="http://schemas.microsoft.com/office/drawing/2014/main" id="{0DFDBB37-856A-D495-7635-1928DB334C92}"/>
+                </a:ext>
+              </a:extLst>
+            </p:cNvPr>
+            <p:cNvSpPr/>
+            <p:nvPr/>
+          </p:nvSpPr>
+          <p:spPr>
+            <a:xfrm>
+              <a:off x="-1" y="9201150"/>
+              <a:ext cx="6732589" cy="914399"/>
+            </a:xfrm>
+            <a:prstGeom prst="rect">
+              <a:avLst/>
+            </a:prstGeom>
+            <a:solidFill>
+              <a:srgbClr val="355D7E"/>
+            </a:solidFill>
+            <a:ln>
+              <a:noFill/>
+            </a:ln>
+            <a:effectLst>
+              <a:outerShdw blurRad="546100" dist="38100" dir="16200000" sx="84000" sy="84000" rotWithShape="0">
+                <a:prstClr val="black">
+                  <a:alpha val="12000"/>
+                </a:prstClr>
+              </a:outerShdw>
+            </a:effectLst>
+          </p:spPr>
+          <p:style>
+            <a:lnRef idx="2">
+              <a:schemeClr val="accent1">
+                <a:shade val="15000"/>
+              </a:schemeClr>
+            </a:lnRef>
+            <a:fillRef idx="1">
+              <a:schemeClr val="accent1"/>
+            </a:fillRef>
+            <a:effectRef idx="0">
+              <a:schemeClr val="accent1"/>
+            </a:effectRef>
+            <a:fontRef idx="minor">
+              <a:schemeClr val="lt1"/>
+            </a:fontRef>
+          </p:style>
+          <p:txBody>
+            <a:bodyPr rtlCol="0" anchor="ctr"/>
+            <a:lstStyle/>
+            <a:p>
+              <a:pPr algn="ctr"/>
+              <a:endParaRPr lang="ko-KR" altLang="en-US"/>
+            </a:p>
+          </p:txBody>
+        </p:sp>
+        <p:sp>
+          <p:nvSpPr>
+            <p:cNvPr id="9" name="TextBox 8">
+              <a:extLst>
+                <a:ext uri="{FF2B5EF4-FFF2-40B4-BE49-F238E27FC236}">
+                  <a16:creationId xmlns:a16="http://schemas.microsoft.com/office/drawing/2014/main" id="{EE8194C3-E691-F10D-0B96-5CE5356CC5A8}"/>
+                </a:ext>
+              </a:extLst>
+            </p:cNvPr>
+            <p:cNvSpPr txBox="1"/>
+            <p:nvPr/>
+          </p:nvSpPr>
+          <p:spPr>
+            <a:xfrm>
+              <a:off x="720582" y="9727537"/>
+              <a:ext cx="688009" cy="338554"/>
+            </a:xfrm>
+            <a:prstGeom prst="rect">
+              <a:avLst/>
+            </a:prstGeom>
+            <a:noFill/>
+          </p:spPr>
+          <p:txBody>
+            <a:bodyPr wrap="none" rtlCol="0">
+              <a:spAutoFit/>
+            </a:bodyPr>
+            <a:lstStyle/>
+            <a:p>
+              <a:r>
+                <a:rPr lang="en-US" altLang="ko-KR" sz="1600" b="1" dirty="0">
+                  <a:solidFill>
+                    <a:schemeClr val="accent1">
+                      <a:lumMod val="75000"/>
+                    </a:schemeClr>
+                  </a:solidFill>
+                </a:rPr>
+                <a:t>Home</a:t>
+              </a:r>
+            </a:p>
+          </p:txBody>
+        </p:sp>
+        <p:sp>
+          <p:nvSpPr>
+            <p:cNvPr id="10" name="TextBox 9">
+              <a:extLst>
+                <a:ext uri="{FF2B5EF4-FFF2-40B4-BE49-F238E27FC236}">
+                  <a16:creationId xmlns:a16="http://schemas.microsoft.com/office/drawing/2014/main" id="{DD68EDE1-9336-FD60-B504-C23336F015D2}"/>
+                </a:ext>
+              </a:extLst>
+            </p:cNvPr>
+            <p:cNvSpPr txBox="1"/>
+            <p:nvPr/>
+          </p:nvSpPr>
+          <p:spPr>
+            <a:xfrm>
+              <a:off x="3001929" y="9739919"/>
+              <a:ext cx="698012" cy="338554"/>
+            </a:xfrm>
+            <a:prstGeom prst="rect">
+              <a:avLst/>
+            </a:prstGeom>
+            <a:noFill/>
+          </p:spPr>
+          <p:txBody>
+            <a:bodyPr wrap="none" rtlCol="0">
+              <a:spAutoFit/>
+            </a:bodyPr>
+            <a:lstStyle/>
+            <a:p>
+              <a:r>
+                <a:rPr lang="en-US" altLang="ko-KR" sz="1600" dirty="0">
+                  <a:solidFill>
+                    <a:schemeClr val="accent1">
+                      <a:lumMod val="75000"/>
+                    </a:schemeClr>
+                  </a:solidFill>
+                </a:rPr>
+                <a:t>Status</a:t>
+              </a:r>
+            </a:p>
+          </p:txBody>
+        </p:sp>
+        <p:sp>
+          <p:nvSpPr>
+            <p:cNvPr id="11" name="TextBox 10">
+              <a:extLst>
+                <a:ext uri="{FF2B5EF4-FFF2-40B4-BE49-F238E27FC236}">
+                  <a16:creationId xmlns:a16="http://schemas.microsoft.com/office/drawing/2014/main" id="{DC312995-BF6C-D5AD-0935-BA4130814FC7}"/>
+                </a:ext>
+              </a:extLst>
+            </p:cNvPr>
+            <p:cNvSpPr txBox="1"/>
+            <p:nvPr/>
+          </p:nvSpPr>
+          <p:spPr>
+            <a:xfrm>
+              <a:off x="5281105" y="9713901"/>
+              <a:ext cx="765787" cy="338554"/>
+            </a:xfrm>
+            <a:prstGeom prst="rect">
+              <a:avLst/>
+            </a:prstGeom>
+            <a:noFill/>
+          </p:spPr>
+          <p:txBody>
+            <a:bodyPr wrap="none" rtlCol="0">
+              <a:spAutoFit/>
+            </a:bodyPr>
+            <a:lstStyle/>
+            <a:p>
+              <a:r>
+                <a:rPr lang="en-US" altLang="ko-KR" sz="1600" dirty="0">
+                  <a:solidFill>
+                    <a:schemeClr val="bg2">
+                      <a:lumMod val="75000"/>
+                    </a:schemeClr>
+                  </a:solidFill>
+                </a:rPr>
+                <a:t>Setting</a:t>
+              </a:r>
+            </a:p>
+          </p:txBody>
+        </p:sp>
+        <p:pic>
+          <p:nvPicPr>
+            <p:cNvPr id="12" name="Graphic 11" descr="House with solid fill">
+              <a:extLst>
+                <a:ext uri="{FF2B5EF4-FFF2-40B4-BE49-F238E27FC236}">
+                  <a16:creationId xmlns:a16="http://schemas.microsoft.com/office/drawing/2014/main" id="{E5569F43-6570-D86F-EA98-3C443B5646F9}"/>
+                </a:ext>
+              </a:extLst>
+            </p:cNvPr>
+            <p:cNvPicPr>
+              <a:picLocks noChangeAspect="1"/>
+            </p:cNvPicPr>
+            <p:nvPr/>
+          </p:nvPicPr>
+          <p:blipFill>
+            <a:blip r:embed="rId2">
+              <a:extLst>
+                <a:ext uri="{28A0092B-C50C-407E-A947-70E740481C1C}">
+                  <a14:useLocalDpi xmlns:a14="http://schemas.microsoft.com/office/drawing/2010/main" val="0"/>
+                </a:ext>
+                <a:ext uri="{96DAC541-7B7A-43D3-8B79-37D633B846F1}">
+                  <asvg:svgBlip xmlns:asvg="http://schemas.microsoft.com/office/drawing/2016/SVG/main" r:embed="rId3"/>
+                </a:ext>
+              </a:extLst>
+            </a:blip>
+            <a:stretch>
+              <a:fillRect/>
+            </a:stretch>
+          </p:blipFill>
+          <p:spPr>
+            <a:xfrm>
+              <a:off x="882884" y="9411398"/>
+              <a:ext cx="362008" cy="362008"/>
+            </a:xfrm>
+            <a:prstGeom prst="rect">
+              <a:avLst/>
+            </a:prstGeom>
+          </p:spPr>
+        </p:pic>
+        <p:pic>
+          <p:nvPicPr>
+            <p:cNvPr id="13" name="Graphic 12" descr="User with solid fill">
+              <a:extLst>
+                <a:ext uri="{FF2B5EF4-FFF2-40B4-BE49-F238E27FC236}">
+                  <a16:creationId xmlns:a16="http://schemas.microsoft.com/office/drawing/2014/main" id="{227D7497-0CE2-77A5-275B-28EEFA701EEA}"/>
+                </a:ext>
+              </a:extLst>
+            </p:cNvPr>
+            <p:cNvPicPr>
+              <a:picLocks noChangeAspect="1"/>
+            </p:cNvPicPr>
+            <p:nvPr/>
+          </p:nvPicPr>
+          <p:blipFill>
+            <a:blip r:embed="rId4">
+              <a:extLst>
+                <a:ext uri="{28A0092B-C50C-407E-A947-70E740481C1C}">
+                  <a14:useLocalDpi xmlns:a14="http://schemas.microsoft.com/office/drawing/2010/main" val="0"/>
+                </a:ext>
+                <a:ext uri="{96DAC541-7B7A-43D3-8B79-37D633B846F1}">
+                  <asvg:svgBlip xmlns:asvg="http://schemas.microsoft.com/office/drawing/2016/SVG/main" r:embed="rId5"/>
+                </a:ext>
+              </a:extLst>
+            </a:blip>
+            <a:stretch>
+              <a:fillRect/>
+            </a:stretch>
+          </p:blipFill>
+          <p:spPr>
+            <a:xfrm>
+              <a:off x="5472854" y="9411398"/>
+              <a:ext cx="362008" cy="362008"/>
+            </a:xfrm>
+            <a:prstGeom prst="rect">
+              <a:avLst/>
+            </a:prstGeom>
+          </p:spPr>
+        </p:pic>
+        <p:pic>
+          <p:nvPicPr>
+            <p:cNvPr id="16" name="Graphic 15" descr="Window with solid fill">
+              <a:extLst>
+                <a:ext uri="{FF2B5EF4-FFF2-40B4-BE49-F238E27FC236}">
+                  <a16:creationId xmlns:a16="http://schemas.microsoft.com/office/drawing/2014/main" id="{ADBBD09E-5631-6953-443F-FC9A66024AF1}"/>
+                </a:ext>
+              </a:extLst>
+            </p:cNvPr>
+            <p:cNvPicPr>
+              <a:picLocks noChangeAspect="1"/>
+            </p:cNvPicPr>
+            <p:nvPr/>
+          </p:nvPicPr>
+          <p:blipFill>
+            <a:blip r:embed="rId6">
+              <a:extLst>
+                <a:ext uri="{28A0092B-C50C-407E-A947-70E740481C1C}">
+                  <a14:useLocalDpi xmlns:a14="http://schemas.microsoft.com/office/drawing/2010/main" val="0"/>
+                </a:ext>
+                <a:ext uri="{96DAC541-7B7A-43D3-8B79-37D633B846F1}">
+                  <asvg:svgBlip xmlns:asvg="http://schemas.microsoft.com/office/drawing/2016/SVG/main" r:embed="rId7"/>
+                </a:ext>
+              </a:extLst>
+            </a:blip>
+            <a:stretch>
+              <a:fillRect/>
+            </a:stretch>
+          </p:blipFill>
+          <p:spPr>
+            <a:xfrm>
+              <a:off x="3182771" y="9449253"/>
+              <a:ext cx="324153" cy="324153"/>
+            </a:xfrm>
+            <a:prstGeom prst="rect">
+              <a:avLst/>
+            </a:prstGeom>
+          </p:spPr>
+        </p:pic>
+      </p:grpSp>
+      <p:sp>
+        <p:nvSpPr>
+          <p:cNvPr id="18" name="TextBox 17">
+            <a:extLst>
+              <a:ext uri="{FF2B5EF4-FFF2-40B4-BE49-F238E27FC236}">
+                <a16:creationId xmlns:a16="http://schemas.microsoft.com/office/drawing/2014/main" id="{244D2540-013C-A90D-1F58-A8D1338377DD}"/>
+              </a:ext>
+            </a:extLst>
+          </p:cNvPr>
+          <p:cNvSpPr txBox="1"/>
+          <p:nvPr/>
+        </p:nvSpPr>
+        <p:spPr>
+          <a:xfrm>
+            <a:off x="2380384" y="8748241"/>
+            <a:ext cx="1928926" cy="369332"/>
+          </a:xfrm>
+          <a:prstGeom prst="rect">
+            <a:avLst/>
+          </a:prstGeom>
+          <a:noFill/>
+        </p:spPr>
+        <p:txBody>
+          <a:bodyPr wrap="none" rtlCol="0">
+            <a:spAutoFit/>
+          </a:bodyPr>
+          <a:lstStyle/>
+          <a:p>
+            <a:r>
+              <a:rPr lang="en-GB" dirty="0">
+                <a:solidFill>
+                  <a:schemeClr val="accent1">
+                    <a:lumMod val="50000"/>
+                  </a:schemeClr>
+                </a:solidFill>
+              </a:rPr>
+              <a:t>App version : 1.0.0</a:t>
+            </a:r>
+          </a:p>
+        </p:txBody>
+      </p:sp>
+      <p:sp>
+        <p:nvSpPr>
+          <p:cNvPr id="20" name="Rectangle 19">
+            <a:extLst>
+              <a:ext uri="{FF2B5EF4-FFF2-40B4-BE49-F238E27FC236}">
+                <a16:creationId xmlns:a16="http://schemas.microsoft.com/office/drawing/2014/main" id="{48E479DA-1C88-5682-EF1F-1832B2C023BA}"/>
+              </a:ext>
+            </a:extLst>
+          </p:cNvPr>
+          <p:cNvSpPr/>
+          <p:nvPr/>
+        </p:nvSpPr>
+        <p:spPr>
+          <a:xfrm>
+            <a:off x="172717" y="6029521"/>
+            <a:ext cx="6387152" cy="1132764"/>
+          </a:xfrm>
+          <a:prstGeom prst="rect">
+            <a:avLst/>
+          </a:prstGeom>
+          <a:solidFill>
+            <a:schemeClr val="bg2">
+              <a:lumMod val="75000"/>
+            </a:schemeClr>
+          </a:solidFill>
+          <a:ln>
+            <a:noFill/>
+          </a:ln>
+        </p:spPr>
+        <p:style>
+          <a:lnRef idx="2">
+            <a:schemeClr val="accent6"/>
+          </a:lnRef>
+          <a:fillRef idx="1">
+            <a:schemeClr val="lt1"/>
+          </a:fillRef>
+          <a:effectRef idx="0">
+            <a:schemeClr val="accent6"/>
+          </a:effectRef>
+          <a:fontRef idx="minor">
+            <a:schemeClr val="dk1"/>
+          </a:fontRef>
+        </p:style>
+        <p:txBody>
+          <a:bodyPr rtlCol="0" anchor="ctr"/>
+          <a:lstStyle/>
+          <a:p>
+            <a:pPr algn="ctr"/>
+            <a:r>
+              <a:rPr lang="en-US" altLang="ko-KR" dirty="0">
+                <a:solidFill>
+                  <a:schemeClr val="bg1"/>
+                </a:solidFill>
+              </a:rPr>
+              <a:t>Send Feedback</a:t>
+            </a:r>
+          </a:p>
+        </p:txBody>
+      </p:sp>
+      <p:sp>
+        <p:nvSpPr>
+          <p:cNvPr id="21" name="Rectangle 20">
+            <a:extLst>
+              <a:ext uri="{FF2B5EF4-FFF2-40B4-BE49-F238E27FC236}">
+                <a16:creationId xmlns:a16="http://schemas.microsoft.com/office/drawing/2014/main" id="{DCD3067F-25B9-A730-319A-53F3E950574C}"/>
+              </a:ext>
+            </a:extLst>
+          </p:cNvPr>
+          <p:cNvSpPr/>
+          <p:nvPr/>
+        </p:nvSpPr>
+        <p:spPr>
+          <a:xfrm>
+            <a:off x="172717" y="7336428"/>
+            <a:ext cx="6387152" cy="1132764"/>
+          </a:xfrm>
+          <a:prstGeom prst="rect">
+            <a:avLst/>
+          </a:prstGeom>
+          <a:solidFill>
+            <a:schemeClr val="bg2">
+              <a:lumMod val="75000"/>
+            </a:schemeClr>
+          </a:solidFill>
+          <a:ln>
+            <a:noFill/>
+          </a:ln>
+        </p:spPr>
+        <p:style>
+          <a:lnRef idx="2">
+            <a:schemeClr val="accent6"/>
+          </a:lnRef>
+          <a:fillRef idx="1">
+            <a:schemeClr val="lt1"/>
+          </a:fillRef>
+          <a:effectRef idx="0">
+            <a:schemeClr val="accent6"/>
+          </a:effectRef>
+          <a:fontRef idx="minor">
+            <a:schemeClr val="dk1"/>
+          </a:fontRef>
+        </p:style>
+        <p:txBody>
+          <a:bodyPr rtlCol="0" anchor="ctr"/>
+          <a:lstStyle/>
+          <a:p>
+            <a:pPr algn="ctr"/>
+            <a:r>
+              <a:rPr lang="en-US" altLang="ko-KR" dirty="0">
+                <a:solidFill>
+                  <a:schemeClr val="bg1"/>
+                </a:solidFill>
+              </a:rPr>
+              <a:t>Privacy Policy</a:t>
+            </a:r>
+          </a:p>
+        </p:txBody>
+      </p:sp>
+    </p:spTree>
+    <p:extLst>
+      <p:ext uri="{BB962C8B-B14F-4D97-AF65-F5344CB8AC3E}">
+        <p14:creationId xmlns:p14="http://schemas.microsoft.com/office/powerpoint/2010/main" val="3831091246"/>
+      </p:ext>
+    </p:extLst>
+  </p:cSld>
+  <p:clrMapOvr>
+    <a:masterClrMapping/>
+  </p:clrMapOvr>
+</p:sld>
+</file>
+
+<file path=ppt/slides/slide12.xml><?xml version="1.0" encoding="utf-8"?>
+<p:sld xmlns:a="http://schemas.openxmlformats.org/drawingml/2006/main" xmlns:r="http://schemas.openxmlformats.org/officeDocument/2006/relationships" xmlns:p="http://schemas.openxmlformats.org/presentationml/2006/main">
+  <p:cSld>
+    <p:spTree>
+      <p:nvGrpSpPr>
+        <p:cNvPr id="1" name=""/>
+        <p:cNvGrpSpPr/>
+        <p:nvPr/>
+      </p:nvGrpSpPr>
+      <p:grpSpPr>
+        <a:xfrm>
+          <a:off x="0" y="0"/>
+          <a:ext cx="0" cy="0"/>
+          <a:chOff x="0" y="0"/>
+          <a:chExt cx="0" cy="0"/>
+        </a:xfrm>
+      </p:grpSpPr>
+      <p:sp>
+        <p:nvSpPr>
+          <p:cNvPr id="3" name="Rectangle 2">
+            <a:extLst>
+              <a:ext uri="{FF2B5EF4-FFF2-40B4-BE49-F238E27FC236}">
+                <a16:creationId xmlns:a16="http://schemas.microsoft.com/office/drawing/2014/main" id="{2147982B-B160-4200-7BD2-370E8EF458DC}"/>
+              </a:ext>
+            </a:extLst>
+          </p:cNvPr>
+          <p:cNvSpPr/>
+          <p:nvPr/>
+        </p:nvSpPr>
+        <p:spPr>
+          <a:xfrm>
+            <a:off x="172718" y="2119652"/>
+            <a:ext cx="6387152" cy="1132764"/>
+          </a:xfrm>
+          <a:prstGeom prst="rect">
+            <a:avLst/>
+          </a:prstGeom>
+          <a:solidFill>
+            <a:schemeClr val="bg2">
+              <a:lumMod val="75000"/>
+            </a:schemeClr>
+          </a:solidFill>
+          <a:ln>
+            <a:noFill/>
+          </a:ln>
+        </p:spPr>
+        <p:style>
+          <a:lnRef idx="2">
+            <a:schemeClr val="accent6"/>
+          </a:lnRef>
+          <a:fillRef idx="1">
+            <a:schemeClr val="lt1"/>
+          </a:fillRef>
+          <a:effectRef idx="0">
+            <a:schemeClr val="accent6"/>
+          </a:effectRef>
+          <a:fontRef idx="minor">
+            <a:schemeClr val="dk1"/>
+          </a:fontRef>
+        </p:style>
+        <p:txBody>
+          <a:bodyPr rtlCol="0" anchor="ctr"/>
+          <a:lstStyle/>
+          <a:p>
+            <a:pPr algn="ctr"/>
+            <a:r>
+              <a:rPr lang="en-US" altLang="ko-KR" dirty="0">
+                <a:solidFill>
+                  <a:schemeClr val="bg1"/>
+                </a:solidFill>
+              </a:rPr>
+              <a:t>Send Feedback</a:t>
+            </a:r>
+          </a:p>
+        </p:txBody>
+      </p:sp>
+      <p:sp>
+        <p:nvSpPr>
+          <p:cNvPr id="12" name="Rectangle 11">
+            <a:extLst>
+              <a:ext uri="{FF2B5EF4-FFF2-40B4-BE49-F238E27FC236}">
+                <a16:creationId xmlns:a16="http://schemas.microsoft.com/office/drawing/2014/main" id="{CBD1EED8-F282-C698-ED56-2BC2A06C67BE}"/>
+              </a:ext>
+            </a:extLst>
+          </p:cNvPr>
+          <p:cNvSpPr/>
+          <p:nvPr/>
+        </p:nvSpPr>
+        <p:spPr>
+          <a:xfrm>
+            <a:off x="154367" y="3452433"/>
+            <a:ext cx="6387152" cy="1132764"/>
+          </a:xfrm>
+          <a:prstGeom prst="rect">
+            <a:avLst/>
+          </a:prstGeom>
+          <a:solidFill>
+            <a:schemeClr val="bg2">
+              <a:lumMod val="75000"/>
+            </a:schemeClr>
+          </a:solidFill>
+          <a:ln>
+            <a:noFill/>
+          </a:ln>
+        </p:spPr>
+        <p:style>
+          <a:lnRef idx="2">
+            <a:schemeClr val="accent6"/>
+          </a:lnRef>
+          <a:fillRef idx="1">
+            <a:schemeClr val="lt1"/>
+          </a:fillRef>
+          <a:effectRef idx="0">
+            <a:schemeClr val="accent6"/>
+          </a:effectRef>
+          <a:fontRef idx="minor">
+            <a:schemeClr val="dk1"/>
+          </a:fontRef>
+        </p:style>
+        <p:txBody>
+          <a:bodyPr rtlCol="0" anchor="ctr"/>
+          <a:lstStyle/>
+          <a:p>
+            <a:pPr algn="ctr"/>
+            <a:r>
+              <a:rPr lang="en-US" altLang="ko-KR" dirty="0">
+                <a:solidFill>
+                  <a:schemeClr val="bg1"/>
+                </a:solidFill>
+              </a:rPr>
+              <a:t>Privacy Policy</a:t>
+            </a:r>
+          </a:p>
+        </p:txBody>
+      </p:sp>
+      <p:sp>
+        <p:nvSpPr>
+          <p:cNvPr id="13" name="Rectangle 12">
+            <a:extLst>
+              <a:ext uri="{FF2B5EF4-FFF2-40B4-BE49-F238E27FC236}">
+                <a16:creationId xmlns:a16="http://schemas.microsoft.com/office/drawing/2014/main" id="{0DA49E67-E104-4B8A-C8F9-FDA29FBF707C}"/>
+              </a:ext>
+            </a:extLst>
+          </p:cNvPr>
+          <p:cNvSpPr/>
+          <p:nvPr/>
+        </p:nvSpPr>
+        <p:spPr>
+          <a:xfrm>
+            <a:off x="172718" y="786871"/>
+            <a:ext cx="6387152" cy="1132764"/>
+          </a:xfrm>
+          <a:prstGeom prst="rect">
+            <a:avLst/>
+          </a:prstGeom>
+          <a:solidFill>
+            <a:schemeClr val="bg2">
+              <a:lumMod val="75000"/>
+            </a:schemeClr>
+          </a:solidFill>
+          <a:ln>
+            <a:noFill/>
+          </a:ln>
+        </p:spPr>
+        <p:style>
+          <a:lnRef idx="2">
+            <a:schemeClr val="accent6"/>
+          </a:lnRef>
+          <a:fillRef idx="1">
+            <a:schemeClr val="lt1"/>
+          </a:fillRef>
+          <a:effectRef idx="0">
+            <a:schemeClr val="accent6"/>
+          </a:effectRef>
+          <a:fontRef idx="minor">
+            <a:schemeClr val="dk1"/>
+          </a:fontRef>
+        </p:style>
+        <p:txBody>
+          <a:bodyPr rtlCol="0" anchor="ctr"/>
+          <a:lstStyle/>
+          <a:p>
+            <a:pPr algn="ctr"/>
+            <a:r>
+              <a:rPr lang="en-US" altLang="ko-KR" dirty="0">
+                <a:solidFill>
+                  <a:schemeClr val="bg1"/>
+                </a:solidFill>
+              </a:rPr>
+              <a:t>Personal Information</a:t>
+            </a:r>
+          </a:p>
+        </p:txBody>
+      </p:sp>
+      <p:sp>
+        <p:nvSpPr>
+          <p:cNvPr id="14" name="Rectangle 13">
+            <a:extLst>
+              <a:ext uri="{FF2B5EF4-FFF2-40B4-BE49-F238E27FC236}">
+                <a16:creationId xmlns:a16="http://schemas.microsoft.com/office/drawing/2014/main" id="{08E2AFF7-FF2C-98E7-D5D8-091E41A19962}"/>
+              </a:ext>
+            </a:extLst>
+          </p:cNvPr>
+          <p:cNvSpPr/>
+          <p:nvPr/>
+        </p:nvSpPr>
+        <p:spPr>
+          <a:xfrm>
+            <a:off x="0" y="0"/>
+            <a:ext cx="6732588" cy="586854"/>
+          </a:xfrm>
+          <a:prstGeom prst="rect">
+            <a:avLst/>
+          </a:prstGeom>
+          <a:solidFill>
+            <a:schemeClr val="accent1">
+              <a:lumMod val="50000"/>
+            </a:schemeClr>
+          </a:solidFill>
+          <a:ln>
+            <a:noFill/>
+          </a:ln>
+        </p:spPr>
+        <p:style>
+          <a:lnRef idx="2">
+            <a:schemeClr val="accent1">
+              <a:shade val="15000"/>
+            </a:schemeClr>
+          </a:lnRef>
+          <a:fillRef idx="1">
+            <a:schemeClr val="accent1"/>
+          </a:fillRef>
+          <a:effectRef idx="0">
+            <a:schemeClr val="accent1"/>
+          </a:effectRef>
+          <a:fontRef idx="minor">
+            <a:schemeClr val="lt1"/>
+          </a:fontRef>
+        </p:style>
+        <p:txBody>
+          <a:bodyPr rtlCol="0" anchor="ctr"/>
+          <a:lstStyle/>
+          <a:p>
+            <a:pPr algn="ctr"/>
+            <a:endParaRPr lang="ko-KR" altLang="en-US" dirty="0"/>
+          </a:p>
+        </p:txBody>
+      </p:sp>
+      <p:sp>
+        <p:nvSpPr>
+          <p:cNvPr id="15" name="TextBox 14">
+            <a:extLst>
+              <a:ext uri="{FF2B5EF4-FFF2-40B4-BE49-F238E27FC236}">
+                <a16:creationId xmlns:a16="http://schemas.microsoft.com/office/drawing/2014/main" id="{057B19D4-7ADD-5D6B-CCE4-86BE903103C1}"/>
+              </a:ext>
+            </a:extLst>
+          </p:cNvPr>
+          <p:cNvSpPr txBox="1"/>
+          <p:nvPr/>
+        </p:nvSpPr>
+        <p:spPr>
+          <a:xfrm>
+            <a:off x="273021" y="108654"/>
+            <a:ext cx="839012" cy="369332"/>
+          </a:xfrm>
+          <a:prstGeom prst="rect">
+            <a:avLst/>
+          </a:prstGeom>
+          <a:noFill/>
+        </p:spPr>
+        <p:txBody>
+          <a:bodyPr wrap="none" rtlCol="0">
+            <a:spAutoFit/>
+          </a:bodyPr>
+          <a:lstStyle/>
+          <a:p>
+            <a:r>
+              <a:rPr lang="en-US" altLang="ko-KR" dirty="0">
+                <a:solidFill>
+                  <a:schemeClr val="bg1"/>
+                </a:solidFill>
+              </a:rPr>
+              <a:t>Setting</a:t>
+            </a:r>
+          </a:p>
+        </p:txBody>
+      </p:sp>
+      <p:grpSp>
+        <p:nvGrpSpPr>
+          <p:cNvPr id="4" name="Group 3">
+            <a:extLst>
+              <a:ext uri="{FF2B5EF4-FFF2-40B4-BE49-F238E27FC236}">
+                <a16:creationId xmlns:a16="http://schemas.microsoft.com/office/drawing/2014/main" id="{D6657D7F-06B5-D33C-0454-552219826D51}"/>
+              </a:ext>
+            </a:extLst>
+          </p:cNvPr>
+          <p:cNvGrpSpPr/>
+          <p:nvPr/>
+        </p:nvGrpSpPr>
+        <p:grpSpPr>
+          <a:xfrm>
+            <a:off x="-1" y="9201150"/>
+            <a:ext cx="6732589" cy="914399"/>
+            <a:chOff x="-1" y="9201150"/>
+            <a:chExt cx="6732589" cy="914399"/>
+          </a:xfrm>
+        </p:grpSpPr>
+        <p:sp>
+          <p:nvSpPr>
+            <p:cNvPr id="5" name="Rectangle 4">
+              <a:extLst>
+                <a:ext uri="{FF2B5EF4-FFF2-40B4-BE49-F238E27FC236}">
+                  <a16:creationId xmlns:a16="http://schemas.microsoft.com/office/drawing/2014/main" id="{64DCFCF9-0A3E-968E-CDB4-103A22991B10}"/>
+                </a:ext>
+              </a:extLst>
+            </p:cNvPr>
+            <p:cNvSpPr/>
+            <p:nvPr/>
+          </p:nvSpPr>
+          <p:spPr>
+            <a:xfrm>
+              <a:off x="-1" y="9201150"/>
+              <a:ext cx="6732589" cy="914399"/>
+            </a:xfrm>
+            <a:prstGeom prst="rect">
+              <a:avLst/>
+            </a:prstGeom>
+            <a:solidFill>
+              <a:srgbClr val="355D7E"/>
+            </a:solidFill>
+            <a:ln>
+              <a:noFill/>
+            </a:ln>
+            <a:effectLst>
+              <a:outerShdw blurRad="546100" dist="38100" dir="16200000" sx="84000" sy="84000" rotWithShape="0">
+                <a:prstClr val="black">
+                  <a:alpha val="12000"/>
+                </a:prstClr>
+              </a:outerShdw>
+            </a:effectLst>
+          </p:spPr>
+          <p:style>
+            <a:lnRef idx="2">
+              <a:schemeClr val="accent1">
+                <a:shade val="15000"/>
+              </a:schemeClr>
+            </a:lnRef>
+            <a:fillRef idx="1">
+              <a:schemeClr val="accent1"/>
+            </a:fillRef>
+            <a:effectRef idx="0">
+              <a:schemeClr val="accent1"/>
+            </a:effectRef>
+            <a:fontRef idx="minor">
+              <a:schemeClr val="lt1"/>
+            </a:fontRef>
+          </p:style>
+          <p:txBody>
+            <a:bodyPr rtlCol="0" anchor="ctr"/>
+            <a:lstStyle/>
+            <a:p>
+              <a:pPr algn="ctr"/>
+              <a:endParaRPr lang="ko-KR" altLang="en-US"/>
+            </a:p>
+          </p:txBody>
+        </p:sp>
+        <p:sp>
+          <p:nvSpPr>
+            <p:cNvPr id="6" name="TextBox 5">
+              <a:extLst>
+                <a:ext uri="{FF2B5EF4-FFF2-40B4-BE49-F238E27FC236}">
+                  <a16:creationId xmlns:a16="http://schemas.microsoft.com/office/drawing/2014/main" id="{85A49617-5848-F281-CADA-C9364C81BA48}"/>
+                </a:ext>
+              </a:extLst>
+            </p:cNvPr>
+            <p:cNvSpPr txBox="1"/>
+            <p:nvPr/>
+          </p:nvSpPr>
+          <p:spPr>
+            <a:xfrm>
+              <a:off x="720582" y="9727537"/>
+              <a:ext cx="688009" cy="338554"/>
+            </a:xfrm>
+            <a:prstGeom prst="rect">
+              <a:avLst/>
+            </a:prstGeom>
+            <a:noFill/>
+          </p:spPr>
+          <p:txBody>
+            <a:bodyPr wrap="none" rtlCol="0">
+              <a:spAutoFit/>
+            </a:bodyPr>
+            <a:lstStyle/>
+            <a:p>
+              <a:r>
+                <a:rPr lang="en-US" altLang="ko-KR" sz="1600" b="1" dirty="0">
+                  <a:solidFill>
+                    <a:schemeClr val="accent1">
+                      <a:lumMod val="75000"/>
+                    </a:schemeClr>
+                  </a:solidFill>
+                </a:rPr>
+                <a:t>Home</a:t>
+              </a:r>
+            </a:p>
+          </p:txBody>
+        </p:sp>
+        <p:sp>
+          <p:nvSpPr>
+            <p:cNvPr id="7" name="TextBox 6">
+              <a:extLst>
+                <a:ext uri="{FF2B5EF4-FFF2-40B4-BE49-F238E27FC236}">
+                  <a16:creationId xmlns:a16="http://schemas.microsoft.com/office/drawing/2014/main" id="{7BE8D1E7-26CB-6A72-74D9-A2A992DB44D5}"/>
+                </a:ext>
+              </a:extLst>
+            </p:cNvPr>
+            <p:cNvSpPr txBox="1"/>
+            <p:nvPr/>
+          </p:nvSpPr>
+          <p:spPr>
+            <a:xfrm>
+              <a:off x="3001929" y="9739919"/>
+              <a:ext cx="698012" cy="338554"/>
+            </a:xfrm>
+            <a:prstGeom prst="rect">
+              <a:avLst/>
+            </a:prstGeom>
+            <a:noFill/>
+          </p:spPr>
+          <p:txBody>
+            <a:bodyPr wrap="none" rtlCol="0">
+              <a:spAutoFit/>
+            </a:bodyPr>
+            <a:lstStyle/>
+            <a:p>
+              <a:r>
+                <a:rPr lang="en-US" altLang="ko-KR" sz="1600" dirty="0">
+                  <a:solidFill>
+                    <a:schemeClr val="accent1">
+                      <a:lumMod val="75000"/>
+                    </a:schemeClr>
+                  </a:solidFill>
+                </a:rPr>
+                <a:t>Status</a:t>
+              </a:r>
+            </a:p>
+          </p:txBody>
+        </p:sp>
+        <p:sp>
+          <p:nvSpPr>
+            <p:cNvPr id="8" name="TextBox 7">
+              <a:extLst>
+                <a:ext uri="{FF2B5EF4-FFF2-40B4-BE49-F238E27FC236}">
+                  <a16:creationId xmlns:a16="http://schemas.microsoft.com/office/drawing/2014/main" id="{D6BE0F68-5867-E390-F33F-9D05971026EB}"/>
+                </a:ext>
+              </a:extLst>
+            </p:cNvPr>
+            <p:cNvSpPr txBox="1"/>
+            <p:nvPr/>
+          </p:nvSpPr>
+          <p:spPr>
+            <a:xfrm>
+              <a:off x="5281105" y="9713901"/>
+              <a:ext cx="765787" cy="338554"/>
+            </a:xfrm>
+            <a:prstGeom prst="rect">
+              <a:avLst/>
+            </a:prstGeom>
+            <a:noFill/>
+          </p:spPr>
+          <p:txBody>
+            <a:bodyPr wrap="none" rtlCol="0">
+              <a:spAutoFit/>
+            </a:bodyPr>
+            <a:lstStyle/>
+            <a:p>
+              <a:r>
+                <a:rPr lang="en-US" altLang="ko-KR" sz="1600" dirty="0">
+                  <a:solidFill>
+                    <a:schemeClr val="bg2">
+                      <a:lumMod val="75000"/>
+                    </a:schemeClr>
+                  </a:solidFill>
+                </a:rPr>
+                <a:t>Setting</a:t>
+              </a:r>
+            </a:p>
+          </p:txBody>
+        </p:sp>
+        <p:pic>
+          <p:nvPicPr>
+            <p:cNvPr id="9" name="Graphic 8" descr="House with solid fill">
+              <a:extLst>
+                <a:ext uri="{FF2B5EF4-FFF2-40B4-BE49-F238E27FC236}">
+                  <a16:creationId xmlns:a16="http://schemas.microsoft.com/office/drawing/2014/main" id="{EF37B7DA-7787-095D-7B57-E87C18C712D3}"/>
+                </a:ext>
+              </a:extLst>
+            </p:cNvPr>
+            <p:cNvPicPr>
+              <a:picLocks noChangeAspect="1"/>
+            </p:cNvPicPr>
+            <p:nvPr/>
+          </p:nvPicPr>
+          <p:blipFill>
+            <a:blip r:embed="rId2">
+              <a:extLst>
+                <a:ext uri="{28A0092B-C50C-407E-A947-70E740481C1C}">
+                  <a14:useLocalDpi xmlns:a14="http://schemas.microsoft.com/office/drawing/2010/main" val="0"/>
+                </a:ext>
+                <a:ext uri="{96DAC541-7B7A-43D3-8B79-37D633B846F1}">
+                  <asvg:svgBlip xmlns:asvg="http://schemas.microsoft.com/office/drawing/2016/SVG/main" r:embed="rId3"/>
+                </a:ext>
+              </a:extLst>
+            </a:blip>
+            <a:stretch>
+              <a:fillRect/>
+            </a:stretch>
+          </p:blipFill>
+          <p:spPr>
+            <a:xfrm>
+              <a:off x="882884" y="9411398"/>
+              <a:ext cx="362008" cy="362008"/>
+            </a:xfrm>
+            <a:prstGeom prst="rect">
+              <a:avLst/>
+            </a:prstGeom>
+          </p:spPr>
+        </p:pic>
+        <p:pic>
+          <p:nvPicPr>
+            <p:cNvPr id="10" name="Graphic 9" descr="User with solid fill">
+              <a:extLst>
+                <a:ext uri="{FF2B5EF4-FFF2-40B4-BE49-F238E27FC236}">
+                  <a16:creationId xmlns:a16="http://schemas.microsoft.com/office/drawing/2014/main" id="{3DD9D084-46B1-B4E3-7EE7-01D003C3F620}"/>
+                </a:ext>
+              </a:extLst>
+            </p:cNvPr>
+            <p:cNvPicPr>
+              <a:picLocks noChangeAspect="1"/>
+            </p:cNvPicPr>
+            <p:nvPr/>
+          </p:nvPicPr>
+          <p:blipFill>
+            <a:blip r:embed="rId4">
+              <a:extLst>
+                <a:ext uri="{28A0092B-C50C-407E-A947-70E740481C1C}">
+                  <a14:useLocalDpi xmlns:a14="http://schemas.microsoft.com/office/drawing/2010/main" val="0"/>
+                </a:ext>
+                <a:ext uri="{96DAC541-7B7A-43D3-8B79-37D633B846F1}">
+                  <asvg:svgBlip xmlns:asvg="http://schemas.microsoft.com/office/drawing/2016/SVG/main" r:embed="rId5"/>
+                </a:ext>
+              </a:extLst>
+            </a:blip>
+            <a:stretch>
+              <a:fillRect/>
+            </a:stretch>
+          </p:blipFill>
+          <p:spPr>
+            <a:xfrm>
+              <a:off x="5472854" y="9411398"/>
+              <a:ext cx="362008" cy="362008"/>
+            </a:xfrm>
+            <a:prstGeom prst="rect">
+              <a:avLst/>
+            </a:prstGeom>
+          </p:spPr>
+        </p:pic>
+        <p:pic>
+          <p:nvPicPr>
+            <p:cNvPr id="11" name="Graphic 10" descr="Window with solid fill">
+              <a:extLst>
+                <a:ext uri="{FF2B5EF4-FFF2-40B4-BE49-F238E27FC236}">
+                  <a16:creationId xmlns:a16="http://schemas.microsoft.com/office/drawing/2014/main" id="{7F7B1428-33C2-2BBE-064B-7897E0BB60DB}"/>
+                </a:ext>
+              </a:extLst>
+            </p:cNvPr>
+            <p:cNvPicPr>
+              <a:picLocks noChangeAspect="1"/>
+            </p:cNvPicPr>
+            <p:nvPr/>
+          </p:nvPicPr>
+          <p:blipFill>
+            <a:blip r:embed="rId6">
+              <a:extLst>
+                <a:ext uri="{28A0092B-C50C-407E-A947-70E740481C1C}">
+                  <a14:useLocalDpi xmlns:a14="http://schemas.microsoft.com/office/drawing/2010/main" val="0"/>
+                </a:ext>
+                <a:ext uri="{96DAC541-7B7A-43D3-8B79-37D633B846F1}">
+                  <asvg:svgBlip xmlns:asvg="http://schemas.microsoft.com/office/drawing/2016/SVG/main" r:embed="rId7"/>
+                </a:ext>
+              </a:extLst>
+            </a:blip>
+            <a:stretch>
+              <a:fillRect/>
+            </a:stretch>
+          </p:blipFill>
+          <p:spPr>
+            <a:xfrm>
+              <a:off x="3182771" y="9449253"/>
+              <a:ext cx="324153" cy="324153"/>
+            </a:xfrm>
+            <a:prstGeom prst="rect">
+              <a:avLst/>
+            </a:prstGeom>
+          </p:spPr>
+        </p:pic>
+      </p:grpSp>
+      <p:sp>
+        <p:nvSpPr>
+          <p:cNvPr id="23" name="TextBox 22">
+            <a:extLst>
+              <a:ext uri="{FF2B5EF4-FFF2-40B4-BE49-F238E27FC236}">
+                <a16:creationId xmlns:a16="http://schemas.microsoft.com/office/drawing/2014/main" id="{8751D54C-0125-CFC1-1CE2-E9BE24901102}"/>
+              </a:ext>
+            </a:extLst>
+          </p:cNvPr>
+          <p:cNvSpPr txBox="1"/>
+          <p:nvPr/>
+        </p:nvSpPr>
+        <p:spPr>
+          <a:xfrm>
+            <a:off x="2380384" y="8748241"/>
+            <a:ext cx="1928926" cy="369332"/>
+          </a:xfrm>
+          <a:prstGeom prst="rect">
+            <a:avLst/>
+          </a:prstGeom>
+          <a:noFill/>
+        </p:spPr>
+        <p:txBody>
+          <a:bodyPr wrap="none" rtlCol="0">
+            <a:spAutoFit/>
+          </a:bodyPr>
+          <a:lstStyle/>
+          <a:p>
+            <a:r>
+              <a:rPr lang="en-GB" dirty="0">
+                <a:solidFill>
+                  <a:schemeClr val="accent1">
+                    <a:lumMod val="50000"/>
+                  </a:schemeClr>
+                </a:solidFill>
+              </a:rPr>
+              <a:t>App version : 1.0.0</a:t>
+            </a:r>
+          </a:p>
+        </p:txBody>
+      </p:sp>
+    </p:spTree>
+    <p:extLst>
+      <p:ext uri="{BB962C8B-B14F-4D97-AF65-F5344CB8AC3E}">
+        <p14:creationId xmlns:p14="http://schemas.microsoft.com/office/powerpoint/2010/main" val="3101704311"/>
+      </p:ext>
+    </p:extLst>
+  </p:cSld>
+  <p:clrMapOvr>
+    <a:masterClrMapping/>
+  </p:clrMapOvr>
+</p:sld>
+</file>
+
+<file path=ppt/slides/slide13.xml><?xml version="1.0" encoding="utf-8"?>
 <p:sld xmlns:a="http://schemas.openxmlformats.org/drawingml/2006/main" xmlns:r="http://schemas.openxmlformats.org/officeDocument/2006/relationships" xmlns:p="http://schemas.openxmlformats.org/presentationml/2006/main">
   <p:cSld>
     <p:spTree>
@@ -20415,6 +24416,4020 @@
         <p:cNvPr id="1" name="">
           <a:extLst>
             <a:ext uri="{FF2B5EF4-FFF2-40B4-BE49-F238E27FC236}">
+              <a16:creationId xmlns:a16="http://schemas.microsoft.com/office/drawing/2014/main" id="{826224C2-83EE-D376-20F9-9B74B2D75BF2}"/>
+            </a:ext>
+          </a:extLst>
+        </p:cNvPr>
+        <p:cNvGrpSpPr/>
+        <p:nvPr/>
+      </p:nvGrpSpPr>
+      <p:grpSpPr>
+        <a:xfrm>
+          <a:off x="0" y="0"/>
+          <a:ext cx="0" cy="0"/>
+          <a:chOff x="0" y="0"/>
+          <a:chExt cx="0" cy="0"/>
+        </a:xfrm>
+      </p:grpSpPr>
+      <p:sp>
+        <p:nvSpPr>
+          <p:cNvPr id="2" name="Rectangle 1">
+            <a:extLst>
+              <a:ext uri="{FF2B5EF4-FFF2-40B4-BE49-F238E27FC236}">
+                <a16:creationId xmlns:a16="http://schemas.microsoft.com/office/drawing/2014/main" id="{356F9ABB-BB23-4D8F-DBB6-D1586035E7D5}"/>
+              </a:ext>
+            </a:extLst>
+          </p:cNvPr>
+          <p:cNvSpPr/>
+          <p:nvPr/>
+        </p:nvSpPr>
+        <p:spPr>
+          <a:xfrm>
+            <a:off x="0" y="0"/>
+            <a:ext cx="6732588" cy="586854"/>
+          </a:xfrm>
+          <a:prstGeom prst="rect">
+            <a:avLst/>
+          </a:prstGeom>
+          <a:solidFill>
+            <a:srgbClr val="355D7E"/>
+          </a:solidFill>
+          <a:ln>
+            <a:noFill/>
+          </a:ln>
+        </p:spPr>
+        <p:style>
+          <a:lnRef idx="2">
+            <a:schemeClr val="accent1">
+              <a:shade val="15000"/>
+            </a:schemeClr>
+          </a:lnRef>
+          <a:fillRef idx="1">
+            <a:schemeClr val="accent1"/>
+          </a:fillRef>
+          <a:effectRef idx="0">
+            <a:schemeClr val="accent1"/>
+          </a:effectRef>
+          <a:fontRef idx="minor">
+            <a:schemeClr val="lt1"/>
+          </a:fontRef>
+        </p:style>
+        <p:txBody>
+          <a:bodyPr rtlCol="0" anchor="ctr"/>
+          <a:lstStyle/>
+          <a:p>
+            <a:pPr algn="ctr"/>
+            <a:endParaRPr lang="ko-KR" altLang="en-US" dirty="0"/>
+          </a:p>
+        </p:txBody>
+      </p:sp>
+      <p:sp>
+        <p:nvSpPr>
+          <p:cNvPr id="3" name="TextBox 2">
+            <a:extLst>
+              <a:ext uri="{FF2B5EF4-FFF2-40B4-BE49-F238E27FC236}">
+                <a16:creationId xmlns:a16="http://schemas.microsoft.com/office/drawing/2014/main" id="{ECF3555E-3457-838B-3FFC-8FBBBDF6981A}"/>
+              </a:ext>
+            </a:extLst>
+          </p:cNvPr>
+          <p:cNvSpPr txBox="1"/>
+          <p:nvPr/>
+        </p:nvSpPr>
+        <p:spPr>
+          <a:xfrm>
+            <a:off x="273021" y="108654"/>
+            <a:ext cx="1040670" cy="369332"/>
+          </a:xfrm>
+          <a:prstGeom prst="rect">
+            <a:avLst/>
+          </a:prstGeom>
+          <a:noFill/>
+        </p:spPr>
+        <p:txBody>
+          <a:bodyPr wrap="none" rtlCol="0">
+            <a:spAutoFit/>
+          </a:bodyPr>
+          <a:lstStyle/>
+          <a:p>
+            <a:r>
+              <a:rPr lang="en-US" altLang="ko-KR" dirty="0">
+                <a:solidFill>
+                  <a:schemeClr val="bg1"/>
+                </a:solidFill>
+              </a:rPr>
+              <a:t>&lt;   Bench</a:t>
+            </a:r>
+          </a:p>
+        </p:txBody>
+      </p:sp>
+      <p:sp>
+        <p:nvSpPr>
+          <p:cNvPr id="8" name="TextBox 7">
+            <a:extLst>
+              <a:ext uri="{FF2B5EF4-FFF2-40B4-BE49-F238E27FC236}">
+                <a16:creationId xmlns:a16="http://schemas.microsoft.com/office/drawing/2014/main" id="{EC651823-1C96-07B2-8E6C-3890BD571748}"/>
+              </a:ext>
+            </a:extLst>
+          </p:cNvPr>
+          <p:cNvSpPr txBox="1"/>
+          <p:nvPr/>
+        </p:nvSpPr>
+        <p:spPr>
+          <a:xfrm>
+            <a:off x="2725791" y="9050987"/>
+            <a:ext cx="413896" cy="369332"/>
+          </a:xfrm>
+          <a:prstGeom prst="rect">
+            <a:avLst/>
+          </a:prstGeom>
+          <a:noFill/>
+        </p:spPr>
+        <p:txBody>
+          <a:bodyPr wrap="none" rtlCol="0">
+            <a:spAutoFit/>
+          </a:bodyPr>
+          <a:lstStyle/>
+          <a:p>
+            <a:r>
+              <a:rPr lang="en-US" altLang="ko-KR" dirty="0">
+                <a:solidFill>
+                  <a:schemeClr val="accent1">
+                    <a:lumMod val="50000"/>
+                  </a:schemeClr>
+                </a:solidFill>
+              </a:rPr>
+              <a:t>Kg</a:t>
+            </a:r>
+          </a:p>
+        </p:txBody>
+      </p:sp>
+      <p:sp>
+        <p:nvSpPr>
+          <p:cNvPr id="22" name="TextBox 21">
+            <a:extLst>
+              <a:ext uri="{FF2B5EF4-FFF2-40B4-BE49-F238E27FC236}">
+                <a16:creationId xmlns:a16="http://schemas.microsoft.com/office/drawing/2014/main" id="{F83796DC-7BCC-1E93-669E-513DD88CE8F1}"/>
+              </a:ext>
+            </a:extLst>
+          </p:cNvPr>
+          <p:cNvSpPr txBox="1"/>
+          <p:nvPr/>
+        </p:nvSpPr>
+        <p:spPr>
+          <a:xfrm>
+            <a:off x="2734774" y="9452158"/>
+            <a:ext cx="631520" cy="369332"/>
+          </a:xfrm>
+          <a:prstGeom prst="rect">
+            <a:avLst/>
+          </a:prstGeom>
+          <a:noFill/>
+        </p:spPr>
+        <p:txBody>
+          <a:bodyPr wrap="none" rtlCol="0">
+            <a:spAutoFit/>
+          </a:bodyPr>
+          <a:lstStyle/>
+          <a:p>
+            <a:r>
+              <a:rPr lang="en-US" altLang="ko-KR" dirty="0">
+                <a:solidFill>
+                  <a:schemeClr val="accent1">
+                    <a:lumMod val="50000"/>
+                  </a:schemeClr>
+                </a:solidFill>
+              </a:rPr>
+              <a:t>Reps</a:t>
+            </a:r>
+          </a:p>
+        </p:txBody>
+      </p:sp>
+      <p:sp>
+        <p:nvSpPr>
+          <p:cNvPr id="9" name="Rectangle: Rounded Corners 8">
+            <a:extLst>
+              <a:ext uri="{FF2B5EF4-FFF2-40B4-BE49-F238E27FC236}">
+                <a16:creationId xmlns:a16="http://schemas.microsoft.com/office/drawing/2014/main" id="{8709A808-F188-B0F7-B0C0-400EE6E5458C}"/>
+              </a:ext>
+            </a:extLst>
+          </p:cNvPr>
+          <p:cNvSpPr/>
+          <p:nvPr/>
+        </p:nvSpPr>
+        <p:spPr>
+          <a:xfrm>
+            <a:off x="3592903" y="9420319"/>
+            <a:ext cx="2784098" cy="401171"/>
+          </a:xfrm>
+          <a:prstGeom prst="roundRect">
+            <a:avLst/>
+          </a:prstGeom>
+          <a:solidFill>
+            <a:schemeClr val="bg2">
+              <a:lumMod val="75000"/>
+            </a:schemeClr>
+          </a:solidFill>
+          <a:ln>
+            <a:noFill/>
+          </a:ln>
+          <a:effectLst>
+            <a:outerShdw blurRad="63500" sx="102000" sy="102000" algn="ctr" rotWithShape="0">
+              <a:prstClr val="black">
+                <a:alpha val="40000"/>
+              </a:prstClr>
+            </a:outerShdw>
+          </a:effectLst>
+        </p:spPr>
+        <p:style>
+          <a:lnRef idx="2">
+            <a:schemeClr val="accent1">
+              <a:shade val="15000"/>
+            </a:schemeClr>
+          </a:lnRef>
+          <a:fillRef idx="1">
+            <a:schemeClr val="accent1"/>
+          </a:fillRef>
+          <a:effectRef idx="0">
+            <a:schemeClr val="accent1"/>
+          </a:effectRef>
+          <a:fontRef idx="minor">
+            <a:schemeClr val="lt1"/>
+          </a:fontRef>
+        </p:style>
+        <p:txBody>
+          <a:bodyPr rtlCol="0" anchor="ctr"/>
+          <a:lstStyle/>
+          <a:p>
+            <a:pPr algn="ctr"/>
+            <a:r>
+              <a:rPr lang="en-US" altLang="ko-KR" b="1" dirty="0">
+                <a:solidFill>
+                  <a:schemeClr val="bg1"/>
+                </a:solidFill>
+              </a:rPr>
+              <a:t>LOG</a:t>
+            </a:r>
+            <a:endParaRPr lang="ko-KR" altLang="en-US" b="1" dirty="0">
+              <a:solidFill>
+                <a:schemeClr val="bg1"/>
+              </a:solidFill>
+            </a:endParaRPr>
+          </a:p>
+        </p:txBody>
+      </p:sp>
+      <p:graphicFrame>
+        <p:nvGraphicFramePr>
+          <p:cNvPr id="31" name="Table 30">
+            <a:extLst>
+              <a:ext uri="{FF2B5EF4-FFF2-40B4-BE49-F238E27FC236}">
+                <a16:creationId xmlns:a16="http://schemas.microsoft.com/office/drawing/2014/main" id="{F8519EC2-889E-0D72-240D-E5DEB7E37E73}"/>
+              </a:ext>
+            </a:extLst>
+          </p:cNvPr>
+          <p:cNvGraphicFramePr>
+            <a:graphicFrameLocks noGrp="1"/>
+          </p:cNvGraphicFramePr>
+          <p:nvPr>
+            <p:extLst>
+              <p:ext uri="{D42A27DB-BD31-4B8C-83A1-F6EECF244321}">
+                <p14:modId xmlns:p14="http://schemas.microsoft.com/office/powerpoint/2010/main" val="3939815537"/>
+              </p:ext>
+            </p:extLst>
+          </p:nvPr>
+        </p:nvGraphicFramePr>
+        <p:xfrm>
+          <a:off x="169599" y="882327"/>
+          <a:ext cx="2815438" cy="1473594"/>
+        </p:xfrm>
+        <a:graphic>
+          <a:graphicData uri="http://schemas.openxmlformats.org/drawingml/2006/table">
+            <a:tbl>
+              <a:tblPr firstRow="1" bandRow="1">
+                <a:tableStyleId>{073A0DAA-6AF3-43AB-8588-CEC1D06C72B9}</a:tableStyleId>
+              </a:tblPr>
+              <a:tblGrid>
+                <a:gridCol w="853983">
+                  <a:extLst>
+                    <a:ext uri="{9D8B030D-6E8A-4147-A177-3AD203B41FA5}">
+                      <a16:colId xmlns:a16="http://schemas.microsoft.com/office/drawing/2014/main" val="803270416"/>
+                    </a:ext>
+                  </a:extLst>
+                </a:gridCol>
+                <a:gridCol w="1961455">
+                  <a:extLst>
+                    <a:ext uri="{9D8B030D-6E8A-4147-A177-3AD203B41FA5}">
+                      <a16:colId xmlns:a16="http://schemas.microsoft.com/office/drawing/2014/main" val="4281679180"/>
+                    </a:ext>
+                  </a:extLst>
+                </a:gridCol>
+              </a:tblGrid>
+              <a:tr h="338273">
+                <a:tc gridSpan="2">
+                  <a:txBody>
+                    <a:bodyPr/>
+                    <a:lstStyle/>
+                    <a:p>
+                      <a:pPr algn="l" latinLnBrk="1"/>
+                      <a:r>
+                        <a:rPr lang="en-US" altLang="ko-KR" sz="1800" dirty="0">
+                          <a:solidFill>
+                            <a:schemeClr val="bg1"/>
+                          </a:solidFill>
+                        </a:rPr>
+                        <a:t>TODAY</a:t>
+                      </a:r>
+                      <a:endParaRPr lang="ko-KR" altLang="en-US" sz="1800" dirty="0">
+                        <a:solidFill>
+                          <a:schemeClr val="bg1"/>
+                        </a:solidFill>
+                      </a:endParaRPr>
+                    </a:p>
+                  </a:txBody>
+                  <a:tcPr>
+                    <a:solidFill>
+                      <a:schemeClr val="accent1">
+                        <a:lumMod val="50000"/>
+                      </a:schemeClr>
+                    </a:solidFill>
+                  </a:tcPr>
+                </a:tc>
+                <a:tc hMerge="1">
+                  <a:txBody>
+                    <a:bodyPr/>
+                    <a:lstStyle/>
+                    <a:p>
+                      <a:pPr algn="ctr" latinLnBrk="1"/>
+                      <a:endParaRPr lang="ko-KR" altLang="en-US" dirty="0"/>
+                    </a:p>
+                  </a:txBody>
+                  <a:tcPr/>
+                </a:tc>
+                <a:extLst>
+                  <a:ext uri="{0D108BD9-81ED-4DB2-BD59-A6C34878D82A}">
+                    <a16:rowId xmlns:a16="http://schemas.microsoft.com/office/drawing/2014/main" val="3697371601"/>
+                  </a:ext>
+                </a:extLst>
+              </a:tr>
+              <a:tr h="369278">
+                <a:tc>
+                  <a:txBody>
+                    <a:bodyPr/>
+                    <a:lstStyle/>
+                    <a:p>
+                      <a:pPr algn="ctr" latinLnBrk="1"/>
+                      <a:r>
+                        <a:rPr lang="en-US" altLang="ko-KR" sz="1800" dirty="0">
+                          <a:solidFill>
+                            <a:schemeClr val="bg1"/>
+                          </a:solidFill>
+                        </a:rPr>
+                        <a:t>Set 1</a:t>
+                      </a:r>
+                      <a:endParaRPr lang="ko-KR" altLang="en-US" sz="1800" dirty="0">
+                        <a:solidFill>
+                          <a:schemeClr val="bg1"/>
+                        </a:solidFill>
+                      </a:endParaRPr>
+                    </a:p>
+                  </a:txBody>
+                  <a:tcPr>
+                    <a:solidFill>
+                      <a:schemeClr val="accent1">
+                        <a:lumMod val="50000"/>
+                      </a:schemeClr>
+                    </a:solidFill>
+                  </a:tcPr>
+                </a:tc>
+                <a:tc>
+                  <a:txBody>
+                    <a:bodyPr/>
+                    <a:lstStyle/>
+                    <a:p>
+                      <a:pPr algn="ctr" latinLnBrk="1"/>
+                      <a:r>
+                        <a:rPr lang="en-US" altLang="ko-KR" sz="1800" dirty="0">
+                          <a:solidFill>
+                            <a:schemeClr val="bg1"/>
+                          </a:solidFill>
+                        </a:rPr>
+                        <a:t>10.0 kg * 5</a:t>
+                      </a:r>
+                      <a:endParaRPr lang="ko-KR" altLang="en-US" sz="1800" dirty="0">
+                        <a:solidFill>
+                          <a:schemeClr val="bg1"/>
+                        </a:solidFill>
+                      </a:endParaRPr>
+                    </a:p>
+                  </a:txBody>
+                  <a:tcPr>
+                    <a:solidFill>
+                      <a:schemeClr val="accent1">
+                        <a:lumMod val="50000"/>
+                      </a:schemeClr>
+                    </a:solidFill>
+                  </a:tcPr>
+                </a:tc>
+                <a:extLst>
+                  <a:ext uri="{0D108BD9-81ED-4DB2-BD59-A6C34878D82A}">
+                    <a16:rowId xmlns:a16="http://schemas.microsoft.com/office/drawing/2014/main" val="2063462280"/>
+                  </a:ext>
+                </a:extLst>
+              </a:tr>
+              <a:tr h="369278">
+                <a:tc>
+                  <a:txBody>
+                    <a:bodyPr/>
+                    <a:lstStyle/>
+                    <a:p>
+                      <a:pPr algn="ctr" latinLnBrk="1"/>
+                      <a:r>
+                        <a:rPr lang="en-US" altLang="ko-KR" sz="1800" dirty="0">
+                          <a:solidFill>
+                            <a:schemeClr val="bg1"/>
+                          </a:solidFill>
+                        </a:rPr>
+                        <a:t>Set 2</a:t>
+                      </a:r>
+                    </a:p>
+                  </a:txBody>
+                  <a:tcPr>
+                    <a:solidFill>
+                      <a:schemeClr val="accent1">
+                        <a:lumMod val="50000"/>
+                      </a:schemeClr>
+                    </a:solidFill>
+                  </a:tcPr>
+                </a:tc>
+                <a:tc>
+                  <a:txBody>
+                    <a:bodyPr/>
+                    <a:lstStyle/>
+                    <a:p>
+                      <a:pPr algn="ctr" latinLnBrk="1"/>
+                      <a:r>
+                        <a:rPr lang="en-US" altLang="ko-KR" sz="1800" dirty="0">
+                          <a:solidFill>
+                            <a:schemeClr val="bg1"/>
+                          </a:solidFill>
+                        </a:rPr>
+                        <a:t>10.0 kg * 5</a:t>
+                      </a:r>
+                      <a:endParaRPr lang="ko-KR" altLang="en-US" sz="1800" dirty="0">
+                        <a:solidFill>
+                          <a:schemeClr val="bg1"/>
+                        </a:solidFill>
+                      </a:endParaRPr>
+                    </a:p>
+                  </a:txBody>
+                  <a:tcPr>
+                    <a:solidFill>
+                      <a:schemeClr val="accent1">
+                        <a:lumMod val="50000"/>
+                      </a:schemeClr>
+                    </a:solidFill>
+                  </a:tcPr>
+                </a:tc>
+                <a:extLst>
+                  <a:ext uri="{0D108BD9-81ED-4DB2-BD59-A6C34878D82A}">
+                    <a16:rowId xmlns:a16="http://schemas.microsoft.com/office/drawing/2014/main" val="76948687"/>
+                  </a:ext>
+                </a:extLst>
+              </a:tr>
+              <a:tr h="369278">
+                <a:tc>
+                  <a:txBody>
+                    <a:bodyPr/>
+                    <a:lstStyle/>
+                    <a:p>
+                      <a:pPr algn="ctr" latinLnBrk="1"/>
+                      <a:r>
+                        <a:rPr lang="en-US" altLang="ko-KR" sz="1800" dirty="0">
+                          <a:solidFill>
+                            <a:schemeClr val="bg1"/>
+                          </a:solidFill>
+                        </a:rPr>
+                        <a:t>Set 3</a:t>
+                      </a:r>
+                      <a:endParaRPr lang="ko-KR" altLang="en-US" sz="1800" dirty="0">
+                        <a:solidFill>
+                          <a:schemeClr val="bg1"/>
+                        </a:solidFill>
+                      </a:endParaRPr>
+                    </a:p>
+                  </a:txBody>
+                  <a:tcPr>
+                    <a:solidFill>
+                      <a:schemeClr val="accent1">
+                        <a:lumMod val="50000"/>
+                      </a:schemeClr>
+                    </a:solidFill>
+                  </a:tcPr>
+                </a:tc>
+                <a:tc>
+                  <a:txBody>
+                    <a:bodyPr/>
+                    <a:lstStyle/>
+                    <a:p>
+                      <a:pPr algn="ctr" latinLnBrk="1"/>
+                      <a:r>
+                        <a:rPr lang="en-US" altLang="ko-KR" sz="1800" dirty="0">
+                          <a:solidFill>
+                            <a:schemeClr val="bg1"/>
+                          </a:solidFill>
+                        </a:rPr>
+                        <a:t>10.0 kg * 5</a:t>
+                      </a:r>
+                      <a:endParaRPr lang="ko-KR" altLang="en-US" sz="1800" dirty="0">
+                        <a:solidFill>
+                          <a:schemeClr val="bg1"/>
+                        </a:solidFill>
+                      </a:endParaRPr>
+                    </a:p>
+                  </a:txBody>
+                  <a:tcPr>
+                    <a:solidFill>
+                      <a:schemeClr val="accent1">
+                        <a:lumMod val="50000"/>
+                      </a:schemeClr>
+                    </a:solidFill>
+                  </a:tcPr>
+                </a:tc>
+                <a:extLst>
+                  <a:ext uri="{0D108BD9-81ED-4DB2-BD59-A6C34878D82A}">
+                    <a16:rowId xmlns:a16="http://schemas.microsoft.com/office/drawing/2014/main" val="1110767849"/>
+                  </a:ext>
+                </a:extLst>
+              </a:tr>
+            </a:tbl>
+          </a:graphicData>
+        </a:graphic>
+      </p:graphicFrame>
+      <p:graphicFrame>
+        <p:nvGraphicFramePr>
+          <p:cNvPr id="32" name="Table 31">
+            <a:extLst>
+              <a:ext uri="{FF2B5EF4-FFF2-40B4-BE49-F238E27FC236}">
+                <a16:creationId xmlns:a16="http://schemas.microsoft.com/office/drawing/2014/main" id="{F6B70488-F74A-1240-C7FF-C8056B99DB68}"/>
+              </a:ext>
+            </a:extLst>
+          </p:cNvPr>
+          <p:cNvGraphicFramePr>
+            <a:graphicFrameLocks noGrp="1"/>
+          </p:cNvGraphicFramePr>
+          <p:nvPr>
+            <p:extLst>
+              <p:ext uri="{D42A27DB-BD31-4B8C-83A1-F6EECF244321}">
+                <p14:modId xmlns:p14="http://schemas.microsoft.com/office/powerpoint/2010/main" val="1242596878"/>
+              </p:ext>
+            </p:extLst>
+          </p:nvPr>
+        </p:nvGraphicFramePr>
+        <p:xfrm>
+          <a:off x="169599" y="2533502"/>
+          <a:ext cx="2815438" cy="1473594"/>
+        </p:xfrm>
+        <a:graphic>
+          <a:graphicData uri="http://schemas.openxmlformats.org/drawingml/2006/table">
+            <a:tbl>
+              <a:tblPr firstRow="1" bandRow="1">
+                <a:tableStyleId>{F5AB1C69-6EDB-4FF4-983F-18BD219EF322}</a:tableStyleId>
+              </a:tblPr>
+              <a:tblGrid>
+                <a:gridCol w="813040">
+                  <a:extLst>
+                    <a:ext uri="{9D8B030D-6E8A-4147-A177-3AD203B41FA5}">
+                      <a16:colId xmlns:a16="http://schemas.microsoft.com/office/drawing/2014/main" val="803270416"/>
+                    </a:ext>
+                  </a:extLst>
+                </a:gridCol>
+                <a:gridCol w="2002398">
+                  <a:extLst>
+                    <a:ext uri="{9D8B030D-6E8A-4147-A177-3AD203B41FA5}">
+                      <a16:colId xmlns:a16="http://schemas.microsoft.com/office/drawing/2014/main" val="4281679180"/>
+                    </a:ext>
+                  </a:extLst>
+                </a:gridCol>
+              </a:tblGrid>
+              <a:tr h="225245">
+                <a:tc gridSpan="2">
+                  <a:txBody>
+                    <a:bodyPr/>
+                    <a:lstStyle/>
+                    <a:p>
+                      <a:pPr algn="l" latinLnBrk="1"/>
+                      <a:r>
+                        <a:rPr lang="en-US" altLang="ko-KR" sz="1800" dirty="0">
+                          <a:solidFill>
+                            <a:schemeClr val="bg1"/>
+                          </a:solidFill>
+                        </a:rPr>
+                        <a:t>28-02-2024 (4 days ago)</a:t>
+                      </a:r>
+                      <a:endParaRPr lang="ko-KR" altLang="en-US" sz="1800" dirty="0">
+                        <a:solidFill>
+                          <a:schemeClr val="bg1"/>
+                        </a:solidFill>
+                      </a:endParaRPr>
+                    </a:p>
+                  </a:txBody>
+                  <a:tcPr>
+                    <a:solidFill>
+                      <a:schemeClr val="bg2">
+                        <a:lumMod val="75000"/>
+                      </a:schemeClr>
+                    </a:solidFill>
+                  </a:tcPr>
+                </a:tc>
+                <a:tc hMerge="1">
+                  <a:txBody>
+                    <a:bodyPr/>
+                    <a:lstStyle/>
+                    <a:p>
+                      <a:pPr algn="l" latinLnBrk="1"/>
+                      <a:endParaRPr lang="ko-KR" altLang="en-US" dirty="0"/>
+                    </a:p>
+                  </a:txBody>
+                  <a:tcPr/>
+                </a:tc>
+                <a:extLst>
+                  <a:ext uri="{0D108BD9-81ED-4DB2-BD59-A6C34878D82A}">
+                    <a16:rowId xmlns:a16="http://schemas.microsoft.com/office/drawing/2014/main" val="3697371601"/>
+                  </a:ext>
+                </a:extLst>
+              </a:tr>
+              <a:tr h="369278">
+                <a:tc>
+                  <a:txBody>
+                    <a:bodyPr/>
+                    <a:lstStyle/>
+                    <a:p>
+                      <a:pPr algn="ctr" latinLnBrk="1"/>
+                      <a:r>
+                        <a:rPr lang="en-US" altLang="ko-KR" sz="1800" dirty="0">
+                          <a:solidFill>
+                            <a:schemeClr val="bg1"/>
+                          </a:solidFill>
+                        </a:rPr>
+                        <a:t>Set 1</a:t>
+                      </a:r>
+                      <a:endParaRPr lang="ko-KR" altLang="en-US" sz="1800" dirty="0">
+                        <a:solidFill>
+                          <a:schemeClr val="bg1"/>
+                        </a:solidFill>
+                      </a:endParaRPr>
+                    </a:p>
+                  </a:txBody>
+                  <a:tcPr>
+                    <a:solidFill>
+                      <a:schemeClr val="bg2">
+                        <a:lumMod val="75000"/>
+                      </a:schemeClr>
+                    </a:solidFill>
+                  </a:tcPr>
+                </a:tc>
+                <a:tc>
+                  <a:txBody>
+                    <a:bodyPr/>
+                    <a:lstStyle/>
+                    <a:p>
+                      <a:pPr algn="ctr" latinLnBrk="1"/>
+                      <a:r>
+                        <a:rPr lang="en-US" altLang="ko-KR" sz="1800" dirty="0">
+                          <a:solidFill>
+                            <a:schemeClr val="bg1"/>
+                          </a:solidFill>
+                        </a:rPr>
+                        <a:t>10.0 kg * 5</a:t>
+                      </a:r>
+                      <a:endParaRPr lang="ko-KR" altLang="en-US" sz="1800" dirty="0">
+                        <a:solidFill>
+                          <a:schemeClr val="bg1"/>
+                        </a:solidFill>
+                      </a:endParaRPr>
+                    </a:p>
+                  </a:txBody>
+                  <a:tcPr>
+                    <a:solidFill>
+                      <a:schemeClr val="bg2">
+                        <a:lumMod val="75000"/>
+                      </a:schemeClr>
+                    </a:solidFill>
+                  </a:tcPr>
+                </a:tc>
+                <a:extLst>
+                  <a:ext uri="{0D108BD9-81ED-4DB2-BD59-A6C34878D82A}">
+                    <a16:rowId xmlns:a16="http://schemas.microsoft.com/office/drawing/2014/main" val="2063462280"/>
+                  </a:ext>
+                </a:extLst>
+              </a:tr>
+              <a:tr h="369278">
+                <a:tc>
+                  <a:txBody>
+                    <a:bodyPr/>
+                    <a:lstStyle/>
+                    <a:p>
+                      <a:pPr algn="ctr" latinLnBrk="1"/>
+                      <a:r>
+                        <a:rPr lang="en-US" altLang="ko-KR" sz="1800" dirty="0">
+                          <a:solidFill>
+                            <a:schemeClr val="bg1"/>
+                          </a:solidFill>
+                        </a:rPr>
+                        <a:t>Set 2</a:t>
+                      </a:r>
+                    </a:p>
+                  </a:txBody>
+                  <a:tcPr>
+                    <a:solidFill>
+                      <a:schemeClr val="bg2">
+                        <a:lumMod val="75000"/>
+                      </a:schemeClr>
+                    </a:solidFill>
+                  </a:tcPr>
+                </a:tc>
+                <a:tc>
+                  <a:txBody>
+                    <a:bodyPr/>
+                    <a:lstStyle/>
+                    <a:p>
+                      <a:pPr algn="ctr" latinLnBrk="1"/>
+                      <a:r>
+                        <a:rPr lang="en-US" altLang="ko-KR" sz="1800" dirty="0">
+                          <a:solidFill>
+                            <a:schemeClr val="bg1"/>
+                          </a:solidFill>
+                        </a:rPr>
+                        <a:t>12.0 kg * 5</a:t>
+                      </a:r>
+                      <a:endParaRPr lang="ko-KR" altLang="en-US" sz="1800" dirty="0">
+                        <a:solidFill>
+                          <a:schemeClr val="bg1"/>
+                        </a:solidFill>
+                      </a:endParaRPr>
+                    </a:p>
+                  </a:txBody>
+                  <a:tcPr>
+                    <a:solidFill>
+                      <a:schemeClr val="bg2">
+                        <a:lumMod val="75000"/>
+                      </a:schemeClr>
+                    </a:solidFill>
+                  </a:tcPr>
+                </a:tc>
+                <a:extLst>
+                  <a:ext uri="{0D108BD9-81ED-4DB2-BD59-A6C34878D82A}">
+                    <a16:rowId xmlns:a16="http://schemas.microsoft.com/office/drawing/2014/main" val="76948687"/>
+                  </a:ext>
+                </a:extLst>
+              </a:tr>
+              <a:tr h="369278">
+                <a:tc>
+                  <a:txBody>
+                    <a:bodyPr/>
+                    <a:lstStyle/>
+                    <a:p>
+                      <a:pPr algn="ctr" latinLnBrk="1"/>
+                      <a:r>
+                        <a:rPr lang="en-US" altLang="ko-KR" sz="1800" dirty="0">
+                          <a:solidFill>
+                            <a:schemeClr val="bg1"/>
+                          </a:solidFill>
+                        </a:rPr>
+                        <a:t>Set 3</a:t>
+                      </a:r>
+                      <a:endParaRPr lang="ko-KR" altLang="en-US" sz="1800" dirty="0">
+                        <a:solidFill>
+                          <a:schemeClr val="bg1"/>
+                        </a:solidFill>
+                      </a:endParaRPr>
+                    </a:p>
+                  </a:txBody>
+                  <a:tcPr>
+                    <a:solidFill>
+                      <a:schemeClr val="bg2">
+                        <a:lumMod val="75000"/>
+                      </a:schemeClr>
+                    </a:solidFill>
+                  </a:tcPr>
+                </a:tc>
+                <a:tc>
+                  <a:txBody>
+                    <a:bodyPr/>
+                    <a:lstStyle/>
+                    <a:p>
+                      <a:pPr algn="ctr" latinLnBrk="1"/>
+                      <a:r>
+                        <a:rPr lang="en-US" altLang="ko-KR" sz="1800" dirty="0">
+                          <a:solidFill>
+                            <a:schemeClr val="bg1"/>
+                          </a:solidFill>
+                        </a:rPr>
+                        <a:t>10.0 kg * 5</a:t>
+                      </a:r>
+                      <a:endParaRPr lang="ko-KR" altLang="en-US" sz="1800" dirty="0">
+                        <a:solidFill>
+                          <a:schemeClr val="bg1"/>
+                        </a:solidFill>
+                      </a:endParaRPr>
+                    </a:p>
+                  </a:txBody>
+                  <a:tcPr>
+                    <a:solidFill>
+                      <a:schemeClr val="bg2">
+                        <a:lumMod val="75000"/>
+                      </a:schemeClr>
+                    </a:solidFill>
+                  </a:tcPr>
+                </a:tc>
+                <a:extLst>
+                  <a:ext uri="{0D108BD9-81ED-4DB2-BD59-A6C34878D82A}">
+                    <a16:rowId xmlns:a16="http://schemas.microsoft.com/office/drawing/2014/main" val="1110767849"/>
+                  </a:ext>
+                </a:extLst>
+              </a:tr>
+            </a:tbl>
+          </a:graphicData>
+        </a:graphic>
+      </p:graphicFrame>
+      <p:graphicFrame>
+        <p:nvGraphicFramePr>
+          <p:cNvPr id="59" name="Chart 58">
+            <a:extLst>
+              <a:ext uri="{FF2B5EF4-FFF2-40B4-BE49-F238E27FC236}">
+                <a16:creationId xmlns:a16="http://schemas.microsoft.com/office/drawing/2014/main" id="{B5BED56D-5E7C-099A-3EA4-674A6A41C42E}"/>
+              </a:ext>
+            </a:extLst>
+          </p:cNvPr>
+          <p:cNvGraphicFramePr/>
+          <p:nvPr>
+            <p:extLst>
+              <p:ext uri="{D42A27DB-BD31-4B8C-83A1-F6EECF244321}">
+                <p14:modId xmlns:p14="http://schemas.microsoft.com/office/powerpoint/2010/main" val="972573777"/>
+              </p:ext>
+            </p:extLst>
+          </p:nvPr>
+        </p:nvGraphicFramePr>
+        <p:xfrm>
+          <a:off x="3296854" y="2510965"/>
+          <a:ext cx="3080147" cy="2992261"/>
+        </p:xfrm>
+        <a:graphic>
+          <a:graphicData uri="http://schemas.openxmlformats.org/drawingml/2006/chart">
+            <c:chart xmlns:c="http://schemas.openxmlformats.org/drawingml/2006/chart" xmlns:r="http://schemas.openxmlformats.org/officeDocument/2006/relationships" r:id="rId3"/>
+          </a:graphicData>
+        </a:graphic>
+      </p:graphicFrame>
+      <p:sp>
+        <p:nvSpPr>
+          <p:cNvPr id="60" name="TextBox 59">
+            <a:extLst>
+              <a:ext uri="{FF2B5EF4-FFF2-40B4-BE49-F238E27FC236}">
+                <a16:creationId xmlns:a16="http://schemas.microsoft.com/office/drawing/2014/main" id="{81E2E5FC-A9B6-3BDE-E072-4DE0AA70A387}"/>
+              </a:ext>
+            </a:extLst>
+          </p:cNvPr>
+          <p:cNvSpPr txBox="1"/>
+          <p:nvPr/>
+        </p:nvSpPr>
+        <p:spPr>
+          <a:xfrm>
+            <a:off x="3573674" y="9014554"/>
+            <a:ext cx="2726452" cy="369332"/>
+          </a:xfrm>
+          <a:prstGeom prst="rect">
+            <a:avLst/>
+          </a:prstGeom>
+          <a:noFill/>
+        </p:spPr>
+        <p:txBody>
+          <a:bodyPr wrap="none" rtlCol="0">
+            <a:spAutoFit/>
+          </a:bodyPr>
+          <a:lstStyle/>
+          <a:p>
+            <a:r>
+              <a:rPr lang="ko-KR" altLang="en-US" dirty="0">
+                <a:solidFill>
+                  <a:schemeClr val="accent1">
+                    <a:lumMod val="50000"/>
+                  </a:schemeClr>
+                </a:solidFill>
+              </a:rPr>
+              <a:t>ㅁ </a:t>
+            </a:r>
+            <a:r>
+              <a:rPr lang="en-US" altLang="ko-KR" dirty="0">
+                <a:solidFill>
+                  <a:schemeClr val="accent1">
+                    <a:lumMod val="50000"/>
+                  </a:schemeClr>
+                </a:solidFill>
+              </a:rPr>
+              <a:t>log as a warming up set</a:t>
+            </a:r>
+            <a:endParaRPr lang="ko-KR" altLang="en-US" dirty="0">
+              <a:solidFill>
+                <a:schemeClr val="accent1">
+                  <a:lumMod val="50000"/>
+                </a:schemeClr>
+              </a:solidFill>
+            </a:endParaRPr>
+          </a:p>
+        </p:txBody>
+      </p:sp>
+      <p:graphicFrame>
+        <p:nvGraphicFramePr>
+          <p:cNvPr id="26" name="Table 25">
+            <a:extLst>
+              <a:ext uri="{FF2B5EF4-FFF2-40B4-BE49-F238E27FC236}">
+                <a16:creationId xmlns:a16="http://schemas.microsoft.com/office/drawing/2014/main" id="{179045EF-9A47-01E3-EE44-59A584D1C9AE}"/>
+              </a:ext>
+            </a:extLst>
+          </p:cNvPr>
+          <p:cNvGraphicFramePr>
+            <a:graphicFrameLocks noGrp="1"/>
+          </p:cNvGraphicFramePr>
+          <p:nvPr>
+            <p:extLst>
+              <p:ext uri="{D42A27DB-BD31-4B8C-83A1-F6EECF244321}">
+                <p14:modId xmlns:p14="http://schemas.microsoft.com/office/powerpoint/2010/main" val="2925163957"/>
+              </p:ext>
+            </p:extLst>
+          </p:nvPr>
+        </p:nvGraphicFramePr>
+        <p:xfrm>
+          <a:off x="169599" y="4102520"/>
+          <a:ext cx="2815438" cy="1473594"/>
+        </p:xfrm>
+        <a:graphic>
+          <a:graphicData uri="http://schemas.openxmlformats.org/drawingml/2006/table">
+            <a:tbl>
+              <a:tblPr firstRow="1" bandRow="1">
+                <a:tableStyleId>{F5AB1C69-6EDB-4FF4-983F-18BD219EF322}</a:tableStyleId>
+              </a:tblPr>
+              <a:tblGrid>
+                <a:gridCol w="813040">
+                  <a:extLst>
+                    <a:ext uri="{9D8B030D-6E8A-4147-A177-3AD203B41FA5}">
+                      <a16:colId xmlns:a16="http://schemas.microsoft.com/office/drawing/2014/main" val="803270416"/>
+                    </a:ext>
+                  </a:extLst>
+                </a:gridCol>
+                <a:gridCol w="2002398">
+                  <a:extLst>
+                    <a:ext uri="{9D8B030D-6E8A-4147-A177-3AD203B41FA5}">
+                      <a16:colId xmlns:a16="http://schemas.microsoft.com/office/drawing/2014/main" val="4281679180"/>
+                    </a:ext>
+                  </a:extLst>
+                </a:gridCol>
+              </a:tblGrid>
+              <a:tr h="225245">
+                <a:tc gridSpan="2">
+                  <a:txBody>
+                    <a:bodyPr/>
+                    <a:lstStyle/>
+                    <a:p>
+                      <a:pPr algn="l" latinLnBrk="1"/>
+                      <a:r>
+                        <a:rPr lang="en-US" altLang="ko-KR" sz="1800" dirty="0">
+                          <a:solidFill>
+                            <a:schemeClr val="bg1"/>
+                          </a:solidFill>
+                        </a:rPr>
+                        <a:t>28-02-2024 (4 days ago)</a:t>
+                      </a:r>
+                      <a:endParaRPr lang="ko-KR" altLang="en-US" sz="1800" dirty="0">
+                        <a:solidFill>
+                          <a:schemeClr val="bg1"/>
+                        </a:solidFill>
+                      </a:endParaRPr>
+                    </a:p>
+                  </a:txBody>
+                  <a:tcPr>
+                    <a:solidFill>
+                      <a:schemeClr val="bg2">
+                        <a:lumMod val="75000"/>
+                      </a:schemeClr>
+                    </a:solidFill>
+                  </a:tcPr>
+                </a:tc>
+                <a:tc hMerge="1">
+                  <a:txBody>
+                    <a:bodyPr/>
+                    <a:lstStyle/>
+                    <a:p>
+                      <a:pPr algn="l" latinLnBrk="1"/>
+                      <a:endParaRPr lang="ko-KR" altLang="en-US" dirty="0"/>
+                    </a:p>
+                  </a:txBody>
+                  <a:tcPr/>
+                </a:tc>
+                <a:extLst>
+                  <a:ext uri="{0D108BD9-81ED-4DB2-BD59-A6C34878D82A}">
+                    <a16:rowId xmlns:a16="http://schemas.microsoft.com/office/drawing/2014/main" val="3697371601"/>
+                  </a:ext>
+                </a:extLst>
+              </a:tr>
+              <a:tr h="369278">
+                <a:tc>
+                  <a:txBody>
+                    <a:bodyPr/>
+                    <a:lstStyle/>
+                    <a:p>
+                      <a:pPr algn="ctr" latinLnBrk="1"/>
+                      <a:r>
+                        <a:rPr lang="en-US" altLang="ko-KR" sz="1800" dirty="0">
+                          <a:solidFill>
+                            <a:schemeClr val="bg1"/>
+                          </a:solidFill>
+                        </a:rPr>
+                        <a:t>Set 1</a:t>
+                      </a:r>
+                      <a:endParaRPr lang="ko-KR" altLang="en-US" sz="1800" dirty="0">
+                        <a:solidFill>
+                          <a:schemeClr val="bg1"/>
+                        </a:solidFill>
+                      </a:endParaRPr>
+                    </a:p>
+                  </a:txBody>
+                  <a:tcPr>
+                    <a:solidFill>
+                      <a:schemeClr val="bg2">
+                        <a:lumMod val="75000"/>
+                      </a:schemeClr>
+                    </a:solidFill>
+                  </a:tcPr>
+                </a:tc>
+                <a:tc>
+                  <a:txBody>
+                    <a:bodyPr/>
+                    <a:lstStyle/>
+                    <a:p>
+                      <a:pPr algn="ctr" latinLnBrk="1"/>
+                      <a:r>
+                        <a:rPr lang="en-US" altLang="ko-KR" sz="1800" dirty="0">
+                          <a:solidFill>
+                            <a:schemeClr val="bg1"/>
+                          </a:solidFill>
+                        </a:rPr>
+                        <a:t>10.0 kg * 5</a:t>
+                      </a:r>
+                      <a:endParaRPr lang="ko-KR" altLang="en-US" sz="1800" dirty="0">
+                        <a:solidFill>
+                          <a:schemeClr val="bg1"/>
+                        </a:solidFill>
+                      </a:endParaRPr>
+                    </a:p>
+                  </a:txBody>
+                  <a:tcPr>
+                    <a:solidFill>
+                      <a:schemeClr val="bg2">
+                        <a:lumMod val="75000"/>
+                      </a:schemeClr>
+                    </a:solidFill>
+                  </a:tcPr>
+                </a:tc>
+                <a:extLst>
+                  <a:ext uri="{0D108BD9-81ED-4DB2-BD59-A6C34878D82A}">
+                    <a16:rowId xmlns:a16="http://schemas.microsoft.com/office/drawing/2014/main" val="2063462280"/>
+                  </a:ext>
+                </a:extLst>
+              </a:tr>
+              <a:tr h="369278">
+                <a:tc>
+                  <a:txBody>
+                    <a:bodyPr/>
+                    <a:lstStyle/>
+                    <a:p>
+                      <a:pPr algn="ctr" latinLnBrk="1"/>
+                      <a:r>
+                        <a:rPr lang="en-US" altLang="ko-KR" sz="1800" dirty="0">
+                          <a:solidFill>
+                            <a:schemeClr val="bg1"/>
+                          </a:solidFill>
+                        </a:rPr>
+                        <a:t>Set 2</a:t>
+                      </a:r>
+                    </a:p>
+                  </a:txBody>
+                  <a:tcPr>
+                    <a:solidFill>
+                      <a:schemeClr val="bg2">
+                        <a:lumMod val="75000"/>
+                      </a:schemeClr>
+                    </a:solidFill>
+                  </a:tcPr>
+                </a:tc>
+                <a:tc>
+                  <a:txBody>
+                    <a:bodyPr/>
+                    <a:lstStyle/>
+                    <a:p>
+                      <a:pPr algn="ctr" latinLnBrk="1"/>
+                      <a:r>
+                        <a:rPr lang="en-US" altLang="ko-KR" sz="1800" dirty="0">
+                          <a:solidFill>
+                            <a:schemeClr val="bg1"/>
+                          </a:solidFill>
+                        </a:rPr>
+                        <a:t>10.0 kg * 5</a:t>
+                      </a:r>
+                      <a:endParaRPr lang="ko-KR" altLang="en-US" sz="1800" dirty="0">
+                        <a:solidFill>
+                          <a:schemeClr val="bg1"/>
+                        </a:solidFill>
+                      </a:endParaRPr>
+                    </a:p>
+                  </a:txBody>
+                  <a:tcPr>
+                    <a:solidFill>
+                      <a:schemeClr val="bg2">
+                        <a:lumMod val="75000"/>
+                      </a:schemeClr>
+                    </a:solidFill>
+                  </a:tcPr>
+                </a:tc>
+                <a:extLst>
+                  <a:ext uri="{0D108BD9-81ED-4DB2-BD59-A6C34878D82A}">
+                    <a16:rowId xmlns:a16="http://schemas.microsoft.com/office/drawing/2014/main" val="76948687"/>
+                  </a:ext>
+                </a:extLst>
+              </a:tr>
+              <a:tr h="369278">
+                <a:tc>
+                  <a:txBody>
+                    <a:bodyPr/>
+                    <a:lstStyle/>
+                    <a:p>
+                      <a:pPr algn="ctr" latinLnBrk="1"/>
+                      <a:r>
+                        <a:rPr lang="en-US" altLang="ko-KR" sz="1800" dirty="0">
+                          <a:solidFill>
+                            <a:schemeClr val="bg1"/>
+                          </a:solidFill>
+                        </a:rPr>
+                        <a:t>Set 3</a:t>
+                      </a:r>
+                      <a:endParaRPr lang="ko-KR" altLang="en-US" sz="1800" dirty="0">
+                        <a:solidFill>
+                          <a:schemeClr val="bg1"/>
+                        </a:solidFill>
+                      </a:endParaRPr>
+                    </a:p>
+                  </a:txBody>
+                  <a:tcPr>
+                    <a:solidFill>
+                      <a:schemeClr val="bg2">
+                        <a:lumMod val="75000"/>
+                      </a:schemeClr>
+                    </a:solidFill>
+                  </a:tcPr>
+                </a:tc>
+                <a:tc>
+                  <a:txBody>
+                    <a:bodyPr/>
+                    <a:lstStyle/>
+                    <a:p>
+                      <a:pPr algn="ctr" latinLnBrk="1"/>
+                      <a:r>
+                        <a:rPr lang="en-US" altLang="ko-KR" sz="1800" dirty="0">
+                          <a:solidFill>
+                            <a:schemeClr val="bg1"/>
+                          </a:solidFill>
+                        </a:rPr>
+                        <a:t>10.0 kg * 5</a:t>
+                      </a:r>
+                      <a:endParaRPr lang="ko-KR" altLang="en-US" sz="1800" dirty="0">
+                        <a:solidFill>
+                          <a:schemeClr val="bg1"/>
+                        </a:solidFill>
+                      </a:endParaRPr>
+                    </a:p>
+                  </a:txBody>
+                  <a:tcPr>
+                    <a:solidFill>
+                      <a:schemeClr val="bg2">
+                        <a:lumMod val="75000"/>
+                      </a:schemeClr>
+                    </a:solidFill>
+                  </a:tcPr>
+                </a:tc>
+                <a:extLst>
+                  <a:ext uri="{0D108BD9-81ED-4DB2-BD59-A6C34878D82A}">
+                    <a16:rowId xmlns:a16="http://schemas.microsoft.com/office/drawing/2014/main" val="1110767849"/>
+                  </a:ext>
+                </a:extLst>
+              </a:tr>
+            </a:tbl>
+          </a:graphicData>
+        </a:graphic>
+      </p:graphicFrame>
+      <p:graphicFrame>
+        <p:nvGraphicFramePr>
+          <p:cNvPr id="27" name="Table 26">
+            <a:extLst>
+              <a:ext uri="{FF2B5EF4-FFF2-40B4-BE49-F238E27FC236}">
+                <a16:creationId xmlns:a16="http://schemas.microsoft.com/office/drawing/2014/main" id="{11BED7FF-1D25-3248-E71A-A636524E8889}"/>
+              </a:ext>
+            </a:extLst>
+          </p:cNvPr>
+          <p:cNvGraphicFramePr>
+            <a:graphicFrameLocks noGrp="1"/>
+          </p:cNvGraphicFramePr>
+          <p:nvPr>
+            <p:extLst>
+              <p:ext uri="{D42A27DB-BD31-4B8C-83A1-F6EECF244321}">
+                <p14:modId xmlns:p14="http://schemas.microsoft.com/office/powerpoint/2010/main" val="3286464707"/>
+              </p:ext>
+            </p:extLst>
+          </p:nvPr>
+        </p:nvGraphicFramePr>
+        <p:xfrm>
+          <a:off x="165498" y="5664860"/>
+          <a:ext cx="2815438" cy="1473594"/>
+        </p:xfrm>
+        <a:graphic>
+          <a:graphicData uri="http://schemas.openxmlformats.org/drawingml/2006/table">
+            <a:tbl>
+              <a:tblPr firstRow="1" bandRow="1">
+                <a:tableStyleId>{F5AB1C69-6EDB-4FF4-983F-18BD219EF322}</a:tableStyleId>
+              </a:tblPr>
+              <a:tblGrid>
+                <a:gridCol w="813040">
+                  <a:extLst>
+                    <a:ext uri="{9D8B030D-6E8A-4147-A177-3AD203B41FA5}">
+                      <a16:colId xmlns:a16="http://schemas.microsoft.com/office/drawing/2014/main" val="803270416"/>
+                    </a:ext>
+                  </a:extLst>
+                </a:gridCol>
+                <a:gridCol w="2002398">
+                  <a:extLst>
+                    <a:ext uri="{9D8B030D-6E8A-4147-A177-3AD203B41FA5}">
+                      <a16:colId xmlns:a16="http://schemas.microsoft.com/office/drawing/2014/main" val="4281679180"/>
+                    </a:ext>
+                  </a:extLst>
+                </a:gridCol>
+              </a:tblGrid>
+              <a:tr h="225245">
+                <a:tc gridSpan="2">
+                  <a:txBody>
+                    <a:bodyPr/>
+                    <a:lstStyle/>
+                    <a:p>
+                      <a:pPr algn="l" latinLnBrk="1"/>
+                      <a:r>
+                        <a:rPr lang="en-US" altLang="ko-KR" sz="1800" dirty="0">
+                          <a:solidFill>
+                            <a:schemeClr val="bg1"/>
+                          </a:solidFill>
+                        </a:rPr>
+                        <a:t>28-02-2024 (4 days ago)</a:t>
+                      </a:r>
+                      <a:endParaRPr lang="ko-KR" altLang="en-US" sz="1800" dirty="0">
+                        <a:solidFill>
+                          <a:schemeClr val="bg1"/>
+                        </a:solidFill>
+                      </a:endParaRPr>
+                    </a:p>
+                  </a:txBody>
+                  <a:tcPr>
+                    <a:solidFill>
+                      <a:schemeClr val="bg2">
+                        <a:lumMod val="75000"/>
+                      </a:schemeClr>
+                    </a:solidFill>
+                  </a:tcPr>
+                </a:tc>
+                <a:tc hMerge="1">
+                  <a:txBody>
+                    <a:bodyPr/>
+                    <a:lstStyle/>
+                    <a:p>
+                      <a:pPr algn="l" latinLnBrk="1"/>
+                      <a:endParaRPr lang="ko-KR" altLang="en-US" dirty="0"/>
+                    </a:p>
+                  </a:txBody>
+                  <a:tcPr/>
+                </a:tc>
+                <a:extLst>
+                  <a:ext uri="{0D108BD9-81ED-4DB2-BD59-A6C34878D82A}">
+                    <a16:rowId xmlns:a16="http://schemas.microsoft.com/office/drawing/2014/main" val="3697371601"/>
+                  </a:ext>
+                </a:extLst>
+              </a:tr>
+              <a:tr h="369278">
+                <a:tc>
+                  <a:txBody>
+                    <a:bodyPr/>
+                    <a:lstStyle/>
+                    <a:p>
+                      <a:pPr algn="ctr" latinLnBrk="1"/>
+                      <a:r>
+                        <a:rPr lang="en-US" altLang="ko-KR" sz="1800" dirty="0">
+                          <a:solidFill>
+                            <a:schemeClr val="bg1"/>
+                          </a:solidFill>
+                        </a:rPr>
+                        <a:t>Set 1</a:t>
+                      </a:r>
+                      <a:endParaRPr lang="ko-KR" altLang="en-US" sz="1800" dirty="0">
+                        <a:solidFill>
+                          <a:schemeClr val="bg1"/>
+                        </a:solidFill>
+                      </a:endParaRPr>
+                    </a:p>
+                  </a:txBody>
+                  <a:tcPr>
+                    <a:solidFill>
+                      <a:schemeClr val="bg2">
+                        <a:lumMod val="75000"/>
+                      </a:schemeClr>
+                    </a:solidFill>
+                  </a:tcPr>
+                </a:tc>
+                <a:tc>
+                  <a:txBody>
+                    <a:bodyPr/>
+                    <a:lstStyle/>
+                    <a:p>
+                      <a:pPr algn="ctr" latinLnBrk="1"/>
+                      <a:r>
+                        <a:rPr lang="en-US" altLang="ko-KR" sz="1800" dirty="0">
+                          <a:solidFill>
+                            <a:schemeClr val="bg1"/>
+                          </a:solidFill>
+                        </a:rPr>
+                        <a:t>10.0 kg * 5</a:t>
+                      </a:r>
+                      <a:endParaRPr lang="ko-KR" altLang="en-US" sz="1800" dirty="0">
+                        <a:solidFill>
+                          <a:schemeClr val="bg1"/>
+                        </a:solidFill>
+                      </a:endParaRPr>
+                    </a:p>
+                  </a:txBody>
+                  <a:tcPr>
+                    <a:solidFill>
+                      <a:schemeClr val="bg2">
+                        <a:lumMod val="75000"/>
+                      </a:schemeClr>
+                    </a:solidFill>
+                  </a:tcPr>
+                </a:tc>
+                <a:extLst>
+                  <a:ext uri="{0D108BD9-81ED-4DB2-BD59-A6C34878D82A}">
+                    <a16:rowId xmlns:a16="http://schemas.microsoft.com/office/drawing/2014/main" val="2063462280"/>
+                  </a:ext>
+                </a:extLst>
+              </a:tr>
+              <a:tr h="369278">
+                <a:tc>
+                  <a:txBody>
+                    <a:bodyPr/>
+                    <a:lstStyle/>
+                    <a:p>
+                      <a:pPr algn="ctr" latinLnBrk="1"/>
+                      <a:r>
+                        <a:rPr lang="en-US" altLang="ko-KR" sz="1800" dirty="0">
+                          <a:solidFill>
+                            <a:schemeClr val="bg1"/>
+                          </a:solidFill>
+                        </a:rPr>
+                        <a:t>Set 2</a:t>
+                      </a:r>
+                    </a:p>
+                  </a:txBody>
+                  <a:tcPr>
+                    <a:solidFill>
+                      <a:schemeClr val="bg2">
+                        <a:lumMod val="75000"/>
+                      </a:schemeClr>
+                    </a:solidFill>
+                  </a:tcPr>
+                </a:tc>
+                <a:tc>
+                  <a:txBody>
+                    <a:bodyPr/>
+                    <a:lstStyle/>
+                    <a:p>
+                      <a:pPr algn="ctr" latinLnBrk="1"/>
+                      <a:r>
+                        <a:rPr lang="en-US" altLang="ko-KR" sz="1800" dirty="0">
+                          <a:solidFill>
+                            <a:schemeClr val="bg1"/>
+                          </a:solidFill>
+                        </a:rPr>
+                        <a:t>10.0 kg * 5</a:t>
+                      </a:r>
+                      <a:endParaRPr lang="ko-KR" altLang="en-US" sz="1800" dirty="0">
+                        <a:solidFill>
+                          <a:schemeClr val="bg1"/>
+                        </a:solidFill>
+                      </a:endParaRPr>
+                    </a:p>
+                  </a:txBody>
+                  <a:tcPr>
+                    <a:solidFill>
+                      <a:schemeClr val="bg2">
+                        <a:lumMod val="75000"/>
+                      </a:schemeClr>
+                    </a:solidFill>
+                  </a:tcPr>
+                </a:tc>
+                <a:extLst>
+                  <a:ext uri="{0D108BD9-81ED-4DB2-BD59-A6C34878D82A}">
+                    <a16:rowId xmlns:a16="http://schemas.microsoft.com/office/drawing/2014/main" val="76948687"/>
+                  </a:ext>
+                </a:extLst>
+              </a:tr>
+              <a:tr h="369278">
+                <a:tc>
+                  <a:txBody>
+                    <a:bodyPr/>
+                    <a:lstStyle/>
+                    <a:p>
+                      <a:pPr algn="ctr" latinLnBrk="1"/>
+                      <a:r>
+                        <a:rPr lang="en-US" altLang="ko-KR" sz="1800" dirty="0">
+                          <a:solidFill>
+                            <a:schemeClr val="bg1"/>
+                          </a:solidFill>
+                        </a:rPr>
+                        <a:t>Set 3</a:t>
+                      </a:r>
+                      <a:endParaRPr lang="ko-KR" altLang="en-US" sz="1800" dirty="0">
+                        <a:solidFill>
+                          <a:schemeClr val="bg1"/>
+                        </a:solidFill>
+                      </a:endParaRPr>
+                    </a:p>
+                  </a:txBody>
+                  <a:tcPr>
+                    <a:solidFill>
+                      <a:schemeClr val="bg2">
+                        <a:lumMod val="75000"/>
+                      </a:schemeClr>
+                    </a:solidFill>
+                  </a:tcPr>
+                </a:tc>
+                <a:tc>
+                  <a:txBody>
+                    <a:bodyPr/>
+                    <a:lstStyle/>
+                    <a:p>
+                      <a:pPr algn="ctr" latinLnBrk="1"/>
+                      <a:r>
+                        <a:rPr lang="en-US" altLang="ko-KR" sz="1800" dirty="0">
+                          <a:solidFill>
+                            <a:schemeClr val="bg1"/>
+                          </a:solidFill>
+                        </a:rPr>
+                        <a:t>10.0 kg * 5</a:t>
+                      </a:r>
+                      <a:endParaRPr lang="ko-KR" altLang="en-US" sz="1800" dirty="0">
+                        <a:solidFill>
+                          <a:schemeClr val="bg1"/>
+                        </a:solidFill>
+                      </a:endParaRPr>
+                    </a:p>
+                  </a:txBody>
+                  <a:tcPr>
+                    <a:solidFill>
+                      <a:schemeClr val="bg2">
+                        <a:lumMod val="75000"/>
+                      </a:schemeClr>
+                    </a:solidFill>
+                  </a:tcPr>
+                </a:tc>
+                <a:extLst>
+                  <a:ext uri="{0D108BD9-81ED-4DB2-BD59-A6C34878D82A}">
+                    <a16:rowId xmlns:a16="http://schemas.microsoft.com/office/drawing/2014/main" val="1110767849"/>
+                  </a:ext>
+                </a:extLst>
+              </a:tr>
+            </a:tbl>
+          </a:graphicData>
+        </a:graphic>
+      </p:graphicFrame>
+      <p:sp>
+        <p:nvSpPr>
+          <p:cNvPr id="33" name="TextBox 32">
+            <a:extLst>
+              <a:ext uri="{FF2B5EF4-FFF2-40B4-BE49-F238E27FC236}">
+                <a16:creationId xmlns:a16="http://schemas.microsoft.com/office/drawing/2014/main" id="{04D08DAE-97F9-062B-066E-46C818282846}"/>
+              </a:ext>
+            </a:extLst>
+          </p:cNvPr>
+          <p:cNvSpPr txBox="1"/>
+          <p:nvPr/>
+        </p:nvSpPr>
+        <p:spPr>
+          <a:xfrm>
+            <a:off x="355587" y="9014554"/>
+            <a:ext cx="1376531" cy="369332"/>
+          </a:xfrm>
+          <a:prstGeom prst="rect">
+            <a:avLst/>
+          </a:prstGeom>
+          <a:noFill/>
+        </p:spPr>
+        <p:txBody>
+          <a:bodyPr wrap="none" rtlCol="0">
+            <a:spAutoFit/>
+          </a:bodyPr>
+          <a:lstStyle/>
+          <a:p>
+            <a:r>
+              <a:rPr lang="en-GB" dirty="0">
+                <a:solidFill>
+                  <a:schemeClr val="bg2">
+                    <a:lumMod val="75000"/>
+                  </a:schemeClr>
+                </a:solidFill>
+              </a:rPr>
+              <a:t>Enter weight</a:t>
+            </a:r>
+          </a:p>
+        </p:txBody>
+      </p:sp>
+      <p:sp>
+        <p:nvSpPr>
+          <p:cNvPr id="37" name="TextBox 36">
+            <a:extLst>
+              <a:ext uri="{FF2B5EF4-FFF2-40B4-BE49-F238E27FC236}">
+                <a16:creationId xmlns:a16="http://schemas.microsoft.com/office/drawing/2014/main" id="{C0430999-B7B8-986D-CDCA-DC58CAE7E92F}"/>
+              </a:ext>
+            </a:extLst>
+          </p:cNvPr>
+          <p:cNvSpPr txBox="1"/>
+          <p:nvPr/>
+        </p:nvSpPr>
+        <p:spPr>
+          <a:xfrm>
+            <a:off x="355587" y="9452158"/>
+            <a:ext cx="1142492" cy="369332"/>
+          </a:xfrm>
+          <a:prstGeom prst="rect">
+            <a:avLst/>
+          </a:prstGeom>
+          <a:noFill/>
+        </p:spPr>
+        <p:txBody>
+          <a:bodyPr wrap="none" rtlCol="0">
+            <a:spAutoFit/>
+          </a:bodyPr>
+          <a:lstStyle/>
+          <a:p>
+            <a:r>
+              <a:rPr lang="en-GB" dirty="0">
+                <a:solidFill>
+                  <a:schemeClr val="bg2">
+                    <a:lumMod val="75000"/>
+                  </a:schemeClr>
+                </a:solidFill>
+              </a:rPr>
+              <a:t>Enter reps</a:t>
+            </a:r>
+          </a:p>
+        </p:txBody>
+      </p:sp>
+      <p:cxnSp>
+        <p:nvCxnSpPr>
+          <p:cNvPr id="39" name="Straight Connector 38">
+            <a:extLst>
+              <a:ext uri="{FF2B5EF4-FFF2-40B4-BE49-F238E27FC236}">
+                <a16:creationId xmlns:a16="http://schemas.microsoft.com/office/drawing/2014/main" id="{98295DAC-F4D0-8878-EAC0-EA11FF619C01}"/>
+              </a:ext>
+            </a:extLst>
+          </p:cNvPr>
+          <p:cNvCxnSpPr/>
+          <p:nvPr/>
+        </p:nvCxnSpPr>
+        <p:spPr>
+          <a:xfrm>
+            <a:off x="273021" y="9383886"/>
+            <a:ext cx="2156280" cy="0"/>
+          </a:xfrm>
+          <a:prstGeom prst="line">
+            <a:avLst/>
+          </a:prstGeom>
+          <a:ln>
+            <a:solidFill>
+              <a:schemeClr val="accent1">
+                <a:lumMod val="50000"/>
+              </a:schemeClr>
+            </a:solidFill>
+          </a:ln>
+        </p:spPr>
+        <p:style>
+          <a:lnRef idx="3">
+            <a:schemeClr val="accent1"/>
+          </a:lnRef>
+          <a:fillRef idx="0">
+            <a:schemeClr val="accent1"/>
+          </a:fillRef>
+          <a:effectRef idx="2">
+            <a:schemeClr val="accent1"/>
+          </a:effectRef>
+          <a:fontRef idx="minor">
+            <a:schemeClr val="tx1"/>
+          </a:fontRef>
+        </p:style>
+      </p:cxnSp>
+      <p:cxnSp>
+        <p:nvCxnSpPr>
+          <p:cNvPr id="41" name="Straight Connector 40">
+            <a:extLst>
+              <a:ext uri="{FF2B5EF4-FFF2-40B4-BE49-F238E27FC236}">
+                <a16:creationId xmlns:a16="http://schemas.microsoft.com/office/drawing/2014/main" id="{25A45003-0B2F-9625-E821-A943F247B254}"/>
+              </a:ext>
+            </a:extLst>
+          </p:cNvPr>
+          <p:cNvCxnSpPr/>
+          <p:nvPr/>
+        </p:nvCxnSpPr>
+        <p:spPr>
+          <a:xfrm>
+            <a:off x="273021" y="9821490"/>
+            <a:ext cx="2156280" cy="0"/>
+          </a:xfrm>
+          <a:prstGeom prst="line">
+            <a:avLst/>
+          </a:prstGeom>
+          <a:ln>
+            <a:solidFill>
+              <a:schemeClr val="accent1">
+                <a:lumMod val="50000"/>
+              </a:schemeClr>
+            </a:solidFill>
+          </a:ln>
+        </p:spPr>
+        <p:style>
+          <a:lnRef idx="3">
+            <a:schemeClr val="accent1"/>
+          </a:lnRef>
+          <a:fillRef idx="0">
+            <a:schemeClr val="accent1"/>
+          </a:fillRef>
+          <a:effectRef idx="2">
+            <a:schemeClr val="accent1"/>
+          </a:effectRef>
+          <a:fontRef idx="minor">
+            <a:schemeClr val="tx1"/>
+          </a:fontRef>
+        </p:style>
+      </p:cxnSp>
+      <p:grpSp>
+        <p:nvGrpSpPr>
+          <p:cNvPr id="5" name="Group 4">
+            <a:extLst>
+              <a:ext uri="{FF2B5EF4-FFF2-40B4-BE49-F238E27FC236}">
+                <a16:creationId xmlns:a16="http://schemas.microsoft.com/office/drawing/2014/main" id="{96B65B61-240C-9EBA-EDFD-0E3BC4707F20}"/>
+              </a:ext>
+            </a:extLst>
+          </p:cNvPr>
+          <p:cNvGrpSpPr/>
+          <p:nvPr/>
+        </p:nvGrpSpPr>
+        <p:grpSpPr>
+          <a:xfrm>
+            <a:off x="3399719" y="897054"/>
+            <a:ext cx="2977282" cy="1234805"/>
+            <a:chOff x="3432560" y="712137"/>
+            <a:chExt cx="2977282" cy="1419774"/>
+          </a:xfrm>
+        </p:grpSpPr>
+        <p:grpSp>
+          <p:nvGrpSpPr>
+            <p:cNvPr id="6" name="Group 5">
+              <a:extLst>
+                <a:ext uri="{FF2B5EF4-FFF2-40B4-BE49-F238E27FC236}">
+                  <a16:creationId xmlns:a16="http://schemas.microsoft.com/office/drawing/2014/main" id="{FD99A4B0-BDFA-1806-7D0E-46FAE5811D10}"/>
+                </a:ext>
+              </a:extLst>
+            </p:cNvPr>
+            <p:cNvGrpSpPr/>
+            <p:nvPr/>
+          </p:nvGrpSpPr>
+          <p:grpSpPr>
+            <a:xfrm>
+              <a:off x="3432560" y="712137"/>
+              <a:ext cx="2977282" cy="1419774"/>
+              <a:chOff x="3432560" y="712137"/>
+              <a:chExt cx="2977282" cy="1419774"/>
+            </a:xfrm>
+          </p:grpSpPr>
+          <p:sp>
+            <p:nvSpPr>
+              <p:cNvPr id="10" name="Rectangle: Rounded Corners 9">
+                <a:extLst>
+                  <a:ext uri="{FF2B5EF4-FFF2-40B4-BE49-F238E27FC236}">
+                    <a16:creationId xmlns:a16="http://schemas.microsoft.com/office/drawing/2014/main" id="{14A63BD7-096B-688B-F779-07FC7D3108AC}"/>
+                  </a:ext>
+                </a:extLst>
+              </p:cNvPr>
+              <p:cNvSpPr/>
+              <p:nvPr/>
+            </p:nvSpPr>
+            <p:spPr>
+              <a:xfrm>
+                <a:off x="3432560" y="712137"/>
+                <a:ext cx="2977282" cy="1419774"/>
+              </a:xfrm>
+              <a:prstGeom prst="roundRect">
+                <a:avLst/>
+              </a:prstGeom>
+              <a:solidFill>
+                <a:srgbClr val="D0AF72"/>
+              </a:solidFill>
+              <a:ln>
+                <a:noFill/>
+              </a:ln>
+            </p:spPr>
+            <p:style>
+              <a:lnRef idx="2">
+                <a:schemeClr val="accent1">
+                  <a:shade val="15000"/>
+                </a:schemeClr>
+              </a:lnRef>
+              <a:fillRef idx="1">
+                <a:schemeClr val="accent1"/>
+              </a:fillRef>
+              <a:effectRef idx="0">
+                <a:schemeClr val="accent1"/>
+              </a:effectRef>
+              <a:fontRef idx="minor">
+                <a:schemeClr val="lt1"/>
+              </a:fontRef>
+            </p:style>
+            <p:txBody>
+              <a:bodyPr rtlCol="0" anchor="ctr"/>
+              <a:lstStyle/>
+              <a:p>
+                <a:pPr algn="ctr"/>
+                <a:endParaRPr lang="ko-KR" altLang="en-US" b="1" dirty="0"/>
+              </a:p>
+            </p:txBody>
+          </p:sp>
+          <p:sp>
+            <p:nvSpPr>
+              <p:cNvPr id="11" name="TextBox 10">
+                <a:extLst>
+                  <a:ext uri="{FF2B5EF4-FFF2-40B4-BE49-F238E27FC236}">
+                    <a16:creationId xmlns:a16="http://schemas.microsoft.com/office/drawing/2014/main" id="{6372A16D-3E96-AC58-7FB1-4546E6424CBB}"/>
+                  </a:ext>
+                </a:extLst>
+              </p:cNvPr>
+              <p:cNvSpPr txBox="1"/>
+              <p:nvPr/>
+            </p:nvSpPr>
+            <p:spPr>
+              <a:xfrm>
+                <a:off x="3987722" y="799468"/>
+                <a:ext cx="1994457" cy="369332"/>
+              </a:xfrm>
+              <a:prstGeom prst="rect">
+                <a:avLst/>
+              </a:prstGeom>
+              <a:solidFill>
+                <a:schemeClr val="bg2">
+                  <a:lumMod val="75000"/>
+                </a:schemeClr>
+              </a:solidFill>
+            </p:spPr>
+            <p:txBody>
+              <a:bodyPr wrap="none" rtlCol="0">
+                <a:spAutoFit/>
+              </a:bodyPr>
+              <a:lstStyle/>
+              <a:p>
+                <a:r>
+                  <a:rPr lang="en-US" altLang="ko-KR" b="1" dirty="0">
+                    <a:solidFill>
+                      <a:schemeClr val="bg1"/>
+                    </a:solidFill>
+                  </a:rPr>
+                  <a:t>ONE REP MAX (PB)</a:t>
+                </a:r>
+                <a:endParaRPr lang="ko-KR" altLang="en-US" b="1" dirty="0">
+                  <a:solidFill>
+                    <a:schemeClr val="bg1"/>
+                  </a:solidFill>
+                </a:endParaRPr>
+              </a:p>
+            </p:txBody>
+          </p:sp>
+          <p:sp>
+            <p:nvSpPr>
+              <p:cNvPr id="12" name="TextBox 11">
+                <a:extLst>
+                  <a:ext uri="{FF2B5EF4-FFF2-40B4-BE49-F238E27FC236}">
+                    <a16:creationId xmlns:a16="http://schemas.microsoft.com/office/drawing/2014/main" id="{CA60B538-39FB-3384-AD54-73F7E243484E}"/>
+                  </a:ext>
+                </a:extLst>
+              </p:cNvPr>
+              <p:cNvSpPr txBox="1"/>
+              <p:nvPr/>
+            </p:nvSpPr>
+            <p:spPr>
+              <a:xfrm>
+                <a:off x="4382656" y="1197848"/>
+                <a:ext cx="1108487" cy="461665"/>
+              </a:xfrm>
+              <a:prstGeom prst="rect">
+                <a:avLst/>
+              </a:prstGeom>
+              <a:solidFill>
+                <a:schemeClr val="bg2">
+                  <a:lumMod val="75000"/>
+                </a:schemeClr>
+              </a:solidFill>
+            </p:spPr>
+            <p:txBody>
+              <a:bodyPr wrap="square" rtlCol="0">
+                <a:spAutoFit/>
+              </a:bodyPr>
+              <a:lstStyle/>
+              <a:p>
+                <a:pPr algn="ctr"/>
+                <a:r>
+                  <a:rPr lang="en-US" altLang="ko-KR" sz="2400" b="1" dirty="0">
+                    <a:solidFill>
+                      <a:schemeClr val="accent1">
+                        <a:lumMod val="50000"/>
+                      </a:schemeClr>
+                    </a:solidFill>
+                  </a:rPr>
+                  <a:t>15 kg</a:t>
+                </a:r>
+                <a:endParaRPr lang="ko-KR" altLang="en-US" sz="2400" b="1" dirty="0">
+                  <a:solidFill>
+                    <a:schemeClr val="accent1">
+                      <a:lumMod val="50000"/>
+                    </a:schemeClr>
+                  </a:solidFill>
+                </a:endParaRPr>
+              </a:p>
+            </p:txBody>
+          </p:sp>
+        </p:grpSp>
+        <p:sp>
+          <p:nvSpPr>
+            <p:cNvPr id="7" name="TextBox 6">
+              <a:extLst>
+                <a:ext uri="{FF2B5EF4-FFF2-40B4-BE49-F238E27FC236}">
+                  <a16:creationId xmlns:a16="http://schemas.microsoft.com/office/drawing/2014/main" id="{4D2C53F2-7394-F24B-9CA3-427BE4778258}"/>
+                </a:ext>
+              </a:extLst>
+            </p:cNvPr>
+            <p:cNvSpPr txBox="1"/>
+            <p:nvPr/>
+          </p:nvSpPr>
+          <p:spPr>
+            <a:xfrm>
+              <a:off x="3693367" y="1673106"/>
+              <a:ext cx="2457852" cy="369332"/>
+            </a:xfrm>
+            <a:prstGeom prst="rect">
+              <a:avLst/>
+            </a:prstGeom>
+            <a:solidFill>
+              <a:schemeClr val="bg2">
+                <a:lumMod val="75000"/>
+              </a:schemeClr>
+            </a:solidFill>
+          </p:spPr>
+          <p:txBody>
+            <a:bodyPr wrap="none" rtlCol="0">
+              <a:spAutoFit/>
+            </a:bodyPr>
+            <a:lstStyle/>
+            <a:p>
+              <a:r>
+                <a:rPr lang="en-US" altLang="ko-KR" b="1" dirty="0">
+                  <a:solidFill>
+                    <a:schemeClr val="bg1"/>
+                  </a:solidFill>
+                </a:rPr>
+                <a:t>28-02-2024 (4 days ago)</a:t>
+              </a:r>
+              <a:endParaRPr lang="ko-KR" altLang="en-US" b="1" dirty="0">
+                <a:solidFill>
+                  <a:schemeClr val="bg1"/>
+                </a:solidFill>
+              </a:endParaRPr>
+            </a:p>
+          </p:txBody>
+        </p:sp>
+      </p:grpSp>
+    </p:spTree>
+    <p:extLst>
+      <p:ext uri="{BB962C8B-B14F-4D97-AF65-F5344CB8AC3E}">
+        <p14:creationId xmlns:p14="http://schemas.microsoft.com/office/powerpoint/2010/main" val="1133090022"/>
+      </p:ext>
+    </p:extLst>
+  </p:cSld>
+  <p:clrMapOvr>
+    <a:masterClrMapping/>
+  </p:clrMapOvr>
+  <p:extLst>
+    <p:ext uri="{6950BFC3-D8DA-4A85-94F7-54DA5524770B}">
+      <p188:commentRel xmlns:p188="http://schemas.microsoft.com/office/powerpoint/2018/8/main" r:id="rId2"/>
+    </p:ext>
+  </p:extLst>
+</p:sld>
+</file>
+
+<file path=ppt/slides/slide8.xml><?xml version="1.0" encoding="utf-8"?>
+<p:sld xmlns:a="http://schemas.openxmlformats.org/drawingml/2006/main" xmlns:r="http://schemas.openxmlformats.org/officeDocument/2006/relationships" xmlns:p="http://schemas.openxmlformats.org/presentationml/2006/main">
+  <p:cSld>
+    <p:spTree>
+      <p:nvGrpSpPr>
+        <p:cNvPr id="1" name="">
+          <a:extLst>
+            <a:ext uri="{FF2B5EF4-FFF2-40B4-BE49-F238E27FC236}">
+              <a16:creationId xmlns:a16="http://schemas.microsoft.com/office/drawing/2014/main" id="{D5EC7E81-E104-652D-29C6-DF1A77E0447F}"/>
+            </a:ext>
+          </a:extLst>
+        </p:cNvPr>
+        <p:cNvGrpSpPr/>
+        <p:nvPr/>
+      </p:nvGrpSpPr>
+      <p:grpSpPr>
+        <a:xfrm>
+          <a:off x="0" y="0"/>
+          <a:ext cx="0" cy="0"/>
+          <a:chOff x="0" y="0"/>
+          <a:chExt cx="0" cy="0"/>
+        </a:xfrm>
+      </p:grpSpPr>
+      <p:sp>
+        <p:nvSpPr>
+          <p:cNvPr id="2" name="Rectangle 1">
+            <a:extLst>
+              <a:ext uri="{FF2B5EF4-FFF2-40B4-BE49-F238E27FC236}">
+                <a16:creationId xmlns:a16="http://schemas.microsoft.com/office/drawing/2014/main" id="{9915089D-D3DB-206F-8D93-E4920102F079}"/>
+              </a:ext>
+            </a:extLst>
+          </p:cNvPr>
+          <p:cNvSpPr/>
+          <p:nvPr/>
+        </p:nvSpPr>
+        <p:spPr>
+          <a:xfrm>
+            <a:off x="0" y="0"/>
+            <a:ext cx="6732588" cy="586854"/>
+          </a:xfrm>
+          <a:prstGeom prst="rect">
+            <a:avLst/>
+          </a:prstGeom>
+          <a:solidFill>
+            <a:srgbClr val="355D7E"/>
+          </a:solidFill>
+          <a:ln>
+            <a:noFill/>
+          </a:ln>
+        </p:spPr>
+        <p:style>
+          <a:lnRef idx="2">
+            <a:schemeClr val="accent1">
+              <a:shade val="15000"/>
+            </a:schemeClr>
+          </a:lnRef>
+          <a:fillRef idx="1">
+            <a:schemeClr val="accent1"/>
+          </a:fillRef>
+          <a:effectRef idx="0">
+            <a:schemeClr val="accent1"/>
+          </a:effectRef>
+          <a:fontRef idx="minor">
+            <a:schemeClr val="lt1"/>
+          </a:fontRef>
+        </p:style>
+        <p:txBody>
+          <a:bodyPr rtlCol="0" anchor="ctr"/>
+          <a:lstStyle/>
+          <a:p>
+            <a:pPr algn="ctr"/>
+            <a:endParaRPr lang="ko-KR" altLang="en-US" dirty="0"/>
+          </a:p>
+        </p:txBody>
+      </p:sp>
+      <p:sp>
+        <p:nvSpPr>
+          <p:cNvPr id="3" name="TextBox 2">
+            <a:extLst>
+              <a:ext uri="{FF2B5EF4-FFF2-40B4-BE49-F238E27FC236}">
+                <a16:creationId xmlns:a16="http://schemas.microsoft.com/office/drawing/2014/main" id="{6991D05C-E5F3-DDF3-52B3-A7DE1DA1C92B}"/>
+              </a:ext>
+            </a:extLst>
+          </p:cNvPr>
+          <p:cNvSpPr txBox="1"/>
+          <p:nvPr/>
+        </p:nvSpPr>
+        <p:spPr>
+          <a:xfrm>
+            <a:off x="273021" y="108654"/>
+            <a:ext cx="1040670" cy="369332"/>
+          </a:xfrm>
+          <a:prstGeom prst="rect">
+            <a:avLst/>
+          </a:prstGeom>
+          <a:noFill/>
+        </p:spPr>
+        <p:txBody>
+          <a:bodyPr wrap="none" rtlCol="0">
+            <a:spAutoFit/>
+          </a:bodyPr>
+          <a:lstStyle/>
+          <a:p>
+            <a:r>
+              <a:rPr lang="en-US" altLang="ko-KR" dirty="0">
+                <a:solidFill>
+                  <a:schemeClr val="bg1"/>
+                </a:solidFill>
+              </a:rPr>
+              <a:t>&lt;   Bench</a:t>
+            </a:r>
+          </a:p>
+        </p:txBody>
+      </p:sp>
+      <p:sp>
+        <p:nvSpPr>
+          <p:cNvPr id="8" name="TextBox 7">
+            <a:extLst>
+              <a:ext uri="{FF2B5EF4-FFF2-40B4-BE49-F238E27FC236}">
+                <a16:creationId xmlns:a16="http://schemas.microsoft.com/office/drawing/2014/main" id="{C9ADC40B-9C2C-FA1F-545C-8F8679BB28C1}"/>
+              </a:ext>
+            </a:extLst>
+          </p:cNvPr>
+          <p:cNvSpPr txBox="1"/>
+          <p:nvPr/>
+        </p:nvSpPr>
+        <p:spPr>
+          <a:xfrm>
+            <a:off x="2725791" y="9050987"/>
+            <a:ext cx="413896" cy="369332"/>
+          </a:xfrm>
+          <a:prstGeom prst="rect">
+            <a:avLst/>
+          </a:prstGeom>
+          <a:noFill/>
+        </p:spPr>
+        <p:txBody>
+          <a:bodyPr wrap="none" rtlCol="0">
+            <a:spAutoFit/>
+          </a:bodyPr>
+          <a:lstStyle/>
+          <a:p>
+            <a:r>
+              <a:rPr lang="en-US" altLang="ko-KR" dirty="0">
+                <a:solidFill>
+                  <a:schemeClr val="accent1">
+                    <a:lumMod val="50000"/>
+                  </a:schemeClr>
+                </a:solidFill>
+              </a:rPr>
+              <a:t>Kg</a:t>
+            </a:r>
+          </a:p>
+        </p:txBody>
+      </p:sp>
+      <p:sp>
+        <p:nvSpPr>
+          <p:cNvPr id="22" name="TextBox 21">
+            <a:extLst>
+              <a:ext uri="{FF2B5EF4-FFF2-40B4-BE49-F238E27FC236}">
+                <a16:creationId xmlns:a16="http://schemas.microsoft.com/office/drawing/2014/main" id="{0F7BF9CF-4BD8-AB7E-1550-5B17319D15F1}"/>
+              </a:ext>
+            </a:extLst>
+          </p:cNvPr>
+          <p:cNvSpPr txBox="1"/>
+          <p:nvPr/>
+        </p:nvSpPr>
+        <p:spPr>
+          <a:xfrm>
+            <a:off x="2734774" y="9452158"/>
+            <a:ext cx="631520" cy="369332"/>
+          </a:xfrm>
+          <a:prstGeom prst="rect">
+            <a:avLst/>
+          </a:prstGeom>
+          <a:noFill/>
+        </p:spPr>
+        <p:txBody>
+          <a:bodyPr wrap="none" rtlCol="0">
+            <a:spAutoFit/>
+          </a:bodyPr>
+          <a:lstStyle/>
+          <a:p>
+            <a:r>
+              <a:rPr lang="en-US" altLang="ko-KR" dirty="0">
+                <a:solidFill>
+                  <a:schemeClr val="accent1">
+                    <a:lumMod val="50000"/>
+                  </a:schemeClr>
+                </a:solidFill>
+              </a:rPr>
+              <a:t>Reps</a:t>
+            </a:r>
+          </a:p>
+        </p:txBody>
+      </p:sp>
+      <p:sp>
+        <p:nvSpPr>
+          <p:cNvPr id="9" name="Rectangle: Rounded Corners 8">
+            <a:extLst>
+              <a:ext uri="{FF2B5EF4-FFF2-40B4-BE49-F238E27FC236}">
+                <a16:creationId xmlns:a16="http://schemas.microsoft.com/office/drawing/2014/main" id="{5DB78818-92AA-518E-31DC-03328E340CF8}"/>
+              </a:ext>
+            </a:extLst>
+          </p:cNvPr>
+          <p:cNvSpPr/>
+          <p:nvPr/>
+        </p:nvSpPr>
+        <p:spPr>
+          <a:xfrm>
+            <a:off x="3592903" y="9420319"/>
+            <a:ext cx="2784098" cy="401171"/>
+          </a:xfrm>
+          <a:prstGeom prst="roundRect">
+            <a:avLst/>
+          </a:prstGeom>
+          <a:solidFill>
+            <a:schemeClr val="bg2">
+              <a:lumMod val="75000"/>
+            </a:schemeClr>
+          </a:solidFill>
+          <a:ln>
+            <a:noFill/>
+          </a:ln>
+          <a:effectLst>
+            <a:outerShdw blurRad="63500" sx="102000" sy="102000" algn="ctr" rotWithShape="0">
+              <a:prstClr val="black">
+                <a:alpha val="40000"/>
+              </a:prstClr>
+            </a:outerShdw>
+          </a:effectLst>
+        </p:spPr>
+        <p:style>
+          <a:lnRef idx="2">
+            <a:schemeClr val="accent1">
+              <a:shade val="15000"/>
+            </a:schemeClr>
+          </a:lnRef>
+          <a:fillRef idx="1">
+            <a:schemeClr val="accent1"/>
+          </a:fillRef>
+          <a:effectRef idx="0">
+            <a:schemeClr val="accent1"/>
+          </a:effectRef>
+          <a:fontRef idx="minor">
+            <a:schemeClr val="lt1"/>
+          </a:fontRef>
+        </p:style>
+        <p:txBody>
+          <a:bodyPr rtlCol="0" anchor="ctr"/>
+          <a:lstStyle/>
+          <a:p>
+            <a:pPr algn="ctr"/>
+            <a:r>
+              <a:rPr lang="en-US" altLang="ko-KR" b="1" dirty="0">
+                <a:solidFill>
+                  <a:schemeClr val="bg1"/>
+                </a:solidFill>
+              </a:rPr>
+              <a:t>LOG</a:t>
+            </a:r>
+            <a:endParaRPr lang="ko-KR" altLang="en-US" b="1" dirty="0">
+              <a:solidFill>
+                <a:schemeClr val="bg1"/>
+              </a:solidFill>
+            </a:endParaRPr>
+          </a:p>
+        </p:txBody>
+      </p:sp>
+      <p:graphicFrame>
+        <p:nvGraphicFramePr>
+          <p:cNvPr id="31" name="Table 30">
+            <a:extLst>
+              <a:ext uri="{FF2B5EF4-FFF2-40B4-BE49-F238E27FC236}">
+                <a16:creationId xmlns:a16="http://schemas.microsoft.com/office/drawing/2014/main" id="{053F8606-8761-7CC3-A13C-EE7FEBEC131D}"/>
+              </a:ext>
+            </a:extLst>
+          </p:cNvPr>
+          <p:cNvGraphicFramePr>
+            <a:graphicFrameLocks noGrp="1"/>
+          </p:cNvGraphicFramePr>
+          <p:nvPr>
+            <p:extLst>
+              <p:ext uri="{D42A27DB-BD31-4B8C-83A1-F6EECF244321}">
+                <p14:modId xmlns:p14="http://schemas.microsoft.com/office/powerpoint/2010/main" val="3554639832"/>
+              </p:ext>
+            </p:extLst>
+          </p:nvPr>
+        </p:nvGraphicFramePr>
+        <p:xfrm>
+          <a:off x="365679" y="2375059"/>
+          <a:ext cx="2823362" cy="1473594"/>
+        </p:xfrm>
+        <a:graphic>
+          <a:graphicData uri="http://schemas.openxmlformats.org/drawingml/2006/table">
+            <a:tbl>
+              <a:tblPr firstRow="1" bandRow="1">
+                <a:tableStyleId>{073A0DAA-6AF3-43AB-8588-CEC1D06C72B9}</a:tableStyleId>
+              </a:tblPr>
+              <a:tblGrid>
+                <a:gridCol w="856386">
+                  <a:extLst>
+                    <a:ext uri="{9D8B030D-6E8A-4147-A177-3AD203B41FA5}">
+                      <a16:colId xmlns:a16="http://schemas.microsoft.com/office/drawing/2014/main" val="803270416"/>
+                    </a:ext>
+                  </a:extLst>
+                </a:gridCol>
+                <a:gridCol w="1966976">
+                  <a:extLst>
+                    <a:ext uri="{9D8B030D-6E8A-4147-A177-3AD203B41FA5}">
+                      <a16:colId xmlns:a16="http://schemas.microsoft.com/office/drawing/2014/main" val="4281679180"/>
+                    </a:ext>
+                  </a:extLst>
+                </a:gridCol>
+              </a:tblGrid>
+              <a:tr h="249045">
+                <a:tc gridSpan="2">
+                  <a:txBody>
+                    <a:bodyPr/>
+                    <a:lstStyle/>
+                    <a:p>
+                      <a:pPr algn="l" latinLnBrk="1"/>
+                      <a:r>
+                        <a:rPr lang="en-US" altLang="ko-KR" sz="1800" dirty="0">
+                          <a:solidFill>
+                            <a:schemeClr val="bg1"/>
+                          </a:solidFill>
+                        </a:rPr>
+                        <a:t>TODAY</a:t>
+                      </a:r>
+                      <a:endParaRPr lang="ko-KR" altLang="en-US" sz="1800" dirty="0">
+                        <a:solidFill>
+                          <a:schemeClr val="bg1"/>
+                        </a:solidFill>
+                      </a:endParaRPr>
+                    </a:p>
+                  </a:txBody>
+                  <a:tcPr>
+                    <a:solidFill>
+                      <a:schemeClr val="accent1">
+                        <a:lumMod val="50000"/>
+                      </a:schemeClr>
+                    </a:solidFill>
+                  </a:tcPr>
+                </a:tc>
+                <a:tc hMerge="1">
+                  <a:txBody>
+                    <a:bodyPr/>
+                    <a:lstStyle/>
+                    <a:p>
+                      <a:pPr algn="ctr" latinLnBrk="1"/>
+                      <a:endParaRPr lang="ko-KR" altLang="en-US" dirty="0"/>
+                    </a:p>
+                  </a:txBody>
+                  <a:tcPr/>
+                </a:tc>
+                <a:extLst>
+                  <a:ext uri="{0D108BD9-81ED-4DB2-BD59-A6C34878D82A}">
+                    <a16:rowId xmlns:a16="http://schemas.microsoft.com/office/drawing/2014/main" val="3697371601"/>
+                  </a:ext>
+                </a:extLst>
+              </a:tr>
+              <a:tr h="369278">
+                <a:tc>
+                  <a:txBody>
+                    <a:bodyPr/>
+                    <a:lstStyle/>
+                    <a:p>
+                      <a:pPr algn="ctr" latinLnBrk="1"/>
+                      <a:r>
+                        <a:rPr lang="en-US" altLang="ko-KR" sz="1800" dirty="0">
+                          <a:solidFill>
+                            <a:schemeClr val="bg1"/>
+                          </a:solidFill>
+                        </a:rPr>
+                        <a:t>Set 1</a:t>
+                      </a:r>
+                      <a:endParaRPr lang="ko-KR" altLang="en-US" sz="1800" dirty="0">
+                        <a:solidFill>
+                          <a:schemeClr val="bg1"/>
+                        </a:solidFill>
+                      </a:endParaRPr>
+                    </a:p>
+                  </a:txBody>
+                  <a:tcPr>
+                    <a:solidFill>
+                      <a:schemeClr val="accent1">
+                        <a:lumMod val="50000"/>
+                      </a:schemeClr>
+                    </a:solidFill>
+                  </a:tcPr>
+                </a:tc>
+                <a:tc>
+                  <a:txBody>
+                    <a:bodyPr/>
+                    <a:lstStyle/>
+                    <a:p>
+                      <a:pPr algn="ctr" latinLnBrk="1"/>
+                      <a:r>
+                        <a:rPr lang="en-US" altLang="ko-KR" sz="1800" dirty="0">
+                          <a:solidFill>
+                            <a:schemeClr val="bg1"/>
+                          </a:solidFill>
+                        </a:rPr>
+                        <a:t>10.0 kg * 5</a:t>
+                      </a:r>
+                      <a:endParaRPr lang="ko-KR" altLang="en-US" sz="1800" dirty="0">
+                        <a:solidFill>
+                          <a:schemeClr val="bg1"/>
+                        </a:solidFill>
+                      </a:endParaRPr>
+                    </a:p>
+                  </a:txBody>
+                  <a:tcPr>
+                    <a:solidFill>
+                      <a:schemeClr val="accent1">
+                        <a:lumMod val="50000"/>
+                      </a:schemeClr>
+                    </a:solidFill>
+                  </a:tcPr>
+                </a:tc>
+                <a:extLst>
+                  <a:ext uri="{0D108BD9-81ED-4DB2-BD59-A6C34878D82A}">
+                    <a16:rowId xmlns:a16="http://schemas.microsoft.com/office/drawing/2014/main" val="2063462280"/>
+                  </a:ext>
+                </a:extLst>
+              </a:tr>
+              <a:tr h="369278">
+                <a:tc>
+                  <a:txBody>
+                    <a:bodyPr/>
+                    <a:lstStyle/>
+                    <a:p>
+                      <a:pPr algn="ctr" latinLnBrk="1"/>
+                      <a:r>
+                        <a:rPr lang="en-US" altLang="ko-KR" sz="1800" dirty="0">
+                          <a:solidFill>
+                            <a:schemeClr val="bg1"/>
+                          </a:solidFill>
+                        </a:rPr>
+                        <a:t>Set 2</a:t>
+                      </a:r>
+                    </a:p>
+                  </a:txBody>
+                  <a:tcPr>
+                    <a:solidFill>
+                      <a:schemeClr val="accent1">
+                        <a:lumMod val="50000"/>
+                      </a:schemeClr>
+                    </a:solidFill>
+                  </a:tcPr>
+                </a:tc>
+                <a:tc>
+                  <a:txBody>
+                    <a:bodyPr/>
+                    <a:lstStyle/>
+                    <a:p>
+                      <a:pPr algn="ctr" latinLnBrk="1"/>
+                      <a:r>
+                        <a:rPr lang="en-US" altLang="ko-KR" sz="1800" dirty="0">
+                          <a:solidFill>
+                            <a:schemeClr val="bg1"/>
+                          </a:solidFill>
+                        </a:rPr>
+                        <a:t>10.0 kg * 5</a:t>
+                      </a:r>
+                      <a:endParaRPr lang="ko-KR" altLang="en-US" sz="1800" dirty="0">
+                        <a:solidFill>
+                          <a:schemeClr val="bg1"/>
+                        </a:solidFill>
+                      </a:endParaRPr>
+                    </a:p>
+                  </a:txBody>
+                  <a:tcPr>
+                    <a:solidFill>
+                      <a:schemeClr val="accent1">
+                        <a:lumMod val="50000"/>
+                      </a:schemeClr>
+                    </a:solidFill>
+                  </a:tcPr>
+                </a:tc>
+                <a:extLst>
+                  <a:ext uri="{0D108BD9-81ED-4DB2-BD59-A6C34878D82A}">
+                    <a16:rowId xmlns:a16="http://schemas.microsoft.com/office/drawing/2014/main" val="76948687"/>
+                  </a:ext>
+                </a:extLst>
+              </a:tr>
+              <a:tr h="369278">
+                <a:tc>
+                  <a:txBody>
+                    <a:bodyPr/>
+                    <a:lstStyle/>
+                    <a:p>
+                      <a:pPr algn="ctr" latinLnBrk="1"/>
+                      <a:r>
+                        <a:rPr lang="en-US" altLang="ko-KR" sz="1800" dirty="0">
+                          <a:solidFill>
+                            <a:schemeClr val="bg1"/>
+                          </a:solidFill>
+                        </a:rPr>
+                        <a:t>Set 3</a:t>
+                      </a:r>
+                      <a:endParaRPr lang="ko-KR" altLang="en-US" sz="1800" dirty="0">
+                        <a:solidFill>
+                          <a:schemeClr val="bg1"/>
+                        </a:solidFill>
+                      </a:endParaRPr>
+                    </a:p>
+                  </a:txBody>
+                  <a:tcPr>
+                    <a:solidFill>
+                      <a:schemeClr val="accent1">
+                        <a:lumMod val="50000"/>
+                      </a:schemeClr>
+                    </a:solidFill>
+                  </a:tcPr>
+                </a:tc>
+                <a:tc>
+                  <a:txBody>
+                    <a:bodyPr/>
+                    <a:lstStyle/>
+                    <a:p>
+                      <a:pPr algn="ctr" latinLnBrk="1"/>
+                      <a:r>
+                        <a:rPr lang="en-US" altLang="ko-KR" sz="1800" dirty="0">
+                          <a:solidFill>
+                            <a:schemeClr val="bg1"/>
+                          </a:solidFill>
+                        </a:rPr>
+                        <a:t>10.0 kg * 5</a:t>
+                      </a:r>
+                      <a:endParaRPr lang="ko-KR" altLang="en-US" sz="1800" dirty="0">
+                        <a:solidFill>
+                          <a:schemeClr val="bg1"/>
+                        </a:solidFill>
+                      </a:endParaRPr>
+                    </a:p>
+                  </a:txBody>
+                  <a:tcPr>
+                    <a:solidFill>
+                      <a:schemeClr val="accent1">
+                        <a:lumMod val="50000"/>
+                      </a:schemeClr>
+                    </a:solidFill>
+                  </a:tcPr>
+                </a:tc>
+                <a:extLst>
+                  <a:ext uri="{0D108BD9-81ED-4DB2-BD59-A6C34878D82A}">
+                    <a16:rowId xmlns:a16="http://schemas.microsoft.com/office/drawing/2014/main" val="1110767849"/>
+                  </a:ext>
+                </a:extLst>
+              </a:tr>
+            </a:tbl>
+          </a:graphicData>
+        </a:graphic>
+      </p:graphicFrame>
+      <p:graphicFrame>
+        <p:nvGraphicFramePr>
+          <p:cNvPr id="32" name="Table 31">
+            <a:extLst>
+              <a:ext uri="{FF2B5EF4-FFF2-40B4-BE49-F238E27FC236}">
+                <a16:creationId xmlns:a16="http://schemas.microsoft.com/office/drawing/2014/main" id="{78C7678B-47B2-85F0-2333-307F5EBDDDE1}"/>
+              </a:ext>
+            </a:extLst>
+          </p:cNvPr>
+          <p:cNvGraphicFramePr>
+            <a:graphicFrameLocks noGrp="1"/>
+          </p:cNvGraphicFramePr>
+          <p:nvPr>
+            <p:extLst>
+              <p:ext uri="{D42A27DB-BD31-4B8C-83A1-F6EECF244321}">
+                <p14:modId xmlns:p14="http://schemas.microsoft.com/office/powerpoint/2010/main" val="4119231638"/>
+              </p:ext>
+            </p:extLst>
+          </p:nvPr>
+        </p:nvGraphicFramePr>
+        <p:xfrm>
+          <a:off x="3630150" y="3969534"/>
+          <a:ext cx="2823362" cy="1473594"/>
+        </p:xfrm>
+        <a:graphic>
+          <a:graphicData uri="http://schemas.openxmlformats.org/drawingml/2006/table">
+            <a:tbl>
+              <a:tblPr firstRow="1" bandRow="1">
+                <a:tableStyleId>{F5AB1C69-6EDB-4FF4-983F-18BD219EF322}</a:tableStyleId>
+              </a:tblPr>
+              <a:tblGrid>
+                <a:gridCol w="815328">
+                  <a:extLst>
+                    <a:ext uri="{9D8B030D-6E8A-4147-A177-3AD203B41FA5}">
+                      <a16:colId xmlns:a16="http://schemas.microsoft.com/office/drawing/2014/main" val="803270416"/>
+                    </a:ext>
+                  </a:extLst>
+                </a:gridCol>
+                <a:gridCol w="2008034">
+                  <a:extLst>
+                    <a:ext uri="{9D8B030D-6E8A-4147-A177-3AD203B41FA5}">
+                      <a16:colId xmlns:a16="http://schemas.microsoft.com/office/drawing/2014/main" val="4281679180"/>
+                    </a:ext>
+                  </a:extLst>
+                </a:gridCol>
+              </a:tblGrid>
+              <a:tr h="225245">
+                <a:tc gridSpan="2">
+                  <a:txBody>
+                    <a:bodyPr/>
+                    <a:lstStyle/>
+                    <a:p>
+                      <a:pPr algn="l" latinLnBrk="1"/>
+                      <a:r>
+                        <a:rPr lang="en-US" altLang="ko-KR" sz="1800" dirty="0">
+                          <a:solidFill>
+                            <a:schemeClr val="bg1"/>
+                          </a:solidFill>
+                        </a:rPr>
+                        <a:t>28-02-2024 (4 days ago)</a:t>
+                      </a:r>
+                      <a:endParaRPr lang="ko-KR" altLang="en-US" sz="1800" dirty="0">
+                        <a:solidFill>
+                          <a:schemeClr val="bg1"/>
+                        </a:solidFill>
+                      </a:endParaRPr>
+                    </a:p>
+                  </a:txBody>
+                  <a:tcPr>
+                    <a:solidFill>
+                      <a:schemeClr val="bg2">
+                        <a:lumMod val="75000"/>
+                      </a:schemeClr>
+                    </a:solidFill>
+                  </a:tcPr>
+                </a:tc>
+                <a:tc hMerge="1">
+                  <a:txBody>
+                    <a:bodyPr/>
+                    <a:lstStyle/>
+                    <a:p>
+                      <a:pPr algn="l" latinLnBrk="1"/>
+                      <a:endParaRPr lang="ko-KR" altLang="en-US" dirty="0"/>
+                    </a:p>
+                  </a:txBody>
+                  <a:tcPr/>
+                </a:tc>
+                <a:extLst>
+                  <a:ext uri="{0D108BD9-81ED-4DB2-BD59-A6C34878D82A}">
+                    <a16:rowId xmlns:a16="http://schemas.microsoft.com/office/drawing/2014/main" val="3697371601"/>
+                  </a:ext>
+                </a:extLst>
+              </a:tr>
+              <a:tr h="369278">
+                <a:tc>
+                  <a:txBody>
+                    <a:bodyPr/>
+                    <a:lstStyle/>
+                    <a:p>
+                      <a:pPr algn="ctr" latinLnBrk="1"/>
+                      <a:r>
+                        <a:rPr lang="en-US" altLang="ko-KR" sz="1800" dirty="0">
+                          <a:solidFill>
+                            <a:schemeClr val="bg1"/>
+                          </a:solidFill>
+                        </a:rPr>
+                        <a:t>Set 1</a:t>
+                      </a:r>
+                      <a:endParaRPr lang="ko-KR" altLang="en-US" sz="1800" dirty="0">
+                        <a:solidFill>
+                          <a:schemeClr val="bg1"/>
+                        </a:solidFill>
+                      </a:endParaRPr>
+                    </a:p>
+                  </a:txBody>
+                  <a:tcPr>
+                    <a:solidFill>
+                      <a:schemeClr val="bg2">
+                        <a:lumMod val="75000"/>
+                      </a:schemeClr>
+                    </a:solidFill>
+                  </a:tcPr>
+                </a:tc>
+                <a:tc>
+                  <a:txBody>
+                    <a:bodyPr/>
+                    <a:lstStyle/>
+                    <a:p>
+                      <a:pPr algn="ctr" latinLnBrk="1"/>
+                      <a:r>
+                        <a:rPr lang="en-US" altLang="ko-KR" sz="1800" dirty="0">
+                          <a:solidFill>
+                            <a:schemeClr val="bg1"/>
+                          </a:solidFill>
+                        </a:rPr>
+                        <a:t>10.0 kg * 5</a:t>
+                      </a:r>
+                      <a:endParaRPr lang="ko-KR" altLang="en-US" sz="1800" dirty="0">
+                        <a:solidFill>
+                          <a:schemeClr val="bg1"/>
+                        </a:solidFill>
+                      </a:endParaRPr>
+                    </a:p>
+                  </a:txBody>
+                  <a:tcPr>
+                    <a:solidFill>
+                      <a:schemeClr val="bg2">
+                        <a:lumMod val="75000"/>
+                      </a:schemeClr>
+                    </a:solidFill>
+                  </a:tcPr>
+                </a:tc>
+                <a:extLst>
+                  <a:ext uri="{0D108BD9-81ED-4DB2-BD59-A6C34878D82A}">
+                    <a16:rowId xmlns:a16="http://schemas.microsoft.com/office/drawing/2014/main" val="2063462280"/>
+                  </a:ext>
+                </a:extLst>
+              </a:tr>
+              <a:tr h="369278">
+                <a:tc>
+                  <a:txBody>
+                    <a:bodyPr/>
+                    <a:lstStyle/>
+                    <a:p>
+                      <a:pPr algn="ctr" latinLnBrk="1"/>
+                      <a:r>
+                        <a:rPr lang="en-US" altLang="ko-KR" sz="1800" dirty="0">
+                          <a:solidFill>
+                            <a:schemeClr val="bg1"/>
+                          </a:solidFill>
+                        </a:rPr>
+                        <a:t>Set 2</a:t>
+                      </a:r>
+                    </a:p>
+                  </a:txBody>
+                  <a:tcPr>
+                    <a:solidFill>
+                      <a:schemeClr val="bg2">
+                        <a:lumMod val="75000"/>
+                      </a:schemeClr>
+                    </a:solidFill>
+                  </a:tcPr>
+                </a:tc>
+                <a:tc>
+                  <a:txBody>
+                    <a:bodyPr/>
+                    <a:lstStyle/>
+                    <a:p>
+                      <a:pPr algn="ctr" latinLnBrk="1"/>
+                      <a:r>
+                        <a:rPr lang="en-US" altLang="ko-KR" sz="1800" dirty="0">
+                          <a:solidFill>
+                            <a:schemeClr val="bg1"/>
+                          </a:solidFill>
+                        </a:rPr>
+                        <a:t>12.0 kg * 5</a:t>
+                      </a:r>
+                      <a:endParaRPr lang="ko-KR" altLang="en-US" sz="1800" dirty="0">
+                        <a:solidFill>
+                          <a:schemeClr val="bg1"/>
+                        </a:solidFill>
+                      </a:endParaRPr>
+                    </a:p>
+                  </a:txBody>
+                  <a:tcPr>
+                    <a:solidFill>
+                      <a:schemeClr val="bg2">
+                        <a:lumMod val="75000"/>
+                      </a:schemeClr>
+                    </a:solidFill>
+                  </a:tcPr>
+                </a:tc>
+                <a:extLst>
+                  <a:ext uri="{0D108BD9-81ED-4DB2-BD59-A6C34878D82A}">
+                    <a16:rowId xmlns:a16="http://schemas.microsoft.com/office/drawing/2014/main" val="76948687"/>
+                  </a:ext>
+                </a:extLst>
+              </a:tr>
+              <a:tr h="369278">
+                <a:tc>
+                  <a:txBody>
+                    <a:bodyPr/>
+                    <a:lstStyle/>
+                    <a:p>
+                      <a:pPr algn="ctr" latinLnBrk="1"/>
+                      <a:r>
+                        <a:rPr lang="en-US" altLang="ko-KR" sz="1800" dirty="0">
+                          <a:solidFill>
+                            <a:schemeClr val="bg1"/>
+                          </a:solidFill>
+                        </a:rPr>
+                        <a:t>Set 3</a:t>
+                      </a:r>
+                      <a:endParaRPr lang="ko-KR" altLang="en-US" sz="1800" dirty="0">
+                        <a:solidFill>
+                          <a:schemeClr val="bg1"/>
+                        </a:solidFill>
+                      </a:endParaRPr>
+                    </a:p>
+                  </a:txBody>
+                  <a:tcPr>
+                    <a:solidFill>
+                      <a:schemeClr val="bg2">
+                        <a:lumMod val="75000"/>
+                      </a:schemeClr>
+                    </a:solidFill>
+                  </a:tcPr>
+                </a:tc>
+                <a:tc>
+                  <a:txBody>
+                    <a:bodyPr/>
+                    <a:lstStyle/>
+                    <a:p>
+                      <a:pPr algn="ctr" latinLnBrk="1"/>
+                      <a:r>
+                        <a:rPr lang="en-US" altLang="ko-KR" sz="1800" dirty="0">
+                          <a:solidFill>
+                            <a:schemeClr val="bg1"/>
+                          </a:solidFill>
+                        </a:rPr>
+                        <a:t>10.0 kg * 5</a:t>
+                      </a:r>
+                      <a:endParaRPr lang="ko-KR" altLang="en-US" sz="1800" dirty="0">
+                        <a:solidFill>
+                          <a:schemeClr val="bg1"/>
+                        </a:solidFill>
+                      </a:endParaRPr>
+                    </a:p>
+                  </a:txBody>
+                  <a:tcPr>
+                    <a:solidFill>
+                      <a:schemeClr val="bg2">
+                        <a:lumMod val="75000"/>
+                      </a:schemeClr>
+                    </a:solidFill>
+                  </a:tcPr>
+                </a:tc>
+                <a:extLst>
+                  <a:ext uri="{0D108BD9-81ED-4DB2-BD59-A6C34878D82A}">
+                    <a16:rowId xmlns:a16="http://schemas.microsoft.com/office/drawing/2014/main" val="1110767849"/>
+                  </a:ext>
+                </a:extLst>
+              </a:tr>
+            </a:tbl>
+          </a:graphicData>
+        </a:graphic>
+      </p:graphicFrame>
+      <p:graphicFrame>
+        <p:nvGraphicFramePr>
+          <p:cNvPr id="59" name="Chart 58">
+            <a:extLst>
+              <a:ext uri="{FF2B5EF4-FFF2-40B4-BE49-F238E27FC236}">
+                <a16:creationId xmlns:a16="http://schemas.microsoft.com/office/drawing/2014/main" id="{7F1BC82C-D673-9AD9-5862-B9BE7C1DD714}"/>
+              </a:ext>
+            </a:extLst>
+          </p:cNvPr>
+          <p:cNvGraphicFramePr/>
+          <p:nvPr>
+            <p:extLst>
+              <p:ext uri="{D42A27DB-BD31-4B8C-83A1-F6EECF244321}">
+                <p14:modId xmlns:p14="http://schemas.microsoft.com/office/powerpoint/2010/main" val="3636181216"/>
+              </p:ext>
+            </p:extLst>
+          </p:nvPr>
+        </p:nvGraphicFramePr>
+        <p:xfrm>
+          <a:off x="355587" y="5778684"/>
+          <a:ext cx="6134520" cy="2866835"/>
+        </p:xfrm>
+        <a:graphic>
+          <a:graphicData uri="http://schemas.openxmlformats.org/drawingml/2006/chart">
+            <c:chart xmlns:c="http://schemas.openxmlformats.org/drawingml/2006/chart" xmlns:r="http://schemas.openxmlformats.org/officeDocument/2006/relationships" r:id="rId3"/>
+          </a:graphicData>
+        </a:graphic>
+      </p:graphicFrame>
+      <p:sp>
+        <p:nvSpPr>
+          <p:cNvPr id="60" name="TextBox 59">
+            <a:extLst>
+              <a:ext uri="{FF2B5EF4-FFF2-40B4-BE49-F238E27FC236}">
+                <a16:creationId xmlns:a16="http://schemas.microsoft.com/office/drawing/2014/main" id="{655D3777-2F21-2114-8C90-7AF363578AEB}"/>
+              </a:ext>
+            </a:extLst>
+          </p:cNvPr>
+          <p:cNvSpPr txBox="1"/>
+          <p:nvPr/>
+        </p:nvSpPr>
+        <p:spPr>
+          <a:xfrm>
+            <a:off x="3573674" y="9014554"/>
+            <a:ext cx="2315377" cy="369332"/>
+          </a:xfrm>
+          <a:prstGeom prst="rect">
+            <a:avLst/>
+          </a:prstGeom>
+          <a:noFill/>
+        </p:spPr>
+        <p:txBody>
+          <a:bodyPr wrap="none" rtlCol="0">
+            <a:spAutoFit/>
+          </a:bodyPr>
+          <a:lstStyle/>
+          <a:p>
+            <a:r>
+              <a:rPr lang="ko-KR" altLang="en-US" dirty="0" err="1">
+                <a:solidFill>
+                  <a:schemeClr val="accent1">
+                    <a:lumMod val="50000"/>
+                  </a:schemeClr>
+                </a:solidFill>
+              </a:rPr>
+              <a:t>ㅁ</a:t>
+            </a:r>
+            <a:r>
+              <a:rPr lang="ko-KR" altLang="en-US" dirty="0">
+                <a:solidFill>
+                  <a:schemeClr val="accent1">
+                    <a:lumMod val="50000"/>
+                  </a:schemeClr>
+                </a:solidFill>
+              </a:rPr>
+              <a:t> </a:t>
+            </a:r>
+            <a:r>
+              <a:rPr lang="en-US" altLang="ko-KR" dirty="0">
+                <a:solidFill>
+                  <a:schemeClr val="accent1">
+                    <a:lumMod val="50000"/>
+                  </a:schemeClr>
+                </a:solidFill>
+              </a:rPr>
+              <a:t>disregard set count </a:t>
+            </a:r>
+            <a:endParaRPr lang="ko-KR" altLang="en-US" dirty="0">
+              <a:solidFill>
+                <a:schemeClr val="accent1">
+                  <a:lumMod val="50000"/>
+                </a:schemeClr>
+              </a:solidFill>
+            </a:endParaRPr>
+          </a:p>
+        </p:txBody>
+      </p:sp>
+      <p:sp>
+        <p:nvSpPr>
+          <p:cNvPr id="33" name="TextBox 32">
+            <a:extLst>
+              <a:ext uri="{FF2B5EF4-FFF2-40B4-BE49-F238E27FC236}">
+                <a16:creationId xmlns:a16="http://schemas.microsoft.com/office/drawing/2014/main" id="{7B85858F-030C-567E-48EE-AFA57E3E558C}"/>
+              </a:ext>
+            </a:extLst>
+          </p:cNvPr>
+          <p:cNvSpPr txBox="1"/>
+          <p:nvPr/>
+        </p:nvSpPr>
+        <p:spPr>
+          <a:xfrm>
+            <a:off x="355587" y="9014554"/>
+            <a:ext cx="1376531" cy="369332"/>
+          </a:xfrm>
+          <a:prstGeom prst="rect">
+            <a:avLst/>
+          </a:prstGeom>
+          <a:noFill/>
+        </p:spPr>
+        <p:txBody>
+          <a:bodyPr wrap="none" rtlCol="0">
+            <a:spAutoFit/>
+          </a:bodyPr>
+          <a:lstStyle/>
+          <a:p>
+            <a:r>
+              <a:rPr lang="en-GB" dirty="0">
+                <a:solidFill>
+                  <a:schemeClr val="bg2">
+                    <a:lumMod val="75000"/>
+                  </a:schemeClr>
+                </a:solidFill>
+              </a:rPr>
+              <a:t>Enter weight</a:t>
+            </a:r>
+          </a:p>
+        </p:txBody>
+      </p:sp>
+      <p:sp>
+        <p:nvSpPr>
+          <p:cNvPr id="37" name="TextBox 36">
+            <a:extLst>
+              <a:ext uri="{FF2B5EF4-FFF2-40B4-BE49-F238E27FC236}">
+                <a16:creationId xmlns:a16="http://schemas.microsoft.com/office/drawing/2014/main" id="{1D30E202-C266-4031-5661-7A1F968EC414}"/>
+              </a:ext>
+            </a:extLst>
+          </p:cNvPr>
+          <p:cNvSpPr txBox="1"/>
+          <p:nvPr/>
+        </p:nvSpPr>
+        <p:spPr>
+          <a:xfrm>
+            <a:off x="355587" y="9452158"/>
+            <a:ext cx="1142492" cy="369332"/>
+          </a:xfrm>
+          <a:prstGeom prst="rect">
+            <a:avLst/>
+          </a:prstGeom>
+          <a:noFill/>
+        </p:spPr>
+        <p:txBody>
+          <a:bodyPr wrap="none" rtlCol="0">
+            <a:spAutoFit/>
+          </a:bodyPr>
+          <a:lstStyle/>
+          <a:p>
+            <a:r>
+              <a:rPr lang="en-GB" dirty="0">
+                <a:solidFill>
+                  <a:schemeClr val="bg2">
+                    <a:lumMod val="75000"/>
+                  </a:schemeClr>
+                </a:solidFill>
+              </a:rPr>
+              <a:t>Enter reps</a:t>
+            </a:r>
+          </a:p>
+        </p:txBody>
+      </p:sp>
+      <p:cxnSp>
+        <p:nvCxnSpPr>
+          <p:cNvPr id="39" name="Straight Connector 38">
+            <a:extLst>
+              <a:ext uri="{FF2B5EF4-FFF2-40B4-BE49-F238E27FC236}">
+                <a16:creationId xmlns:a16="http://schemas.microsoft.com/office/drawing/2014/main" id="{487E53F2-B641-2436-E4B4-454614A0B9B4}"/>
+              </a:ext>
+            </a:extLst>
+          </p:cNvPr>
+          <p:cNvCxnSpPr/>
+          <p:nvPr/>
+        </p:nvCxnSpPr>
+        <p:spPr>
+          <a:xfrm>
+            <a:off x="273021" y="9383886"/>
+            <a:ext cx="2156280" cy="0"/>
+          </a:xfrm>
+          <a:prstGeom prst="line">
+            <a:avLst/>
+          </a:prstGeom>
+          <a:ln>
+            <a:solidFill>
+              <a:schemeClr val="accent1">
+                <a:lumMod val="50000"/>
+              </a:schemeClr>
+            </a:solidFill>
+          </a:ln>
+        </p:spPr>
+        <p:style>
+          <a:lnRef idx="3">
+            <a:schemeClr val="accent1"/>
+          </a:lnRef>
+          <a:fillRef idx="0">
+            <a:schemeClr val="accent1"/>
+          </a:fillRef>
+          <a:effectRef idx="2">
+            <a:schemeClr val="accent1"/>
+          </a:effectRef>
+          <a:fontRef idx="minor">
+            <a:schemeClr val="tx1"/>
+          </a:fontRef>
+        </p:style>
+      </p:cxnSp>
+      <p:cxnSp>
+        <p:nvCxnSpPr>
+          <p:cNvPr id="41" name="Straight Connector 40">
+            <a:extLst>
+              <a:ext uri="{FF2B5EF4-FFF2-40B4-BE49-F238E27FC236}">
+                <a16:creationId xmlns:a16="http://schemas.microsoft.com/office/drawing/2014/main" id="{3E530A2F-6999-C5D5-A6A6-9FBE0F54A897}"/>
+              </a:ext>
+            </a:extLst>
+          </p:cNvPr>
+          <p:cNvCxnSpPr/>
+          <p:nvPr/>
+        </p:nvCxnSpPr>
+        <p:spPr>
+          <a:xfrm>
+            <a:off x="273021" y="9821490"/>
+            <a:ext cx="2156280" cy="0"/>
+          </a:xfrm>
+          <a:prstGeom prst="line">
+            <a:avLst/>
+          </a:prstGeom>
+          <a:ln>
+            <a:solidFill>
+              <a:schemeClr val="accent1">
+                <a:lumMod val="50000"/>
+              </a:schemeClr>
+            </a:solidFill>
+          </a:ln>
+        </p:spPr>
+        <p:style>
+          <a:lnRef idx="3">
+            <a:schemeClr val="accent1"/>
+          </a:lnRef>
+          <a:fillRef idx="0">
+            <a:schemeClr val="accent1"/>
+          </a:fillRef>
+          <a:effectRef idx="2">
+            <a:schemeClr val="accent1"/>
+          </a:effectRef>
+          <a:fontRef idx="minor">
+            <a:schemeClr val="tx1"/>
+          </a:fontRef>
+        </p:style>
+      </p:cxnSp>
+      <p:grpSp>
+        <p:nvGrpSpPr>
+          <p:cNvPr id="7" name="Group 6">
+            <a:extLst>
+              <a:ext uri="{FF2B5EF4-FFF2-40B4-BE49-F238E27FC236}">
+                <a16:creationId xmlns:a16="http://schemas.microsoft.com/office/drawing/2014/main" id="{33ECC55D-7DA8-FBFF-40D4-C2EDC1F38C92}"/>
+              </a:ext>
+            </a:extLst>
+          </p:cNvPr>
+          <p:cNvGrpSpPr/>
+          <p:nvPr/>
+        </p:nvGrpSpPr>
+        <p:grpSpPr>
+          <a:xfrm>
+            <a:off x="273021" y="883154"/>
+            <a:ext cx="2977282" cy="1234805"/>
+            <a:chOff x="3432560" y="712137"/>
+            <a:chExt cx="2977282" cy="1419774"/>
+          </a:xfrm>
+        </p:grpSpPr>
+        <p:grpSp>
+          <p:nvGrpSpPr>
+            <p:cNvPr id="5" name="Group 4">
+              <a:extLst>
+                <a:ext uri="{FF2B5EF4-FFF2-40B4-BE49-F238E27FC236}">
+                  <a16:creationId xmlns:a16="http://schemas.microsoft.com/office/drawing/2014/main" id="{9745456C-47D9-2A8F-20BE-2F407DE168F2}"/>
+                </a:ext>
+              </a:extLst>
+            </p:cNvPr>
+            <p:cNvGrpSpPr/>
+            <p:nvPr/>
+          </p:nvGrpSpPr>
+          <p:grpSpPr>
+            <a:xfrm>
+              <a:off x="3432560" y="712137"/>
+              <a:ext cx="2977282" cy="1419774"/>
+              <a:chOff x="3432560" y="712137"/>
+              <a:chExt cx="2977282" cy="1419774"/>
+            </a:xfrm>
+          </p:grpSpPr>
+          <p:sp>
+            <p:nvSpPr>
+              <p:cNvPr id="51" name="Rectangle: Rounded Corners 50">
+                <a:extLst>
+                  <a:ext uri="{FF2B5EF4-FFF2-40B4-BE49-F238E27FC236}">
+                    <a16:creationId xmlns:a16="http://schemas.microsoft.com/office/drawing/2014/main" id="{6982FC3D-C297-CFD3-9FD0-33E6F4EFFD77}"/>
+                  </a:ext>
+                </a:extLst>
+              </p:cNvPr>
+              <p:cNvSpPr/>
+              <p:nvPr/>
+            </p:nvSpPr>
+            <p:spPr>
+              <a:xfrm>
+                <a:off x="3432560" y="712137"/>
+                <a:ext cx="2977282" cy="1419774"/>
+              </a:xfrm>
+              <a:prstGeom prst="roundRect">
+                <a:avLst/>
+              </a:prstGeom>
+              <a:solidFill>
+                <a:srgbClr val="D0AF72"/>
+              </a:solidFill>
+              <a:ln>
+                <a:noFill/>
+              </a:ln>
+            </p:spPr>
+            <p:style>
+              <a:lnRef idx="2">
+                <a:schemeClr val="accent1">
+                  <a:shade val="15000"/>
+                </a:schemeClr>
+              </a:lnRef>
+              <a:fillRef idx="1">
+                <a:schemeClr val="accent1"/>
+              </a:fillRef>
+              <a:effectRef idx="0">
+                <a:schemeClr val="accent1"/>
+              </a:effectRef>
+              <a:fontRef idx="minor">
+                <a:schemeClr val="lt1"/>
+              </a:fontRef>
+            </p:style>
+            <p:txBody>
+              <a:bodyPr rtlCol="0" anchor="ctr"/>
+              <a:lstStyle/>
+              <a:p>
+                <a:pPr algn="ctr"/>
+                <a:endParaRPr lang="ko-KR" altLang="en-US" b="1" dirty="0"/>
+              </a:p>
+            </p:txBody>
+          </p:sp>
+          <p:sp>
+            <p:nvSpPr>
+              <p:cNvPr id="29" name="TextBox 28">
+                <a:extLst>
+                  <a:ext uri="{FF2B5EF4-FFF2-40B4-BE49-F238E27FC236}">
+                    <a16:creationId xmlns:a16="http://schemas.microsoft.com/office/drawing/2014/main" id="{71B176BE-E605-1D62-CD09-BDDCC1022D63}"/>
+                  </a:ext>
+                </a:extLst>
+              </p:cNvPr>
+              <p:cNvSpPr txBox="1"/>
+              <p:nvPr/>
+            </p:nvSpPr>
+            <p:spPr>
+              <a:xfrm>
+                <a:off x="3987722" y="799468"/>
+                <a:ext cx="1994457" cy="369332"/>
+              </a:xfrm>
+              <a:prstGeom prst="rect">
+                <a:avLst/>
+              </a:prstGeom>
+              <a:solidFill>
+                <a:schemeClr val="bg2">
+                  <a:lumMod val="75000"/>
+                </a:schemeClr>
+              </a:solidFill>
+            </p:spPr>
+            <p:txBody>
+              <a:bodyPr wrap="none" rtlCol="0">
+                <a:spAutoFit/>
+              </a:bodyPr>
+              <a:lstStyle/>
+              <a:p>
+                <a:r>
+                  <a:rPr lang="en-US" altLang="ko-KR" b="1" dirty="0">
+                    <a:solidFill>
+                      <a:schemeClr val="bg1"/>
+                    </a:solidFill>
+                  </a:rPr>
+                  <a:t>ONE REP MAX (PB)</a:t>
+                </a:r>
+                <a:endParaRPr lang="ko-KR" altLang="en-US" b="1" dirty="0">
+                  <a:solidFill>
+                    <a:schemeClr val="bg1"/>
+                  </a:solidFill>
+                </a:endParaRPr>
+              </a:p>
+            </p:txBody>
+          </p:sp>
+          <p:sp>
+            <p:nvSpPr>
+              <p:cNvPr id="30" name="TextBox 29">
+                <a:extLst>
+                  <a:ext uri="{FF2B5EF4-FFF2-40B4-BE49-F238E27FC236}">
+                    <a16:creationId xmlns:a16="http://schemas.microsoft.com/office/drawing/2014/main" id="{01BA789B-1728-B3D6-EB30-C5FB1B3170D7}"/>
+                  </a:ext>
+                </a:extLst>
+              </p:cNvPr>
+              <p:cNvSpPr txBox="1"/>
+              <p:nvPr/>
+            </p:nvSpPr>
+            <p:spPr>
+              <a:xfrm>
+                <a:off x="4382656" y="1197848"/>
+                <a:ext cx="1108487" cy="461665"/>
+              </a:xfrm>
+              <a:prstGeom prst="rect">
+                <a:avLst/>
+              </a:prstGeom>
+              <a:solidFill>
+                <a:schemeClr val="bg2">
+                  <a:lumMod val="75000"/>
+                </a:schemeClr>
+              </a:solidFill>
+            </p:spPr>
+            <p:txBody>
+              <a:bodyPr wrap="square" rtlCol="0">
+                <a:spAutoFit/>
+              </a:bodyPr>
+              <a:lstStyle/>
+              <a:p>
+                <a:pPr algn="ctr"/>
+                <a:r>
+                  <a:rPr lang="en-US" altLang="ko-KR" sz="2400" b="1" dirty="0">
+                    <a:solidFill>
+                      <a:schemeClr val="accent1">
+                        <a:lumMod val="50000"/>
+                      </a:schemeClr>
+                    </a:solidFill>
+                  </a:rPr>
+                  <a:t>15 kg</a:t>
+                </a:r>
+                <a:endParaRPr lang="ko-KR" altLang="en-US" sz="2400" b="1" dirty="0">
+                  <a:solidFill>
+                    <a:schemeClr val="accent1">
+                      <a:lumMod val="50000"/>
+                    </a:schemeClr>
+                  </a:solidFill>
+                </a:endParaRPr>
+              </a:p>
+            </p:txBody>
+          </p:sp>
+        </p:grpSp>
+        <p:sp>
+          <p:nvSpPr>
+            <p:cNvPr id="6" name="TextBox 5">
+              <a:extLst>
+                <a:ext uri="{FF2B5EF4-FFF2-40B4-BE49-F238E27FC236}">
+                  <a16:creationId xmlns:a16="http://schemas.microsoft.com/office/drawing/2014/main" id="{49EE9061-E08D-0168-F68E-DB9AFE57E7D6}"/>
+                </a:ext>
+              </a:extLst>
+            </p:cNvPr>
+            <p:cNvSpPr txBox="1"/>
+            <p:nvPr/>
+          </p:nvSpPr>
+          <p:spPr>
+            <a:xfrm>
+              <a:off x="3693367" y="1673106"/>
+              <a:ext cx="2457852" cy="369332"/>
+            </a:xfrm>
+            <a:prstGeom prst="rect">
+              <a:avLst/>
+            </a:prstGeom>
+            <a:solidFill>
+              <a:schemeClr val="bg2">
+                <a:lumMod val="75000"/>
+              </a:schemeClr>
+            </a:solidFill>
+          </p:spPr>
+          <p:txBody>
+            <a:bodyPr wrap="none" rtlCol="0">
+              <a:spAutoFit/>
+            </a:bodyPr>
+            <a:lstStyle/>
+            <a:p>
+              <a:r>
+                <a:rPr lang="en-US" altLang="ko-KR" b="1" dirty="0">
+                  <a:solidFill>
+                    <a:schemeClr val="bg1"/>
+                  </a:solidFill>
+                </a:rPr>
+                <a:t>28-02-2024 (4 days ago)</a:t>
+              </a:r>
+              <a:endParaRPr lang="ko-KR" altLang="en-US" b="1" dirty="0">
+                <a:solidFill>
+                  <a:schemeClr val="bg1"/>
+                </a:solidFill>
+              </a:endParaRPr>
+            </a:p>
+          </p:txBody>
+        </p:sp>
+      </p:grpSp>
+      <p:graphicFrame>
+        <p:nvGraphicFramePr>
+          <p:cNvPr id="10" name="Table 9">
+            <a:extLst>
+              <a:ext uri="{FF2B5EF4-FFF2-40B4-BE49-F238E27FC236}">
+                <a16:creationId xmlns:a16="http://schemas.microsoft.com/office/drawing/2014/main" id="{E829F7FD-7336-89B0-4367-410E321D498D}"/>
+              </a:ext>
+            </a:extLst>
+          </p:cNvPr>
+          <p:cNvGraphicFramePr>
+            <a:graphicFrameLocks noGrp="1"/>
+          </p:cNvGraphicFramePr>
+          <p:nvPr>
+            <p:extLst>
+              <p:ext uri="{D42A27DB-BD31-4B8C-83A1-F6EECF244321}">
+                <p14:modId xmlns:p14="http://schemas.microsoft.com/office/powerpoint/2010/main" val="11276212"/>
+              </p:ext>
+            </p:extLst>
+          </p:nvPr>
+        </p:nvGraphicFramePr>
+        <p:xfrm>
+          <a:off x="3626049" y="2414260"/>
+          <a:ext cx="2823362" cy="1473594"/>
+        </p:xfrm>
+        <a:graphic>
+          <a:graphicData uri="http://schemas.openxmlformats.org/drawingml/2006/table">
+            <a:tbl>
+              <a:tblPr firstRow="1" bandRow="1">
+                <a:tableStyleId>{F5AB1C69-6EDB-4FF4-983F-18BD219EF322}</a:tableStyleId>
+              </a:tblPr>
+              <a:tblGrid>
+                <a:gridCol w="815328">
+                  <a:extLst>
+                    <a:ext uri="{9D8B030D-6E8A-4147-A177-3AD203B41FA5}">
+                      <a16:colId xmlns:a16="http://schemas.microsoft.com/office/drawing/2014/main" val="803270416"/>
+                    </a:ext>
+                  </a:extLst>
+                </a:gridCol>
+                <a:gridCol w="2008034">
+                  <a:extLst>
+                    <a:ext uri="{9D8B030D-6E8A-4147-A177-3AD203B41FA5}">
+                      <a16:colId xmlns:a16="http://schemas.microsoft.com/office/drawing/2014/main" val="4281679180"/>
+                    </a:ext>
+                  </a:extLst>
+                </a:gridCol>
+              </a:tblGrid>
+              <a:tr h="225245">
+                <a:tc gridSpan="2">
+                  <a:txBody>
+                    <a:bodyPr/>
+                    <a:lstStyle/>
+                    <a:p>
+                      <a:pPr algn="l" latinLnBrk="1"/>
+                      <a:r>
+                        <a:rPr lang="en-US" altLang="ko-KR" sz="1800" dirty="0">
+                          <a:solidFill>
+                            <a:schemeClr val="bg1"/>
+                          </a:solidFill>
+                        </a:rPr>
+                        <a:t>28-02-2024 (4 days ago)</a:t>
+                      </a:r>
+                      <a:endParaRPr lang="ko-KR" altLang="en-US" sz="1800" dirty="0">
+                        <a:solidFill>
+                          <a:schemeClr val="bg1"/>
+                        </a:solidFill>
+                      </a:endParaRPr>
+                    </a:p>
+                  </a:txBody>
+                  <a:tcPr>
+                    <a:solidFill>
+                      <a:schemeClr val="bg2">
+                        <a:lumMod val="75000"/>
+                      </a:schemeClr>
+                    </a:solidFill>
+                  </a:tcPr>
+                </a:tc>
+                <a:tc hMerge="1">
+                  <a:txBody>
+                    <a:bodyPr/>
+                    <a:lstStyle/>
+                    <a:p>
+                      <a:pPr algn="l" latinLnBrk="1"/>
+                      <a:endParaRPr lang="ko-KR" altLang="en-US" dirty="0"/>
+                    </a:p>
+                  </a:txBody>
+                  <a:tcPr/>
+                </a:tc>
+                <a:extLst>
+                  <a:ext uri="{0D108BD9-81ED-4DB2-BD59-A6C34878D82A}">
+                    <a16:rowId xmlns:a16="http://schemas.microsoft.com/office/drawing/2014/main" val="3697371601"/>
+                  </a:ext>
+                </a:extLst>
+              </a:tr>
+              <a:tr h="369278">
+                <a:tc>
+                  <a:txBody>
+                    <a:bodyPr/>
+                    <a:lstStyle/>
+                    <a:p>
+                      <a:pPr algn="ctr" latinLnBrk="1"/>
+                      <a:r>
+                        <a:rPr lang="en-US" altLang="ko-KR" sz="1800" dirty="0">
+                          <a:solidFill>
+                            <a:schemeClr val="bg1"/>
+                          </a:solidFill>
+                        </a:rPr>
+                        <a:t>Set 1</a:t>
+                      </a:r>
+                      <a:endParaRPr lang="ko-KR" altLang="en-US" sz="1800" dirty="0">
+                        <a:solidFill>
+                          <a:schemeClr val="bg1"/>
+                        </a:solidFill>
+                      </a:endParaRPr>
+                    </a:p>
+                  </a:txBody>
+                  <a:tcPr>
+                    <a:solidFill>
+                      <a:schemeClr val="bg2">
+                        <a:lumMod val="75000"/>
+                      </a:schemeClr>
+                    </a:solidFill>
+                  </a:tcPr>
+                </a:tc>
+                <a:tc>
+                  <a:txBody>
+                    <a:bodyPr/>
+                    <a:lstStyle/>
+                    <a:p>
+                      <a:pPr algn="ctr" latinLnBrk="1"/>
+                      <a:r>
+                        <a:rPr lang="en-US" altLang="ko-KR" sz="1800" dirty="0">
+                          <a:solidFill>
+                            <a:schemeClr val="bg1"/>
+                          </a:solidFill>
+                        </a:rPr>
+                        <a:t>10.0 kg * 5</a:t>
+                      </a:r>
+                      <a:endParaRPr lang="ko-KR" altLang="en-US" sz="1800" dirty="0">
+                        <a:solidFill>
+                          <a:schemeClr val="bg1"/>
+                        </a:solidFill>
+                      </a:endParaRPr>
+                    </a:p>
+                  </a:txBody>
+                  <a:tcPr>
+                    <a:solidFill>
+                      <a:schemeClr val="bg2">
+                        <a:lumMod val="75000"/>
+                      </a:schemeClr>
+                    </a:solidFill>
+                  </a:tcPr>
+                </a:tc>
+                <a:extLst>
+                  <a:ext uri="{0D108BD9-81ED-4DB2-BD59-A6C34878D82A}">
+                    <a16:rowId xmlns:a16="http://schemas.microsoft.com/office/drawing/2014/main" val="2063462280"/>
+                  </a:ext>
+                </a:extLst>
+              </a:tr>
+              <a:tr h="369278">
+                <a:tc>
+                  <a:txBody>
+                    <a:bodyPr/>
+                    <a:lstStyle/>
+                    <a:p>
+                      <a:pPr algn="ctr" latinLnBrk="1"/>
+                      <a:r>
+                        <a:rPr lang="en-US" altLang="ko-KR" sz="1800" dirty="0">
+                          <a:solidFill>
+                            <a:schemeClr val="bg1"/>
+                          </a:solidFill>
+                        </a:rPr>
+                        <a:t>Set 2</a:t>
+                      </a:r>
+                    </a:p>
+                  </a:txBody>
+                  <a:tcPr>
+                    <a:solidFill>
+                      <a:schemeClr val="bg2">
+                        <a:lumMod val="75000"/>
+                      </a:schemeClr>
+                    </a:solidFill>
+                  </a:tcPr>
+                </a:tc>
+                <a:tc>
+                  <a:txBody>
+                    <a:bodyPr/>
+                    <a:lstStyle/>
+                    <a:p>
+                      <a:pPr algn="ctr" latinLnBrk="1"/>
+                      <a:r>
+                        <a:rPr lang="en-US" altLang="ko-KR" sz="1800" dirty="0">
+                          <a:solidFill>
+                            <a:schemeClr val="bg1"/>
+                          </a:solidFill>
+                        </a:rPr>
+                        <a:t>12.0 kg * 5</a:t>
+                      </a:r>
+                      <a:endParaRPr lang="ko-KR" altLang="en-US" sz="1800" dirty="0">
+                        <a:solidFill>
+                          <a:schemeClr val="bg1"/>
+                        </a:solidFill>
+                      </a:endParaRPr>
+                    </a:p>
+                  </a:txBody>
+                  <a:tcPr>
+                    <a:solidFill>
+                      <a:schemeClr val="bg2">
+                        <a:lumMod val="75000"/>
+                      </a:schemeClr>
+                    </a:solidFill>
+                  </a:tcPr>
+                </a:tc>
+                <a:extLst>
+                  <a:ext uri="{0D108BD9-81ED-4DB2-BD59-A6C34878D82A}">
+                    <a16:rowId xmlns:a16="http://schemas.microsoft.com/office/drawing/2014/main" val="76948687"/>
+                  </a:ext>
+                </a:extLst>
+              </a:tr>
+              <a:tr h="369278">
+                <a:tc>
+                  <a:txBody>
+                    <a:bodyPr/>
+                    <a:lstStyle/>
+                    <a:p>
+                      <a:pPr algn="ctr" latinLnBrk="1"/>
+                      <a:r>
+                        <a:rPr lang="en-US" altLang="ko-KR" sz="1800" dirty="0">
+                          <a:solidFill>
+                            <a:schemeClr val="bg1"/>
+                          </a:solidFill>
+                        </a:rPr>
+                        <a:t>Set 3</a:t>
+                      </a:r>
+                      <a:endParaRPr lang="ko-KR" altLang="en-US" sz="1800" dirty="0">
+                        <a:solidFill>
+                          <a:schemeClr val="bg1"/>
+                        </a:solidFill>
+                      </a:endParaRPr>
+                    </a:p>
+                  </a:txBody>
+                  <a:tcPr>
+                    <a:solidFill>
+                      <a:schemeClr val="bg2">
+                        <a:lumMod val="75000"/>
+                      </a:schemeClr>
+                    </a:solidFill>
+                  </a:tcPr>
+                </a:tc>
+                <a:tc>
+                  <a:txBody>
+                    <a:bodyPr/>
+                    <a:lstStyle/>
+                    <a:p>
+                      <a:pPr algn="ctr" latinLnBrk="1"/>
+                      <a:r>
+                        <a:rPr lang="en-US" altLang="ko-KR" sz="1800" dirty="0">
+                          <a:solidFill>
+                            <a:schemeClr val="bg1"/>
+                          </a:solidFill>
+                        </a:rPr>
+                        <a:t>10.0 kg * 5</a:t>
+                      </a:r>
+                      <a:endParaRPr lang="ko-KR" altLang="en-US" sz="1800" dirty="0">
+                        <a:solidFill>
+                          <a:schemeClr val="bg1"/>
+                        </a:solidFill>
+                      </a:endParaRPr>
+                    </a:p>
+                  </a:txBody>
+                  <a:tcPr>
+                    <a:solidFill>
+                      <a:schemeClr val="bg2">
+                        <a:lumMod val="75000"/>
+                      </a:schemeClr>
+                    </a:solidFill>
+                  </a:tcPr>
+                </a:tc>
+                <a:extLst>
+                  <a:ext uri="{0D108BD9-81ED-4DB2-BD59-A6C34878D82A}">
+                    <a16:rowId xmlns:a16="http://schemas.microsoft.com/office/drawing/2014/main" val="1110767849"/>
+                  </a:ext>
+                </a:extLst>
+              </a:tr>
+            </a:tbl>
+          </a:graphicData>
+        </a:graphic>
+      </p:graphicFrame>
+      <p:grpSp>
+        <p:nvGrpSpPr>
+          <p:cNvPr id="13" name="Group 12">
+            <a:extLst>
+              <a:ext uri="{FF2B5EF4-FFF2-40B4-BE49-F238E27FC236}">
+                <a16:creationId xmlns:a16="http://schemas.microsoft.com/office/drawing/2014/main" id="{B7BA1A57-19DF-4C72-C67B-7395E3F90548}"/>
+              </a:ext>
+            </a:extLst>
+          </p:cNvPr>
+          <p:cNvGrpSpPr/>
+          <p:nvPr/>
+        </p:nvGrpSpPr>
+        <p:grpSpPr>
+          <a:xfrm>
+            <a:off x="-4119968" y="1640905"/>
+            <a:ext cx="2977282" cy="954107"/>
+            <a:chOff x="-3191381" y="2149409"/>
+            <a:chExt cx="1932580" cy="954107"/>
+          </a:xfrm>
+          <a:solidFill>
+            <a:schemeClr val="accent1">
+              <a:lumMod val="50000"/>
+            </a:schemeClr>
+          </a:solidFill>
+        </p:grpSpPr>
+        <p:sp>
+          <p:nvSpPr>
+            <p:cNvPr id="20" name="TextBox 19">
+              <a:extLst>
+                <a:ext uri="{FF2B5EF4-FFF2-40B4-BE49-F238E27FC236}">
+                  <a16:creationId xmlns:a16="http://schemas.microsoft.com/office/drawing/2014/main" id="{87107214-A615-FDF9-EC59-915DD1B1F025}"/>
+                </a:ext>
+              </a:extLst>
+            </p:cNvPr>
+            <p:cNvSpPr txBox="1"/>
+            <p:nvPr/>
+          </p:nvSpPr>
+          <p:spPr>
+            <a:xfrm>
+              <a:off x="-3191381" y="2518741"/>
+              <a:ext cx="1932579" cy="584775"/>
+            </a:xfrm>
+            <a:prstGeom prst="rect">
+              <a:avLst/>
+            </a:prstGeom>
+            <a:grpFill/>
+            <a:ln>
+              <a:noFill/>
+            </a:ln>
+          </p:spPr>
+          <p:txBody>
+            <a:bodyPr wrap="square" rtlCol="0">
+              <a:spAutoFit/>
+            </a:bodyPr>
+            <a:lstStyle/>
+            <a:p>
+              <a:r>
+                <a:rPr lang="en-US" altLang="ko-KR" sz="1600" dirty="0">
+                  <a:solidFill>
+                    <a:schemeClr val="bg1"/>
+                  </a:solidFill>
+                  <a:latin typeface="Cascadia Mono" panose="020B0609020000020004" pitchFamily="49" charset="0"/>
+                  <a:cs typeface="Cascadia Mono" panose="020B0609020000020004" pitchFamily="49" charset="0"/>
+                </a:rPr>
+                <a:t>Main : chest</a:t>
+              </a:r>
+            </a:p>
+            <a:p>
+              <a:r>
+                <a:rPr lang="en-US" altLang="ko-KR" sz="1600" dirty="0">
+                  <a:solidFill>
+                    <a:schemeClr val="bg1"/>
+                  </a:solidFill>
+                  <a:latin typeface="Cascadia Mono" panose="020B0609020000020004" pitchFamily="49" charset="0"/>
+                  <a:cs typeface="Cascadia Mono" panose="020B0609020000020004" pitchFamily="49" charset="0"/>
+                </a:rPr>
+                <a:t>Sub  : forearm</a:t>
+              </a:r>
+              <a:endParaRPr lang="ko-KR" altLang="en-US" sz="1600" dirty="0">
+                <a:solidFill>
+                  <a:schemeClr val="bg1"/>
+                </a:solidFill>
+                <a:latin typeface="Cascadia Mono" panose="020B0609020000020004" pitchFamily="49" charset="0"/>
+                <a:cs typeface="Cascadia Mono" panose="020B0609020000020004" pitchFamily="49" charset="0"/>
+              </a:endParaRPr>
+            </a:p>
+          </p:txBody>
+        </p:sp>
+        <p:sp>
+          <p:nvSpPr>
+            <p:cNvPr id="21" name="TextBox 20">
+              <a:extLst>
+                <a:ext uri="{FF2B5EF4-FFF2-40B4-BE49-F238E27FC236}">
+                  <a16:creationId xmlns:a16="http://schemas.microsoft.com/office/drawing/2014/main" id="{E8CFDB05-D97D-E639-6390-9C2A558DF8CC}"/>
+                </a:ext>
+              </a:extLst>
+            </p:cNvPr>
+            <p:cNvSpPr txBox="1"/>
+            <p:nvPr/>
+          </p:nvSpPr>
+          <p:spPr>
+            <a:xfrm>
+              <a:off x="-3191381" y="2149409"/>
+              <a:ext cx="1932580" cy="369332"/>
+            </a:xfrm>
+            <a:prstGeom prst="rect">
+              <a:avLst/>
+            </a:prstGeom>
+            <a:grpFill/>
+            <a:ln>
+              <a:noFill/>
+            </a:ln>
+          </p:spPr>
+          <p:txBody>
+            <a:bodyPr wrap="none" rtlCol="0">
+              <a:spAutoFit/>
+            </a:bodyPr>
+            <a:lstStyle/>
+            <a:p>
+              <a:r>
+                <a:rPr lang="en-US" altLang="ko-KR" b="1" dirty="0">
+                  <a:solidFill>
+                    <a:schemeClr val="bg2">
+                      <a:lumMod val="75000"/>
+                    </a:schemeClr>
+                  </a:solidFill>
+                </a:rPr>
+                <a:t># push   # Monday</a:t>
+              </a:r>
+              <a:endParaRPr lang="ko-KR" altLang="en-US" b="1" dirty="0">
+                <a:solidFill>
+                  <a:schemeClr val="bg2">
+                    <a:lumMod val="75000"/>
+                  </a:schemeClr>
+                </a:solidFill>
+              </a:endParaRPr>
+            </a:p>
+          </p:txBody>
+        </p:sp>
+      </p:grpSp>
+      <p:graphicFrame>
+        <p:nvGraphicFramePr>
+          <p:cNvPr id="23" name="Table 22">
+            <a:extLst>
+              <a:ext uri="{FF2B5EF4-FFF2-40B4-BE49-F238E27FC236}">
+                <a16:creationId xmlns:a16="http://schemas.microsoft.com/office/drawing/2014/main" id="{9DE29CBB-2DED-7333-BED5-10B4230B811F}"/>
+              </a:ext>
+            </a:extLst>
+          </p:cNvPr>
+          <p:cNvGraphicFramePr>
+            <a:graphicFrameLocks noGrp="1"/>
+          </p:cNvGraphicFramePr>
+          <p:nvPr>
+            <p:extLst>
+              <p:ext uri="{D42A27DB-BD31-4B8C-83A1-F6EECF244321}">
+                <p14:modId xmlns:p14="http://schemas.microsoft.com/office/powerpoint/2010/main" val="3435866458"/>
+              </p:ext>
+            </p:extLst>
+          </p:nvPr>
+        </p:nvGraphicFramePr>
+        <p:xfrm>
+          <a:off x="3626049" y="804600"/>
+          <a:ext cx="2823362" cy="1473594"/>
+        </p:xfrm>
+        <a:graphic>
+          <a:graphicData uri="http://schemas.openxmlformats.org/drawingml/2006/table">
+            <a:tbl>
+              <a:tblPr firstRow="1" bandRow="1">
+                <a:tableStyleId>{F5AB1C69-6EDB-4FF4-983F-18BD219EF322}</a:tableStyleId>
+              </a:tblPr>
+              <a:tblGrid>
+                <a:gridCol w="815328">
+                  <a:extLst>
+                    <a:ext uri="{9D8B030D-6E8A-4147-A177-3AD203B41FA5}">
+                      <a16:colId xmlns:a16="http://schemas.microsoft.com/office/drawing/2014/main" val="803270416"/>
+                    </a:ext>
+                  </a:extLst>
+                </a:gridCol>
+                <a:gridCol w="2008034">
+                  <a:extLst>
+                    <a:ext uri="{9D8B030D-6E8A-4147-A177-3AD203B41FA5}">
+                      <a16:colId xmlns:a16="http://schemas.microsoft.com/office/drawing/2014/main" val="4281679180"/>
+                    </a:ext>
+                  </a:extLst>
+                </a:gridCol>
+              </a:tblGrid>
+              <a:tr h="225245">
+                <a:tc gridSpan="2">
+                  <a:txBody>
+                    <a:bodyPr/>
+                    <a:lstStyle/>
+                    <a:p>
+                      <a:pPr algn="l" latinLnBrk="1"/>
+                      <a:r>
+                        <a:rPr lang="en-US" altLang="ko-KR" sz="1800" dirty="0">
+                          <a:solidFill>
+                            <a:schemeClr val="bg1"/>
+                          </a:solidFill>
+                        </a:rPr>
+                        <a:t>28-02-2024 (4 days ago)</a:t>
+                      </a:r>
+                      <a:endParaRPr lang="ko-KR" altLang="en-US" sz="1800" dirty="0">
+                        <a:solidFill>
+                          <a:schemeClr val="bg1"/>
+                        </a:solidFill>
+                      </a:endParaRPr>
+                    </a:p>
+                  </a:txBody>
+                  <a:tcPr>
+                    <a:solidFill>
+                      <a:schemeClr val="bg2">
+                        <a:lumMod val="75000"/>
+                      </a:schemeClr>
+                    </a:solidFill>
+                  </a:tcPr>
+                </a:tc>
+                <a:tc hMerge="1">
+                  <a:txBody>
+                    <a:bodyPr/>
+                    <a:lstStyle/>
+                    <a:p>
+                      <a:pPr algn="l" latinLnBrk="1"/>
+                      <a:endParaRPr lang="ko-KR" altLang="en-US" dirty="0"/>
+                    </a:p>
+                  </a:txBody>
+                  <a:tcPr/>
+                </a:tc>
+                <a:extLst>
+                  <a:ext uri="{0D108BD9-81ED-4DB2-BD59-A6C34878D82A}">
+                    <a16:rowId xmlns:a16="http://schemas.microsoft.com/office/drawing/2014/main" val="3697371601"/>
+                  </a:ext>
+                </a:extLst>
+              </a:tr>
+              <a:tr h="369278">
+                <a:tc>
+                  <a:txBody>
+                    <a:bodyPr/>
+                    <a:lstStyle/>
+                    <a:p>
+                      <a:pPr algn="ctr" latinLnBrk="1"/>
+                      <a:r>
+                        <a:rPr lang="en-US" altLang="ko-KR" sz="1800" dirty="0">
+                          <a:solidFill>
+                            <a:schemeClr val="bg1"/>
+                          </a:solidFill>
+                        </a:rPr>
+                        <a:t>Set 1</a:t>
+                      </a:r>
+                      <a:endParaRPr lang="ko-KR" altLang="en-US" sz="1800" dirty="0">
+                        <a:solidFill>
+                          <a:schemeClr val="bg1"/>
+                        </a:solidFill>
+                      </a:endParaRPr>
+                    </a:p>
+                  </a:txBody>
+                  <a:tcPr>
+                    <a:solidFill>
+                      <a:schemeClr val="bg2">
+                        <a:lumMod val="75000"/>
+                      </a:schemeClr>
+                    </a:solidFill>
+                  </a:tcPr>
+                </a:tc>
+                <a:tc>
+                  <a:txBody>
+                    <a:bodyPr/>
+                    <a:lstStyle/>
+                    <a:p>
+                      <a:pPr algn="ctr" latinLnBrk="1"/>
+                      <a:r>
+                        <a:rPr lang="en-US" altLang="ko-KR" sz="1800" dirty="0">
+                          <a:solidFill>
+                            <a:schemeClr val="bg1"/>
+                          </a:solidFill>
+                        </a:rPr>
+                        <a:t>10.0 kg * 5</a:t>
+                      </a:r>
+                      <a:endParaRPr lang="ko-KR" altLang="en-US" sz="1800" dirty="0">
+                        <a:solidFill>
+                          <a:schemeClr val="bg1"/>
+                        </a:solidFill>
+                      </a:endParaRPr>
+                    </a:p>
+                  </a:txBody>
+                  <a:tcPr>
+                    <a:solidFill>
+                      <a:schemeClr val="bg2">
+                        <a:lumMod val="75000"/>
+                      </a:schemeClr>
+                    </a:solidFill>
+                  </a:tcPr>
+                </a:tc>
+                <a:extLst>
+                  <a:ext uri="{0D108BD9-81ED-4DB2-BD59-A6C34878D82A}">
+                    <a16:rowId xmlns:a16="http://schemas.microsoft.com/office/drawing/2014/main" val="2063462280"/>
+                  </a:ext>
+                </a:extLst>
+              </a:tr>
+              <a:tr h="369278">
+                <a:tc>
+                  <a:txBody>
+                    <a:bodyPr/>
+                    <a:lstStyle/>
+                    <a:p>
+                      <a:pPr algn="ctr" latinLnBrk="1"/>
+                      <a:r>
+                        <a:rPr lang="en-US" altLang="ko-KR" sz="1800" dirty="0">
+                          <a:solidFill>
+                            <a:schemeClr val="bg1"/>
+                          </a:solidFill>
+                        </a:rPr>
+                        <a:t>Set 2</a:t>
+                      </a:r>
+                    </a:p>
+                  </a:txBody>
+                  <a:tcPr>
+                    <a:solidFill>
+                      <a:schemeClr val="bg2">
+                        <a:lumMod val="75000"/>
+                      </a:schemeClr>
+                    </a:solidFill>
+                  </a:tcPr>
+                </a:tc>
+                <a:tc>
+                  <a:txBody>
+                    <a:bodyPr/>
+                    <a:lstStyle/>
+                    <a:p>
+                      <a:pPr algn="ctr" latinLnBrk="1"/>
+                      <a:r>
+                        <a:rPr lang="en-US" altLang="ko-KR" sz="1800" dirty="0">
+                          <a:solidFill>
+                            <a:schemeClr val="bg1"/>
+                          </a:solidFill>
+                        </a:rPr>
+                        <a:t>12.0 kg * 5</a:t>
+                      </a:r>
+                      <a:endParaRPr lang="ko-KR" altLang="en-US" sz="1800" dirty="0">
+                        <a:solidFill>
+                          <a:schemeClr val="bg1"/>
+                        </a:solidFill>
+                      </a:endParaRPr>
+                    </a:p>
+                  </a:txBody>
+                  <a:tcPr>
+                    <a:solidFill>
+                      <a:schemeClr val="bg2">
+                        <a:lumMod val="75000"/>
+                      </a:schemeClr>
+                    </a:solidFill>
+                  </a:tcPr>
+                </a:tc>
+                <a:extLst>
+                  <a:ext uri="{0D108BD9-81ED-4DB2-BD59-A6C34878D82A}">
+                    <a16:rowId xmlns:a16="http://schemas.microsoft.com/office/drawing/2014/main" val="76948687"/>
+                  </a:ext>
+                </a:extLst>
+              </a:tr>
+              <a:tr h="369278">
+                <a:tc>
+                  <a:txBody>
+                    <a:bodyPr/>
+                    <a:lstStyle/>
+                    <a:p>
+                      <a:pPr algn="ctr" latinLnBrk="1"/>
+                      <a:r>
+                        <a:rPr lang="en-US" altLang="ko-KR" sz="1800" dirty="0">
+                          <a:solidFill>
+                            <a:schemeClr val="bg1"/>
+                          </a:solidFill>
+                        </a:rPr>
+                        <a:t>Set 3</a:t>
+                      </a:r>
+                      <a:endParaRPr lang="ko-KR" altLang="en-US" sz="1800" dirty="0">
+                        <a:solidFill>
+                          <a:schemeClr val="bg1"/>
+                        </a:solidFill>
+                      </a:endParaRPr>
+                    </a:p>
+                  </a:txBody>
+                  <a:tcPr>
+                    <a:solidFill>
+                      <a:schemeClr val="bg2">
+                        <a:lumMod val="75000"/>
+                      </a:schemeClr>
+                    </a:solidFill>
+                  </a:tcPr>
+                </a:tc>
+                <a:tc>
+                  <a:txBody>
+                    <a:bodyPr/>
+                    <a:lstStyle/>
+                    <a:p>
+                      <a:pPr algn="ctr" latinLnBrk="1"/>
+                      <a:r>
+                        <a:rPr lang="en-US" altLang="ko-KR" sz="1800" dirty="0">
+                          <a:solidFill>
+                            <a:schemeClr val="bg1"/>
+                          </a:solidFill>
+                        </a:rPr>
+                        <a:t>10.0 kg * 5</a:t>
+                      </a:r>
+                      <a:endParaRPr lang="ko-KR" altLang="en-US" sz="1800" dirty="0">
+                        <a:solidFill>
+                          <a:schemeClr val="bg1"/>
+                        </a:solidFill>
+                      </a:endParaRPr>
+                    </a:p>
+                  </a:txBody>
+                  <a:tcPr>
+                    <a:solidFill>
+                      <a:schemeClr val="bg2">
+                        <a:lumMod val="75000"/>
+                      </a:schemeClr>
+                    </a:solidFill>
+                  </a:tcPr>
+                </a:tc>
+                <a:extLst>
+                  <a:ext uri="{0D108BD9-81ED-4DB2-BD59-A6C34878D82A}">
+                    <a16:rowId xmlns:a16="http://schemas.microsoft.com/office/drawing/2014/main" val="1110767849"/>
+                  </a:ext>
+                </a:extLst>
+              </a:tr>
+            </a:tbl>
+          </a:graphicData>
+        </a:graphic>
+      </p:graphicFrame>
+    </p:spTree>
+    <p:extLst>
+      <p:ext uri="{BB962C8B-B14F-4D97-AF65-F5344CB8AC3E}">
+        <p14:creationId xmlns:p14="http://schemas.microsoft.com/office/powerpoint/2010/main" val="857837661"/>
+      </p:ext>
+    </p:extLst>
+  </p:cSld>
+  <p:clrMapOvr>
+    <a:masterClrMapping/>
+  </p:clrMapOvr>
+  <p:extLst>
+    <p:ext uri="{6950BFC3-D8DA-4A85-94F7-54DA5524770B}">
+      <p188:commentRel xmlns:p188="http://schemas.microsoft.com/office/powerpoint/2018/8/main" r:id="rId2"/>
+    </p:ext>
+  </p:extLst>
+</p:sld>
+</file>
+
+<file path=ppt/slides/slide9.xml><?xml version="1.0" encoding="utf-8"?>
+<p:sld xmlns:a="http://schemas.openxmlformats.org/drawingml/2006/main" xmlns:r="http://schemas.openxmlformats.org/officeDocument/2006/relationships" xmlns:p="http://schemas.openxmlformats.org/presentationml/2006/main">
+  <p:cSld>
+    <p:spTree>
+      <p:nvGrpSpPr>
+        <p:cNvPr id="1" name="">
+          <a:extLst>
+            <a:ext uri="{FF2B5EF4-FFF2-40B4-BE49-F238E27FC236}">
               <a16:creationId xmlns:a16="http://schemas.microsoft.com/office/drawing/2014/main" id="{48866E03-22AD-DBB6-7A7B-BDFCCB9804EF}"/>
             </a:ext>
           </a:extLst>
@@ -22079,7 +30094,7 @@
                   <a:schemeClr val="bg1"/>
                 </a:solidFill>
               </a:rPr>
-              <a:t>ONE REP MAX : </a:t>
+              <a:t>ONE REP MAX(PB) : </a:t>
             </a:r>
             <a:r>
               <a:rPr lang="en-US" altLang="ko-KR" b="1" dirty="0">
@@ -22926,7 +30941,7 @@
                   <a:schemeClr val="bg1"/>
                 </a:solidFill>
               </a:rPr>
-              <a:t>ONE REP MAX : </a:t>
+              <a:t>ONE REP MAX(PB) : </a:t>
             </a:r>
             <a:r>
               <a:rPr lang="en-US" altLang="ko-KR" b="1" dirty="0">
@@ -24060,7 +32075,7 @@
                   <a:schemeClr val="bg1"/>
                 </a:solidFill>
               </a:rPr>
-              <a:t>ONE REP MAX : </a:t>
+              <a:t>ONE REP MAX(PB) : </a:t>
             </a:r>
             <a:r>
               <a:rPr lang="en-US" altLang="ko-KR" b="1" dirty="0">
@@ -24401,1544 +32416,6 @@
 </p:sld>
 </file>
 
-<file path=ppt/slides/slide8.xml><?xml version="1.0" encoding="utf-8"?>
-<p:sld xmlns:a="http://schemas.openxmlformats.org/drawingml/2006/main" xmlns:r="http://schemas.openxmlformats.org/officeDocument/2006/relationships" xmlns:p="http://schemas.openxmlformats.org/presentationml/2006/main">
-  <p:cSld>
-    <p:spTree>
-      <p:nvGrpSpPr>
-        <p:cNvPr id="1" name="">
-          <a:extLst>
-            <a:ext uri="{FF2B5EF4-FFF2-40B4-BE49-F238E27FC236}">
-              <a16:creationId xmlns:a16="http://schemas.microsoft.com/office/drawing/2014/main" id="{AFA17D20-D0E7-4D5D-27E1-34257D629753}"/>
-            </a:ext>
-          </a:extLst>
-        </p:cNvPr>
-        <p:cNvGrpSpPr/>
-        <p:nvPr/>
-      </p:nvGrpSpPr>
-      <p:grpSpPr>
-        <a:xfrm>
-          <a:off x="0" y="0"/>
-          <a:ext cx="0" cy="0"/>
-          <a:chOff x="0" y="0"/>
-          <a:chExt cx="0" cy="0"/>
-        </a:xfrm>
-      </p:grpSpPr>
-      <p:sp>
-        <p:nvSpPr>
-          <p:cNvPr id="14" name="Rectangle 13">
-            <a:extLst>
-              <a:ext uri="{FF2B5EF4-FFF2-40B4-BE49-F238E27FC236}">
-                <a16:creationId xmlns:a16="http://schemas.microsoft.com/office/drawing/2014/main" id="{3588551C-986A-F5A3-5107-031EB40646CF}"/>
-              </a:ext>
-            </a:extLst>
-          </p:cNvPr>
-          <p:cNvSpPr/>
-          <p:nvPr/>
-        </p:nvSpPr>
-        <p:spPr>
-          <a:xfrm>
-            <a:off x="0" y="0"/>
-            <a:ext cx="6732588" cy="586854"/>
-          </a:xfrm>
-          <a:prstGeom prst="rect">
-            <a:avLst/>
-          </a:prstGeom>
-          <a:solidFill>
-            <a:schemeClr val="accent1">
-              <a:lumMod val="50000"/>
-            </a:schemeClr>
-          </a:solidFill>
-          <a:ln>
-            <a:noFill/>
-          </a:ln>
-        </p:spPr>
-        <p:style>
-          <a:lnRef idx="2">
-            <a:schemeClr val="accent1">
-              <a:shade val="15000"/>
-            </a:schemeClr>
-          </a:lnRef>
-          <a:fillRef idx="1">
-            <a:schemeClr val="accent1"/>
-          </a:fillRef>
-          <a:effectRef idx="0">
-            <a:schemeClr val="accent1"/>
-          </a:effectRef>
-          <a:fontRef idx="minor">
-            <a:schemeClr val="lt1"/>
-          </a:fontRef>
-        </p:style>
-        <p:txBody>
-          <a:bodyPr rtlCol="0" anchor="ctr"/>
-          <a:lstStyle/>
-          <a:p>
-            <a:pPr algn="ctr"/>
-            <a:endParaRPr lang="ko-KR" altLang="en-US" dirty="0"/>
-          </a:p>
-        </p:txBody>
-      </p:sp>
-      <p:sp>
-        <p:nvSpPr>
-          <p:cNvPr id="15" name="TextBox 14">
-            <a:extLst>
-              <a:ext uri="{FF2B5EF4-FFF2-40B4-BE49-F238E27FC236}">
-                <a16:creationId xmlns:a16="http://schemas.microsoft.com/office/drawing/2014/main" id="{6AEA2DE6-1F61-9096-4F52-BDBF92F5CEA6}"/>
-              </a:ext>
-            </a:extLst>
-          </p:cNvPr>
-          <p:cNvSpPr txBox="1"/>
-          <p:nvPr/>
-        </p:nvSpPr>
-        <p:spPr>
-          <a:xfrm>
-            <a:off x="273020" y="108654"/>
-            <a:ext cx="5411499" cy="646331"/>
-          </a:xfrm>
-          <a:prstGeom prst="rect">
-            <a:avLst/>
-          </a:prstGeom>
-          <a:noFill/>
-        </p:spPr>
-        <p:txBody>
-          <a:bodyPr wrap="square" rtlCol="0">
-            <a:spAutoFit/>
-          </a:bodyPr>
-          <a:lstStyle/>
-          <a:p>
-            <a:r>
-              <a:rPr lang="en-US" altLang="ko-KR" dirty="0">
-                <a:solidFill>
-                  <a:schemeClr val="bg1"/>
-                </a:solidFill>
-              </a:rPr>
-              <a:t>&lt; Personal Information</a:t>
-            </a:r>
-          </a:p>
-          <a:p>
-            <a:endParaRPr lang="en-US" altLang="ko-KR" dirty="0">
-              <a:solidFill>
-                <a:schemeClr val="bg1"/>
-              </a:solidFill>
-            </a:endParaRPr>
-          </a:p>
-        </p:txBody>
-      </p:sp>
-      <p:sp>
-        <p:nvSpPr>
-          <p:cNvPr id="24" name="Flowchart: Terminator 23">
-            <a:extLst>
-              <a:ext uri="{FF2B5EF4-FFF2-40B4-BE49-F238E27FC236}">
-                <a16:creationId xmlns:a16="http://schemas.microsoft.com/office/drawing/2014/main" id="{66D9EFA9-2E0C-949F-8553-33128E8AABBC}"/>
-              </a:ext>
-            </a:extLst>
-          </p:cNvPr>
-          <p:cNvSpPr/>
-          <p:nvPr/>
-        </p:nvSpPr>
-        <p:spPr>
-          <a:xfrm>
-            <a:off x="2315017" y="1549387"/>
-            <a:ext cx="2215548" cy="407194"/>
-          </a:xfrm>
-          <a:prstGeom prst="flowChartTerminator">
-            <a:avLst/>
-          </a:prstGeom>
-          <a:solidFill>
-            <a:schemeClr val="accent1">
-              <a:lumMod val="50000"/>
-            </a:schemeClr>
-          </a:solidFill>
-          <a:ln w="28575">
-            <a:solidFill>
-              <a:srgbClr val="FFFFFF"/>
-            </a:solidFill>
-          </a:ln>
-        </p:spPr>
-        <p:style>
-          <a:lnRef idx="2">
-            <a:schemeClr val="accent1">
-              <a:shade val="15000"/>
-            </a:schemeClr>
-          </a:lnRef>
-          <a:fillRef idx="1">
-            <a:schemeClr val="accent1"/>
-          </a:fillRef>
-          <a:effectRef idx="0">
-            <a:schemeClr val="accent1"/>
-          </a:effectRef>
-          <a:fontRef idx="minor">
-            <a:schemeClr val="lt1"/>
-          </a:fontRef>
-        </p:style>
-        <p:txBody>
-          <a:bodyPr rtlCol="0" anchor="ctr"/>
-          <a:lstStyle/>
-          <a:p>
-            <a:pPr algn="ctr"/>
-            <a:r>
-              <a:rPr lang="en-GB" dirty="0"/>
-              <a:t>RECOVERY RATE</a:t>
-            </a:r>
-          </a:p>
-        </p:txBody>
-      </p:sp>
-      <p:sp>
-        <p:nvSpPr>
-          <p:cNvPr id="28" name="Oval 27">
-            <a:extLst>
-              <a:ext uri="{FF2B5EF4-FFF2-40B4-BE49-F238E27FC236}">
-                <a16:creationId xmlns:a16="http://schemas.microsoft.com/office/drawing/2014/main" id="{4D9C65E9-1D33-D2FF-869D-022F8072B822}"/>
-              </a:ext>
-            </a:extLst>
-          </p:cNvPr>
-          <p:cNvSpPr/>
-          <p:nvPr/>
-        </p:nvSpPr>
-        <p:spPr>
-          <a:xfrm>
-            <a:off x="6045075" y="1287690"/>
-            <a:ext cx="207820" cy="207820"/>
-          </a:xfrm>
-          <a:prstGeom prst="ellipse">
-            <a:avLst/>
-          </a:prstGeom>
-          <a:solidFill>
-            <a:schemeClr val="bg1"/>
-          </a:solidFill>
-          <a:ln>
-            <a:noFill/>
-          </a:ln>
-        </p:spPr>
-        <p:style>
-          <a:lnRef idx="2">
-            <a:schemeClr val="accent1">
-              <a:shade val="15000"/>
-            </a:schemeClr>
-          </a:lnRef>
-          <a:fillRef idx="1">
-            <a:schemeClr val="accent1"/>
-          </a:fillRef>
-          <a:effectRef idx="0">
-            <a:schemeClr val="accent1"/>
-          </a:effectRef>
-          <a:fontRef idx="minor">
-            <a:schemeClr val="lt1"/>
-          </a:fontRef>
-        </p:style>
-        <p:txBody>
-          <a:bodyPr rtlCol="0" anchor="ctr"/>
-          <a:lstStyle/>
-          <a:p>
-            <a:pPr algn="ctr"/>
-            <a:endParaRPr lang="en-GB" dirty="0"/>
-          </a:p>
-        </p:txBody>
-      </p:sp>
-      <p:sp>
-        <p:nvSpPr>
-          <p:cNvPr id="29" name="Oval 28">
-            <a:extLst>
-              <a:ext uri="{FF2B5EF4-FFF2-40B4-BE49-F238E27FC236}">
-                <a16:creationId xmlns:a16="http://schemas.microsoft.com/office/drawing/2014/main" id="{28E8F6D9-BFEB-4865-4B32-75848012C353}"/>
-              </a:ext>
-            </a:extLst>
-          </p:cNvPr>
-          <p:cNvSpPr/>
-          <p:nvPr/>
-        </p:nvSpPr>
-        <p:spPr>
-          <a:xfrm>
-            <a:off x="479693" y="1287690"/>
-            <a:ext cx="207820" cy="207820"/>
-          </a:xfrm>
-          <a:prstGeom prst="ellipse">
-            <a:avLst/>
-          </a:prstGeom>
-          <a:solidFill>
-            <a:schemeClr val="bg1"/>
-          </a:solidFill>
-          <a:ln>
-            <a:noFill/>
-          </a:ln>
-        </p:spPr>
-        <p:style>
-          <a:lnRef idx="2">
-            <a:schemeClr val="accent1">
-              <a:shade val="15000"/>
-            </a:schemeClr>
-          </a:lnRef>
-          <a:fillRef idx="1">
-            <a:schemeClr val="accent1"/>
-          </a:fillRef>
-          <a:effectRef idx="0">
-            <a:schemeClr val="accent1"/>
-          </a:effectRef>
-          <a:fontRef idx="minor">
-            <a:schemeClr val="lt1"/>
-          </a:fontRef>
-        </p:style>
-        <p:txBody>
-          <a:bodyPr rtlCol="0" anchor="ctr"/>
-          <a:lstStyle/>
-          <a:p>
-            <a:pPr algn="ctr"/>
-            <a:endParaRPr lang="en-GB" dirty="0"/>
-          </a:p>
-        </p:txBody>
-      </p:sp>
-      <p:cxnSp>
-        <p:nvCxnSpPr>
-          <p:cNvPr id="19" name="Straight Connector 18">
-            <a:extLst>
-              <a:ext uri="{FF2B5EF4-FFF2-40B4-BE49-F238E27FC236}">
-                <a16:creationId xmlns:a16="http://schemas.microsoft.com/office/drawing/2014/main" id="{7D70EE37-2CB5-14F7-3EE6-67D7CA2FDD84}"/>
-              </a:ext>
-            </a:extLst>
-          </p:cNvPr>
-          <p:cNvCxnSpPr>
-            <a:cxnSpLocks/>
-          </p:cNvCxnSpPr>
-          <p:nvPr/>
-        </p:nvCxnSpPr>
-        <p:spPr>
-          <a:xfrm>
-            <a:off x="583603" y="1391600"/>
-            <a:ext cx="5565382" cy="0"/>
-          </a:xfrm>
-          <a:prstGeom prst="line">
-            <a:avLst/>
-          </a:prstGeom>
-          <a:ln>
-            <a:solidFill>
-              <a:schemeClr val="accent1">
-                <a:lumMod val="50000"/>
-              </a:schemeClr>
-            </a:solidFill>
-          </a:ln>
-        </p:spPr>
-        <p:style>
-          <a:lnRef idx="3">
-            <a:schemeClr val="accent1"/>
-          </a:lnRef>
-          <a:fillRef idx="0">
-            <a:schemeClr val="accent1"/>
-          </a:fillRef>
-          <a:effectRef idx="2">
-            <a:schemeClr val="accent1"/>
-          </a:effectRef>
-          <a:fontRef idx="minor">
-            <a:schemeClr val="tx1"/>
-          </a:fontRef>
-        </p:style>
-      </p:cxnSp>
-      <p:sp>
-        <p:nvSpPr>
-          <p:cNvPr id="30" name="Oval 29">
-            <a:extLst>
-              <a:ext uri="{FF2B5EF4-FFF2-40B4-BE49-F238E27FC236}">
-                <a16:creationId xmlns:a16="http://schemas.microsoft.com/office/drawing/2014/main" id="{6B64FB10-CB90-0D0C-4943-BE62264D0337}"/>
-              </a:ext>
-            </a:extLst>
-          </p:cNvPr>
-          <p:cNvSpPr/>
-          <p:nvPr/>
-        </p:nvSpPr>
-        <p:spPr>
-          <a:xfrm>
-            <a:off x="1314845" y="1287690"/>
-            <a:ext cx="207820" cy="207820"/>
-          </a:xfrm>
-          <a:prstGeom prst="ellipse">
-            <a:avLst/>
-          </a:prstGeom>
-          <a:solidFill>
-            <a:schemeClr val="bg2">
-              <a:lumMod val="75000"/>
-            </a:schemeClr>
-          </a:solidFill>
-          <a:ln>
-            <a:noFill/>
-          </a:ln>
-        </p:spPr>
-        <p:style>
-          <a:lnRef idx="2">
-            <a:schemeClr val="accent1">
-              <a:shade val="15000"/>
-            </a:schemeClr>
-          </a:lnRef>
-          <a:fillRef idx="1">
-            <a:schemeClr val="accent1"/>
-          </a:fillRef>
-          <a:effectRef idx="0">
-            <a:schemeClr val="accent1"/>
-          </a:effectRef>
-          <a:fontRef idx="minor">
-            <a:schemeClr val="lt1"/>
-          </a:fontRef>
-        </p:style>
-        <p:txBody>
-          <a:bodyPr rtlCol="0" anchor="ctr"/>
-          <a:lstStyle/>
-          <a:p>
-            <a:pPr algn="ctr"/>
-            <a:endParaRPr lang="en-GB" dirty="0"/>
-          </a:p>
-        </p:txBody>
-      </p:sp>
-      <p:grpSp>
-        <p:nvGrpSpPr>
-          <p:cNvPr id="7" name="Group 6">
-            <a:extLst>
-              <a:ext uri="{FF2B5EF4-FFF2-40B4-BE49-F238E27FC236}">
-                <a16:creationId xmlns:a16="http://schemas.microsoft.com/office/drawing/2014/main" id="{8DB3FB18-BD6F-0A73-D062-64DB64914E18}"/>
-              </a:ext>
-            </a:extLst>
-          </p:cNvPr>
-          <p:cNvGrpSpPr/>
-          <p:nvPr/>
-        </p:nvGrpSpPr>
-        <p:grpSpPr>
-          <a:xfrm>
-            <a:off x="-1" y="9201150"/>
-            <a:ext cx="6732589" cy="914399"/>
-            <a:chOff x="-1" y="9201150"/>
-            <a:chExt cx="6732589" cy="914399"/>
-          </a:xfrm>
-        </p:grpSpPr>
-        <p:sp>
-          <p:nvSpPr>
-            <p:cNvPr id="8" name="Rectangle 7">
-              <a:extLst>
-                <a:ext uri="{FF2B5EF4-FFF2-40B4-BE49-F238E27FC236}">
-                  <a16:creationId xmlns:a16="http://schemas.microsoft.com/office/drawing/2014/main" id="{0DFDBB37-856A-D495-7635-1928DB334C92}"/>
-                </a:ext>
-              </a:extLst>
-            </p:cNvPr>
-            <p:cNvSpPr/>
-            <p:nvPr/>
-          </p:nvSpPr>
-          <p:spPr>
-            <a:xfrm>
-              <a:off x="-1" y="9201150"/>
-              <a:ext cx="6732589" cy="914399"/>
-            </a:xfrm>
-            <a:prstGeom prst="rect">
-              <a:avLst/>
-            </a:prstGeom>
-            <a:solidFill>
-              <a:srgbClr val="355D7E"/>
-            </a:solidFill>
-            <a:ln>
-              <a:noFill/>
-            </a:ln>
-            <a:effectLst>
-              <a:outerShdw blurRad="546100" dist="38100" dir="16200000" sx="84000" sy="84000" rotWithShape="0">
-                <a:prstClr val="black">
-                  <a:alpha val="12000"/>
-                </a:prstClr>
-              </a:outerShdw>
-            </a:effectLst>
-          </p:spPr>
-          <p:style>
-            <a:lnRef idx="2">
-              <a:schemeClr val="accent1">
-                <a:shade val="15000"/>
-              </a:schemeClr>
-            </a:lnRef>
-            <a:fillRef idx="1">
-              <a:schemeClr val="accent1"/>
-            </a:fillRef>
-            <a:effectRef idx="0">
-              <a:schemeClr val="accent1"/>
-            </a:effectRef>
-            <a:fontRef idx="minor">
-              <a:schemeClr val="lt1"/>
-            </a:fontRef>
-          </p:style>
-          <p:txBody>
-            <a:bodyPr rtlCol="0" anchor="ctr"/>
-            <a:lstStyle/>
-            <a:p>
-              <a:pPr algn="ctr"/>
-              <a:endParaRPr lang="ko-KR" altLang="en-US"/>
-            </a:p>
-          </p:txBody>
-        </p:sp>
-        <p:sp>
-          <p:nvSpPr>
-            <p:cNvPr id="9" name="TextBox 8">
-              <a:extLst>
-                <a:ext uri="{FF2B5EF4-FFF2-40B4-BE49-F238E27FC236}">
-                  <a16:creationId xmlns:a16="http://schemas.microsoft.com/office/drawing/2014/main" id="{EE8194C3-E691-F10D-0B96-5CE5356CC5A8}"/>
-                </a:ext>
-              </a:extLst>
-            </p:cNvPr>
-            <p:cNvSpPr txBox="1"/>
-            <p:nvPr/>
-          </p:nvSpPr>
-          <p:spPr>
-            <a:xfrm>
-              <a:off x="720582" y="9727537"/>
-              <a:ext cx="688009" cy="338554"/>
-            </a:xfrm>
-            <a:prstGeom prst="rect">
-              <a:avLst/>
-            </a:prstGeom>
-            <a:noFill/>
-          </p:spPr>
-          <p:txBody>
-            <a:bodyPr wrap="none" rtlCol="0">
-              <a:spAutoFit/>
-            </a:bodyPr>
-            <a:lstStyle/>
-            <a:p>
-              <a:r>
-                <a:rPr lang="en-US" altLang="ko-KR" sz="1600" b="1" dirty="0">
-                  <a:solidFill>
-                    <a:schemeClr val="accent1">
-                      <a:lumMod val="75000"/>
-                    </a:schemeClr>
-                  </a:solidFill>
-                </a:rPr>
-                <a:t>Home</a:t>
-              </a:r>
-            </a:p>
-          </p:txBody>
-        </p:sp>
-        <p:sp>
-          <p:nvSpPr>
-            <p:cNvPr id="10" name="TextBox 9">
-              <a:extLst>
-                <a:ext uri="{FF2B5EF4-FFF2-40B4-BE49-F238E27FC236}">
-                  <a16:creationId xmlns:a16="http://schemas.microsoft.com/office/drawing/2014/main" id="{DD68EDE1-9336-FD60-B504-C23336F015D2}"/>
-                </a:ext>
-              </a:extLst>
-            </p:cNvPr>
-            <p:cNvSpPr txBox="1"/>
-            <p:nvPr/>
-          </p:nvSpPr>
-          <p:spPr>
-            <a:xfrm>
-              <a:off x="3001929" y="9739919"/>
-              <a:ext cx="698012" cy="338554"/>
-            </a:xfrm>
-            <a:prstGeom prst="rect">
-              <a:avLst/>
-            </a:prstGeom>
-            <a:noFill/>
-          </p:spPr>
-          <p:txBody>
-            <a:bodyPr wrap="none" rtlCol="0">
-              <a:spAutoFit/>
-            </a:bodyPr>
-            <a:lstStyle/>
-            <a:p>
-              <a:r>
-                <a:rPr lang="en-US" altLang="ko-KR" sz="1600" dirty="0">
-                  <a:solidFill>
-                    <a:schemeClr val="accent1">
-                      <a:lumMod val="75000"/>
-                    </a:schemeClr>
-                  </a:solidFill>
-                </a:rPr>
-                <a:t>Status</a:t>
-              </a:r>
-            </a:p>
-          </p:txBody>
-        </p:sp>
-        <p:sp>
-          <p:nvSpPr>
-            <p:cNvPr id="11" name="TextBox 10">
-              <a:extLst>
-                <a:ext uri="{FF2B5EF4-FFF2-40B4-BE49-F238E27FC236}">
-                  <a16:creationId xmlns:a16="http://schemas.microsoft.com/office/drawing/2014/main" id="{DC312995-BF6C-D5AD-0935-BA4130814FC7}"/>
-                </a:ext>
-              </a:extLst>
-            </p:cNvPr>
-            <p:cNvSpPr txBox="1"/>
-            <p:nvPr/>
-          </p:nvSpPr>
-          <p:spPr>
-            <a:xfrm>
-              <a:off x="5281105" y="9713901"/>
-              <a:ext cx="765787" cy="338554"/>
-            </a:xfrm>
-            <a:prstGeom prst="rect">
-              <a:avLst/>
-            </a:prstGeom>
-            <a:noFill/>
-          </p:spPr>
-          <p:txBody>
-            <a:bodyPr wrap="none" rtlCol="0">
-              <a:spAutoFit/>
-            </a:bodyPr>
-            <a:lstStyle/>
-            <a:p>
-              <a:r>
-                <a:rPr lang="en-US" altLang="ko-KR" sz="1600" dirty="0">
-                  <a:solidFill>
-                    <a:schemeClr val="bg2">
-                      <a:lumMod val="75000"/>
-                    </a:schemeClr>
-                  </a:solidFill>
-                </a:rPr>
-                <a:t>Setting</a:t>
-              </a:r>
-            </a:p>
-          </p:txBody>
-        </p:sp>
-        <p:pic>
-          <p:nvPicPr>
-            <p:cNvPr id="12" name="Graphic 11" descr="House with solid fill">
-              <a:extLst>
-                <a:ext uri="{FF2B5EF4-FFF2-40B4-BE49-F238E27FC236}">
-                  <a16:creationId xmlns:a16="http://schemas.microsoft.com/office/drawing/2014/main" id="{E5569F43-6570-D86F-EA98-3C443B5646F9}"/>
-                </a:ext>
-              </a:extLst>
-            </p:cNvPr>
-            <p:cNvPicPr>
-              <a:picLocks noChangeAspect="1"/>
-            </p:cNvPicPr>
-            <p:nvPr/>
-          </p:nvPicPr>
-          <p:blipFill>
-            <a:blip r:embed="rId2">
-              <a:extLst>
-                <a:ext uri="{28A0092B-C50C-407E-A947-70E740481C1C}">
-                  <a14:useLocalDpi xmlns:a14="http://schemas.microsoft.com/office/drawing/2010/main" val="0"/>
-                </a:ext>
-                <a:ext uri="{96DAC541-7B7A-43D3-8B79-37D633B846F1}">
-                  <asvg:svgBlip xmlns:asvg="http://schemas.microsoft.com/office/drawing/2016/SVG/main" r:embed="rId3"/>
-                </a:ext>
-              </a:extLst>
-            </a:blip>
-            <a:stretch>
-              <a:fillRect/>
-            </a:stretch>
-          </p:blipFill>
-          <p:spPr>
-            <a:xfrm>
-              <a:off x="882884" y="9411398"/>
-              <a:ext cx="362008" cy="362008"/>
-            </a:xfrm>
-            <a:prstGeom prst="rect">
-              <a:avLst/>
-            </a:prstGeom>
-          </p:spPr>
-        </p:pic>
-        <p:pic>
-          <p:nvPicPr>
-            <p:cNvPr id="13" name="Graphic 12" descr="User with solid fill">
-              <a:extLst>
-                <a:ext uri="{FF2B5EF4-FFF2-40B4-BE49-F238E27FC236}">
-                  <a16:creationId xmlns:a16="http://schemas.microsoft.com/office/drawing/2014/main" id="{227D7497-0CE2-77A5-275B-28EEFA701EEA}"/>
-                </a:ext>
-              </a:extLst>
-            </p:cNvPr>
-            <p:cNvPicPr>
-              <a:picLocks noChangeAspect="1"/>
-            </p:cNvPicPr>
-            <p:nvPr/>
-          </p:nvPicPr>
-          <p:blipFill>
-            <a:blip r:embed="rId4">
-              <a:extLst>
-                <a:ext uri="{28A0092B-C50C-407E-A947-70E740481C1C}">
-                  <a14:useLocalDpi xmlns:a14="http://schemas.microsoft.com/office/drawing/2010/main" val="0"/>
-                </a:ext>
-                <a:ext uri="{96DAC541-7B7A-43D3-8B79-37D633B846F1}">
-                  <asvg:svgBlip xmlns:asvg="http://schemas.microsoft.com/office/drawing/2016/SVG/main" r:embed="rId5"/>
-                </a:ext>
-              </a:extLst>
-            </a:blip>
-            <a:stretch>
-              <a:fillRect/>
-            </a:stretch>
-          </p:blipFill>
-          <p:spPr>
-            <a:xfrm>
-              <a:off x="5472854" y="9411398"/>
-              <a:ext cx="362008" cy="362008"/>
-            </a:xfrm>
-            <a:prstGeom prst="rect">
-              <a:avLst/>
-            </a:prstGeom>
-          </p:spPr>
-        </p:pic>
-        <p:pic>
-          <p:nvPicPr>
-            <p:cNvPr id="16" name="Graphic 15" descr="Window with solid fill">
-              <a:extLst>
-                <a:ext uri="{FF2B5EF4-FFF2-40B4-BE49-F238E27FC236}">
-                  <a16:creationId xmlns:a16="http://schemas.microsoft.com/office/drawing/2014/main" id="{ADBBD09E-5631-6953-443F-FC9A66024AF1}"/>
-                </a:ext>
-              </a:extLst>
-            </p:cNvPr>
-            <p:cNvPicPr>
-              <a:picLocks noChangeAspect="1"/>
-            </p:cNvPicPr>
-            <p:nvPr/>
-          </p:nvPicPr>
-          <p:blipFill>
-            <a:blip r:embed="rId6">
-              <a:extLst>
-                <a:ext uri="{28A0092B-C50C-407E-A947-70E740481C1C}">
-                  <a14:useLocalDpi xmlns:a14="http://schemas.microsoft.com/office/drawing/2010/main" val="0"/>
-                </a:ext>
-                <a:ext uri="{96DAC541-7B7A-43D3-8B79-37D633B846F1}">
-                  <asvg:svgBlip xmlns:asvg="http://schemas.microsoft.com/office/drawing/2016/SVG/main" r:embed="rId7"/>
-                </a:ext>
-              </a:extLst>
-            </a:blip>
-            <a:stretch>
-              <a:fillRect/>
-            </a:stretch>
-          </p:blipFill>
-          <p:spPr>
-            <a:xfrm>
-              <a:off x="3182771" y="9449253"/>
-              <a:ext cx="324153" cy="324153"/>
-            </a:xfrm>
-            <a:prstGeom prst="rect">
-              <a:avLst/>
-            </a:prstGeom>
-          </p:spPr>
-        </p:pic>
-      </p:grpSp>
-      <p:sp>
-        <p:nvSpPr>
-          <p:cNvPr id="18" name="TextBox 17">
-            <a:extLst>
-              <a:ext uri="{FF2B5EF4-FFF2-40B4-BE49-F238E27FC236}">
-                <a16:creationId xmlns:a16="http://schemas.microsoft.com/office/drawing/2014/main" id="{244D2540-013C-A90D-1F58-A8D1338377DD}"/>
-              </a:ext>
-            </a:extLst>
-          </p:cNvPr>
-          <p:cNvSpPr txBox="1"/>
-          <p:nvPr/>
-        </p:nvSpPr>
-        <p:spPr>
-          <a:xfrm>
-            <a:off x="2380384" y="8748241"/>
-            <a:ext cx="1928926" cy="369332"/>
-          </a:xfrm>
-          <a:prstGeom prst="rect">
-            <a:avLst/>
-          </a:prstGeom>
-          <a:noFill/>
-        </p:spPr>
-        <p:txBody>
-          <a:bodyPr wrap="none" rtlCol="0">
-            <a:spAutoFit/>
-          </a:bodyPr>
-          <a:lstStyle/>
-          <a:p>
-            <a:r>
-              <a:rPr lang="en-GB" dirty="0">
-                <a:solidFill>
-                  <a:schemeClr val="accent1">
-                    <a:lumMod val="50000"/>
-                  </a:schemeClr>
-                </a:solidFill>
-              </a:rPr>
-              <a:t>App version : 1.0.0</a:t>
-            </a:r>
-          </a:p>
-        </p:txBody>
-      </p:sp>
-      <p:sp>
-        <p:nvSpPr>
-          <p:cNvPr id="20" name="Rectangle 19">
-            <a:extLst>
-              <a:ext uri="{FF2B5EF4-FFF2-40B4-BE49-F238E27FC236}">
-                <a16:creationId xmlns:a16="http://schemas.microsoft.com/office/drawing/2014/main" id="{48E479DA-1C88-5682-EF1F-1832B2C023BA}"/>
-              </a:ext>
-            </a:extLst>
-          </p:cNvPr>
-          <p:cNvSpPr/>
-          <p:nvPr/>
-        </p:nvSpPr>
-        <p:spPr>
-          <a:xfrm>
-            <a:off x="172717" y="6029521"/>
-            <a:ext cx="6387152" cy="1132764"/>
-          </a:xfrm>
-          <a:prstGeom prst="rect">
-            <a:avLst/>
-          </a:prstGeom>
-          <a:solidFill>
-            <a:schemeClr val="bg2">
-              <a:lumMod val="75000"/>
-            </a:schemeClr>
-          </a:solidFill>
-          <a:ln>
-            <a:noFill/>
-          </a:ln>
-        </p:spPr>
-        <p:style>
-          <a:lnRef idx="2">
-            <a:schemeClr val="accent6"/>
-          </a:lnRef>
-          <a:fillRef idx="1">
-            <a:schemeClr val="lt1"/>
-          </a:fillRef>
-          <a:effectRef idx="0">
-            <a:schemeClr val="accent6"/>
-          </a:effectRef>
-          <a:fontRef idx="minor">
-            <a:schemeClr val="dk1"/>
-          </a:fontRef>
-        </p:style>
-        <p:txBody>
-          <a:bodyPr rtlCol="0" anchor="ctr"/>
-          <a:lstStyle/>
-          <a:p>
-            <a:pPr algn="ctr"/>
-            <a:r>
-              <a:rPr lang="en-US" altLang="ko-KR" dirty="0">
-                <a:solidFill>
-                  <a:schemeClr val="bg1"/>
-                </a:solidFill>
-              </a:rPr>
-              <a:t>Send Feedback</a:t>
-            </a:r>
-          </a:p>
-        </p:txBody>
-      </p:sp>
-      <p:sp>
-        <p:nvSpPr>
-          <p:cNvPr id="21" name="Rectangle 20">
-            <a:extLst>
-              <a:ext uri="{FF2B5EF4-FFF2-40B4-BE49-F238E27FC236}">
-                <a16:creationId xmlns:a16="http://schemas.microsoft.com/office/drawing/2014/main" id="{DCD3067F-25B9-A730-319A-53F3E950574C}"/>
-              </a:ext>
-            </a:extLst>
-          </p:cNvPr>
-          <p:cNvSpPr/>
-          <p:nvPr/>
-        </p:nvSpPr>
-        <p:spPr>
-          <a:xfrm>
-            <a:off x="172717" y="7336428"/>
-            <a:ext cx="6387152" cy="1132764"/>
-          </a:xfrm>
-          <a:prstGeom prst="rect">
-            <a:avLst/>
-          </a:prstGeom>
-          <a:solidFill>
-            <a:schemeClr val="bg2">
-              <a:lumMod val="75000"/>
-            </a:schemeClr>
-          </a:solidFill>
-          <a:ln>
-            <a:noFill/>
-          </a:ln>
-        </p:spPr>
-        <p:style>
-          <a:lnRef idx="2">
-            <a:schemeClr val="accent6"/>
-          </a:lnRef>
-          <a:fillRef idx="1">
-            <a:schemeClr val="lt1"/>
-          </a:fillRef>
-          <a:effectRef idx="0">
-            <a:schemeClr val="accent6"/>
-          </a:effectRef>
-          <a:fontRef idx="minor">
-            <a:schemeClr val="dk1"/>
-          </a:fontRef>
-        </p:style>
-        <p:txBody>
-          <a:bodyPr rtlCol="0" anchor="ctr"/>
-          <a:lstStyle/>
-          <a:p>
-            <a:pPr algn="ctr"/>
-            <a:r>
-              <a:rPr lang="en-US" altLang="ko-KR" dirty="0">
-                <a:solidFill>
-                  <a:schemeClr val="bg1"/>
-                </a:solidFill>
-              </a:rPr>
-              <a:t>Privacy Policy</a:t>
-            </a:r>
-          </a:p>
-        </p:txBody>
-      </p:sp>
-    </p:spTree>
-    <p:extLst>
-      <p:ext uri="{BB962C8B-B14F-4D97-AF65-F5344CB8AC3E}">
-        <p14:creationId xmlns:p14="http://schemas.microsoft.com/office/powerpoint/2010/main" val="3831091246"/>
-      </p:ext>
-    </p:extLst>
-  </p:cSld>
-  <p:clrMapOvr>
-    <a:masterClrMapping/>
-  </p:clrMapOvr>
-</p:sld>
-</file>
-
-<file path=ppt/slides/slide9.xml><?xml version="1.0" encoding="utf-8"?>
-<p:sld xmlns:a="http://schemas.openxmlformats.org/drawingml/2006/main" xmlns:r="http://schemas.openxmlformats.org/officeDocument/2006/relationships" xmlns:p="http://schemas.openxmlformats.org/presentationml/2006/main">
-  <p:cSld>
-    <p:spTree>
-      <p:nvGrpSpPr>
-        <p:cNvPr id="1" name=""/>
-        <p:cNvGrpSpPr/>
-        <p:nvPr/>
-      </p:nvGrpSpPr>
-      <p:grpSpPr>
-        <a:xfrm>
-          <a:off x="0" y="0"/>
-          <a:ext cx="0" cy="0"/>
-          <a:chOff x="0" y="0"/>
-          <a:chExt cx="0" cy="0"/>
-        </a:xfrm>
-      </p:grpSpPr>
-      <p:sp>
-        <p:nvSpPr>
-          <p:cNvPr id="3" name="Rectangle 2">
-            <a:extLst>
-              <a:ext uri="{FF2B5EF4-FFF2-40B4-BE49-F238E27FC236}">
-                <a16:creationId xmlns:a16="http://schemas.microsoft.com/office/drawing/2014/main" id="{2147982B-B160-4200-7BD2-370E8EF458DC}"/>
-              </a:ext>
-            </a:extLst>
-          </p:cNvPr>
-          <p:cNvSpPr/>
-          <p:nvPr/>
-        </p:nvSpPr>
-        <p:spPr>
-          <a:xfrm>
-            <a:off x="172718" y="2119652"/>
-            <a:ext cx="6387152" cy="1132764"/>
-          </a:xfrm>
-          <a:prstGeom prst="rect">
-            <a:avLst/>
-          </a:prstGeom>
-          <a:solidFill>
-            <a:schemeClr val="bg2">
-              <a:lumMod val="75000"/>
-            </a:schemeClr>
-          </a:solidFill>
-          <a:ln>
-            <a:noFill/>
-          </a:ln>
-        </p:spPr>
-        <p:style>
-          <a:lnRef idx="2">
-            <a:schemeClr val="accent6"/>
-          </a:lnRef>
-          <a:fillRef idx="1">
-            <a:schemeClr val="lt1"/>
-          </a:fillRef>
-          <a:effectRef idx="0">
-            <a:schemeClr val="accent6"/>
-          </a:effectRef>
-          <a:fontRef idx="minor">
-            <a:schemeClr val="dk1"/>
-          </a:fontRef>
-        </p:style>
-        <p:txBody>
-          <a:bodyPr rtlCol="0" anchor="ctr"/>
-          <a:lstStyle/>
-          <a:p>
-            <a:pPr algn="ctr"/>
-            <a:r>
-              <a:rPr lang="en-US" altLang="ko-KR" dirty="0">
-                <a:solidFill>
-                  <a:schemeClr val="bg1"/>
-                </a:solidFill>
-              </a:rPr>
-              <a:t>Send Feedback</a:t>
-            </a:r>
-          </a:p>
-        </p:txBody>
-      </p:sp>
-      <p:sp>
-        <p:nvSpPr>
-          <p:cNvPr id="12" name="Rectangle 11">
-            <a:extLst>
-              <a:ext uri="{FF2B5EF4-FFF2-40B4-BE49-F238E27FC236}">
-                <a16:creationId xmlns:a16="http://schemas.microsoft.com/office/drawing/2014/main" id="{CBD1EED8-F282-C698-ED56-2BC2A06C67BE}"/>
-              </a:ext>
-            </a:extLst>
-          </p:cNvPr>
-          <p:cNvSpPr/>
-          <p:nvPr/>
-        </p:nvSpPr>
-        <p:spPr>
-          <a:xfrm>
-            <a:off x="154367" y="3452433"/>
-            <a:ext cx="6387152" cy="1132764"/>
-          </a:xfrm>
-          <a:prstGeom prst="rect">
-            <a:avLst/>
-          </a:prstGeom>
-          <a:solidFill>
-            <a:schemeClr val="bg2">
-              <a:lumMod val="75000"/>
-            </a:schemeClr>
-          </a:solidFill>
-          <a:ln>
-            <a:noFill/>
-          </a:ln>
-        </p:spPr>
-        <p:style>
-          <a:lnRef idx="2">
-            <a:schemeClr val="accent6"/>
-          </a:lnRef>
-          <a:fillRef idx="1">
-            <a:schemeClr val="lt1"/>
-          </a:fillRef>
-          <a:effectRef idx="0">
-            <a:schemeClr val="accent6"/>
-          </a:effectRef>
-          <a:fontRef idx="minor">
-            <a:schemeClr val="dk1"/>
-          </a:fontRef>
-        </p:style>
-        <p:txBody>
-          <a:bodyPr rtlCol="0" anchor="ctr"/>
-          <a:lstStyle/>
-          <a:p>
-            <a:pPr algn="ctr"/>
-            <a:r>
-              <a:rPr lang="en-US" altLang="ko-KR" dirty="0">
-                <a:solidFill>
-                  <a:schemeClr val="bg1"/>
-                </a:solidFill>
-              </a:rPr>
-              <a:t>Privacy Policy</a:t>
-            </a:r>
-          </a:p>
-        </p:txBody>
-      </p:sp>
-      <p:sp>
-        <p:nvSpPr>
-          <p:cNvPr id="13" name="Rectangle 12">
-            <a:extLst>
-              <a:ext uri="{FF2B5EF4-FFF2-40B4-BE49-F238E27FC236}">
-                <a16:creationId xmlns:a16="http://schemas.microsoft.com/office/drawing/2014/main" id="{0DA49E67-E104-4B8A-C8F9-FDA29FBF707C}"/>
-              </a:ext>
-            </a:extLst>
-          </p:cNvPr>
-          <p:cNvSpPr/>
-          <p:nvPr/>
-        </p:nvSpPr>
-        <p:spPr>
-          <a:xfrm>
-            <a:off x="172718" y="786871"/>
-            <a:ext cx="6387152" cy="1132764"/>
-          </a:xfrm>
-          <a:prstGeom prst="rect">
-            <a:avLst/>
-          </a:prstGeom>
-          <a:solidFill>
-            <a:schemeClr val="bg2">
-              <a:lumMod val="75000"/>
-            </a:schemeClr>
-          </a:solidFill>
-          <a:ln>
-            <a:noFill/>
-          </a:ln>
-        </p:spPr>
-        <p:style>
-          <a:lnRef idx="2">
-            <a:schemeClr val="accent6"/>
-          </a:lnRef>
-          <a:fillRef idx="1">
-            <a:schemeClr val="lt1"/>
-          </a:fillRef>
-          <a:effectRef idx="0">
-            <a:schemeClr val="accent6"/>
-          </a:effectRef>
-          <a:fontRef idx="minor">
-            <a:schemeClr val="dk1"/>
-          </a:fontRef>
-        </p:style>
-        <p:txBody>
-          <a:bodyPr rtlCol="0" anchor="ctr"/>
-          <a:lstStyle/>
-          <a:p>
-            <a:pPr algn="ctr"/>
-            <a:r>
-              <a:rPr lang="en-US" altLang="ko-KR" dirty="0">
-                <a:solidFill>
-                  <a:schemeClr val="bg1"/>
-                </a:solidFill>
-              </a:rPr>
-              <a:t>Personal Information</a:t>
-            </a:r>
-          </a:p>
-        </p:txBody>
-      </p:sp>
-      <p:sp>
-        <p:nvSpPr>
-          <p:cNvPr id="14" name="Rectangle 13">
-            <a:extLst>
-              <a:ext uri="{FF2B5EF4-FFF2-40B4-BE49-F238E27FC236}">
-                <a16:creationId xmlns:a16="http://schemas.microsoft.com/office/drawing/2014/main" id="{08E2AFF7-FF2C-98E7-D5D8-091E41A19962}"/>
-              </a:ext>
-            </a:extLst>
-          </p:cNvPr>
-          <p:cNvSpPr/>
-          <p:nvPr/>
-        </p:nvSpPr>
-        <p:spPr>
-          <a:xfrm>
-            <a:off x="0" y="0"/>
-            <a:ext cx="6732588" cy="586854"/>
-          </a:xfrm>
-          <a:prstGeom prst="rect">
-            <a:avLst/>
-          </a:prstGeom>
-          <a:solidFill>
-            <a:schemeClr val="accent1">
-              <a:lumMod val="50000"/>
-            </a:schemeClr>
-          </a:solidFill>
-          <a:ln>
-            <a:noFill/>
-          </a:ln>
-        </p:spPr>
-        <p:style>
-          <a:lnRef idx="2">
-            <a:schemeClr val="accent1">
-              <a:shade val="15000"/>
-            </a:schemeClr>
-          </a:lnRef>
-          <a:fillRef idx="1">
-            <a:schemeClr val="accent1"/>
-          </a:fillRef>
-          <a:effectRef idx="0">
-            <a:schemeClr val="accent1"/>
-          </a:effectRef>
-          <a:fontRef idx="minor">
-            <a:schemeClr val="lt1"/>
-          </a:fontRef>
-        </p:style>
-        <p:txBody>
-          <a:bodyPr rtlCol="0" anchor="ctr"/>
-          <a:lstStyle/>
-          <a:p>
-            <a:pPr algn="ctr"/>
-            <a:endParaRPr lang="ko-KR" altLang="en-US" dirty="0"/>
-          </a:p>
-        </p:txBody>
-      </p:sp>
-      <p:sp>
-        <p:nvSpPr>
-          <p:cNvPr id="15" name="TextBox 14">
-            <a:extLst>
-              <a:ext uri="{FF2B5EF4-FFF2-40B4-BE49-F238E27FC236}">
-                <a16:creationId xmlns:a16="http://schemas.microsoft.com/office/drawing/2014/main" id="{057B19D4-7ADD-5D6B-CCE4-86BE903103C1}"/>
-              </a:ext>
-            </a:extLst>
-          </p:cNvPr>
-          <p:cNvSpPr txBox="1"/>
-          <p:nvPr/>
-        </p:nvSpPr>
-        <p:spPr>
-          <a:xfrm>
-            <a:off x="273021" y="108654"/>
-            <a:ext cx="839012" cy="369332"/>
-          </a:xfrm>
-          <a:prstGeom prst="rect">
-            <a:avLst/>
-          </a:prstGeom>
-          <a:noFill/>
-        </p:spPr>
-        <p:txBody>
-          <a:bodyPr wrap="none" rtlCol="0">
-            <a:spAutoFit/>
-          </a:bodyPr>
-          <a:lstStyle/>
-          <a:p>
-            <a:r>
-              <a:rPr lang="en-US" altLang="ko-KR" dirty="0">
-                <a:solidFill>
-                  <a:schemeClr val="bg1"/>
-                </a:solidFill>
-              </a:rPr>
-              <a:t>Setting</a:t>
-            </a:r>
-          </a:p>
-        </p:txBody>
-      </p:sp>
-      <p:grpSp>
-        <p:nvGrpSpPr>
-          <p:cNvPr id="4" name="Group 3">
-            <a:extLst>
-              <a:ext uri="{FF2B5EF4-FFF2-40B4-BE49-F238E27FC236}">
-                <a16:creationId xmlns:a16="http://schemas.microsoft.com/office/drawing/2014/main" id="{D6657D7F-06B5-D33C-0454-552219826D51}"/>
-              </a:ext>
-            </a:extLst>
-          </p:cNvPr>
-          <p:cNvGrpSpPr/>
-          <p:nvPr/>
-        </p:nvGrpSpPr>
-        <p:grpSpPr>
-          <a:xfrm>
-            <a:off x="-1" y="9201150"/>
-            <a:ext cx="6732589" cy="914399"/>
-            <a:chOff x="-1" y="9201150"/>
-            <a:chExt cx="6732589" cy="914399"/>
-          </a:xfrm>
-        </p:grpSpPr>
-        <p:sp>
-          <p:nvSpPr>
-            <p:cNvPr id="5" name="Rectangle 4">
-              <a:extLst>
-                <a:ext uri="{FF2B5EF4-FFF2-40B4-BE49-F238E27FC236}">
-                  <a16:creationId xmlns:a16="http://schemas.microsoft.com/office/drawing/2014/main" id="{64DCFCF9-0A3E-968E-CDB4-103A22991B10}"/>
-                </a:ext>
-              </a:extLst>
-            </p:cNvPr>
-            <p:cNvSpPr/>
-            <p:nvPr/>
-          </p:nvSpPr>
-          <p:spPr>
-            <a:xfrm>
-              <a:off x="-1" y="9201150"/>
-              <a:ext cx="6732589" cy="914399"/>
-            </a:xfrm>
-            <a:prstGeom prst="rect">
-              <a:avLst/>
-            </a:prstGeom>
-            <a:solidFill>
-              <a:srgbClr val="355D7E"/>
-            </a:solidFill>
-            <a:ln>
-              <a:noFill/>
-            </a:ln>
-            <a:effectLst>
-              <a:outerShdw blurRad="546100" dist="38100" dir="16200000" sx="84000" sy="84000" rotWithShape="0">
-                <a:prstClr val="black">
-                  <a:alpha val="12000"/>
-                </a:prstClr>
-              </a:outerShdw>
-            </a:effectLst>
-          </p:spPr>
-          <p:style>
-            <a:lnRef idx="2">
-              <a:schemeClr val="accent1">
-                <a:shade val="15000"/>
-              </a:schemeClr>
-            </a:lnRef>
-            <a:fillRef idx="1">
-              <a:schemeClr val="accent1"/>
-            </a:fillRef>
-            <a:effectRef idx="0">
-              <a:schemeClr val="accent1"/>
-            </a:effectRef>
-            <a:fontRef idx="minor">
-              <a:schemeClr val="lt1"/>
-            </a:fontRef>
-          </p:style>
-          <p:txBody>
-            <a:bodyPr rtlCol="0" anchor="ctr"/>
-            <a:lstStyle/>
-            <a:p>
-              <a:pPr algn="ctr"/>
-              <a:endParaRPr lang="ko-KR" altLang="en-US"/>
-            </a:p>
-          </p:txBody>
-        </p:sp>
-        <p:sp>
-          <p:nvSpPr>
-            <p:cNvPr id="6" name="TextBox 5">
-              <a:extLst>
-                <a:ext uri="{FF2B5EF4-FFF2-40B4-BE49-F238E27FC236}">
-                  <a16:creationId xmlns:a16="http://schemas.microsoft.com/office/drawing/2014/main" id="{85A49617-5848-F281-CADA-C9364C81BA48}"/>
-                </a:ext>
-              </a:extLst>
-            </p:cNvPr>
-            <p:cNvSpPr txBox="1"/>
-            <p:nvPr/>
-          </p:nvSpPr>
-          <p:spPr>
-            <a:xfrm>
-              <a:off x="720582" y="9727537"/>
-              <a:ext cx="688009" cy="338554"/>
-            </a:xfrm>
-            <a:prstGeom prst="rect">
-              <a:avLst/>
-            </a:prstGeom>
-            <a:noFill/>
-          </p:spPr>
-          <p:txBody>
-            <a:bodyPr wrap="none" rtlCol="0">
-              <a:spAutoFit/>
-            </a:bodyPr>
-            <a:lstStyle/>
-            <a:p>
-              <a:r>
-                <a:rPr lang="en-US" altLang="ko-KR" sz="1600" b="1" dirty="0">
-                  <a:solidFill>
-                    <a:schemeClr val="accent1">
-                      <a:lumMod val="75000"/>
-                    </a:schemeClr>
-                  </a:solidFill>
-                </a:rPr>
-                <a:t>Home</a:t>
-              </a:r>
-            </a:p>
-          </p:txBody>
-        </p:sp>
-        <p:sp>
-          <p:nvSpPr>
-            <p:cNvPr id="7" name="TextBox 6">
-              <a:extLst>
-                <a:ext uri="{FF2B5EF4-FFF2-40B4-BE49-F238E27FC236}">
-                  <a16:creationId xmlns:a16="http://schemas.microsoft.com/office/drawing/2014/main" id="{7BE8D1E7-26CB-6A72-74D9-A2A992DB44D5}"/>
-                </a:ext>
-              </a:extLst>
-            </p:cNvPr>
-            <p:cNvSpPr txBox="1"/>
-            <p:nvPr/>
-          </p:nvSpPr>
-          <p:spPr>
-            <a:xfrm>
-              <a:off x="3001929" y="9739919"/>
-              <a:ext cx="698012" cy="338554"/>
-            </a:xfrm>
-            <a:prstGeom prst="rect">
-              <a:avLst/>
-            </a:prstGeom>
-            <a:noFill/>
-          </p:spPr>
-          <p:txBody>
-            <a:bodyPr wrap="none" rtlCol="0">
-              <a:spAutoFit/>
-            </a:bodyPr>
-            <a:lstStyle/>
-            <a:p>
-              <a:r>
-                <a:rPr lang="en-US" altLang="ko-KR" sz="1600" dirty="0">
-                  <a:solidFill>
-                    <a:schemeClr val="accent1">
-                      <a:lumMod val="75000"/>
-                    </a:schemeClr>
-                  </a:solidFill>
-                </a:rPr>
-                <a:t>Status</a:t>
-              </a:r>
-            </a:p>
-          </p:txBody>
-        </p:sp>
-        <p:sp>
-          <p:nvSpPr>
-            <p:cNvPr id="8" name="TextBox 7">
-              <a:extLst>
-                <a:ext uri="{FF2B5EF4-FFF2-40B4-BE49-F238E27FC236}">
-                  <a16:creationId xmlns:a16="http://schemas.microsoft.com/office/drawing/2014/main" id="{D6BE0F68-5867-E390-F33F-9D05971026EB}"/>
-                </a:ext>
-              </a:extLst>
-            </p:cNvPr>
-            <p:cNvSpPr txBox="1"/>
-            <p:nvPr/>
-          </p:nvSpPr>
-          <p:spPr>
-            <a:xfrm>
-              <a:off x="5281105" y="9713901"/>
-              <a:ext cx="765787" cy="338554"/>
-            </a:xfrm>
-            <a:prstGeom prst="rect">
-              <a:avLst/>
-            </a:prstGeom>
-            <a:noFill/>
-          </p:spPr>
-          <p:txBody>
-            <a:bodyPr wrap="none" rtlCol="0">
-              <a:spAutoFit/>
-            </a:bodyPr>
-            <a:lstStyle/>
-            <a:p>
-              <a:r>
-                <a:rPr lang="en-US" altLang="ko-KR" sz="1600" dirty="0">
-                  <a:solidFill>
-                    <a:schemeClr val="bg2">
-                      <a:lumMod val="75000"/>
-                    </a:schemeClr>
-                  </a:solidFill>
-                </a:rPr>
-                <a:t>Setting</a:t>
-              </a:r>
-            </a:p>
-          </p:txBody>
-        </p:sp>
-        <p:pic>
-          <p:nvPicPr>
-            <p:cNvPr id="9" name="Graphic 8" descr="House with solid fill">
-              <a:extLst>
-                <a:ext uri="{FF2B5EF4-FFF2-40B4-BE49-F238E27FC236}">
-                  <a16:creationId xmlns:a16="http://schemas.microsoft.com/office/drawing/2014/main" id="{EF37B7DA-7787-095D-7B57-E87C18C712D3}"/>
-                </a:ext>
-              </a:extLst>
-            </p:cNvPr>
-            <p:cNvPicPr>
-              <a:picLocks noChangeAspect="1"/>
-            </p:cNvPicPr>
-            <p:nvPr/>
-          </p:nvPicPr>
-          <p:blipFill>
-            <a:blip r:embed="rId2">
-              <a:extLst>
-                <a:ext uri="{28A0092B-C50C-407E-A947-70E740481C1C}">
-                  <a14:useLocalDpi xmlns:a14="http://schemas.microsoft.com/office/drawing/2010/main" val="0"/>
-                </a:ext>
-                <a:ext uri="{96DAC541-7B7A-43D3-8B79-37D633B846F1}">
-                  <asvg:svgBlip xmlns:asvg="http://schemas.microsoft.com/office/drawing/2016/SVG/main" r:embed="rId3"/>
-                </a:ext>
-              </a:extLst>
-            </a:blip>
-            <a:stretch>
-              <a:fillRect/>
-            </a:stretch>
-          </p:blipFill>
-          <p:spPr>
-            <a:xfrm>
-              <a:off x="882884" y="9411398"/>
-              <a:ext cx="362008" cy="362008"/>
-            </a:xfrm>
-            <a:prstGeom prst="rect">
-              <a:avLst/>
-            </a:prstGeom>
-          </p:spPr>
-        </p:pic>
-        <p:pic>
-          <p:nvPicPr>
-            <p:cNvPr id="10" name="Graphic 9" descr="User with solid fill">
-              <a:extLst>
-                <a:ext uri="{FF2B5EF4-FFF2-40B4-BE49-F238E27FC236}">
-                  <a16:creationId xmlns:a16="http://schemas.microsoft.com/office/drawing/2014/main" id="{3DD9D084-46B1-B4E3-7EE7-01D003C3F620}"/>
-                </a:ext>
-              </a:extLst>
-            </p:cNvPr>
-            <p:cNvPicPr>
-              <a:picLocks noChangeAspect="1"/>
-            </p:cNvPicPr>
-            <p:nvPr/>
-          </p:nvPicPr>
-          <p:blipFill>
-            <a:blip r:embed="rId4">
-              <a:extLst>
-                <a:ext uri="{28A0092B-C50C-407E-A947-70E740481C1C}">
-                  <a14:useLocalDpi xmlns:a14="http://schemas.microsoft.com/office/drawing/2010/main" val="0"/>
-                </a:ext>
-                <a:ext uri="{96DAC541-7B7A-43D3-8B79-37D633B846F1}">
-                  <asvg:svgBlip xmlns:asvg="http://schemas.microsoft.com/office/drawing/2016/SVG/main" r:embed="rId5"/>
-                </a:ext>
-              </a:extLst>
-            </a:blip>
-            <a:stretch>
-              <a:fillRect/>
-            </a:stretch>
-          </p:blipFill>
-          <p:spPr>
-            <a:xfrm>
-              <a:off x="5472854" y="9411398"/>
-              <a:ext cx="362008" cy="362008"/>
-            </a:xfrm>
-            <a:prstGeom prst="rect">
-              <a:avLst/>
-            </a:prstGeom>
-          </p:spPr>
-        </p:pic>
-        <p:pic>
-          <p:nvPicPr>
-            <p:cNvPr id="11" name="Graphic 10" descr="Window with solid fill">
-              <a:extLst>
-                <a:ext uri="{FF2B5EF4-FFF2-40B4-BE49-F238E27FC236}">
-                  <a16:creationId xmlns:a16="http://schemas.microsoft.com/office/drawing/2014/main" id="{7F7B1428-33C2-2BBE-064B-7897E0BB60DB}"/>
-                </a:ext>
-              </a:extLst>
-            </p:cNvPr>
-            <p:cNvPicPr>
-              <a:picLocks noChangeAspect="1"/>
-            </p:cNvPicPr>
-            <p:nvPr/>
-          </p:nvPicPr>
-          <p:blipFill>
-            <a:blip r:embed="rId6">
-              <a:extLst>
-                <a:ext uri="{28A0092B-C50C-407E-A947-70E740481C1C}">
-                  <a14:useLocalDpi xmlns:a14="http://schemas.microsoft.com/office/drawing/2010/main" val="0"/>
-                </a:ext>
-                <a:ext uri="{96DAC541-7B7A-43D3-8B79-37D633B846F1}">
-                  <asvg:svgBlip xmlns:asvg="http://schemas.microsoft.com/office/drawing/2016/SVG/main" r:embed="rId7"/>
-                </a:ext>
-              </a:extLst>
-            </a:blip>
-            <a:stretch>
-              <a:fillRect/>
-            </a:stretch>
-          </p:blipFill>
-          <p:spPr>
-            <a:xfrm>
-              <a:off x="3182771" y="9449253"/>
-              <a:ext cx="324153" cy="324153"/>
-            </a:xfrm>
-            <a:prstGeom prst="rect">
-              <a:avLst/>
-            </a:prstGeom>
-          </p:spPr>
-        </p:pic>
-      </p:grpSp>
-      <p:sp>
-        <p:nvSpPr>
-          <p:cNvPr id="23" name="TextBox 22">
-            <a:extLst>
-              <a:ext uri="{FF2B5EF4-FFF2-40B4-BE49-F238E27FC236}">
-                <a16:creationId xmlns:a16="http://schemas.microsoft.com/office/drawing/2014/main" id="{8751D54C-0125-CFC1-1CE2-E9BE24901102}"/>
-              </a:ext>
-            </a:extLst>
-          </p:cNvPr>
-          <p:cNvSpPr txBox="1"/>
-          <p:nvPr/>
-        </p:nvSpPr>
-        <p:spPr>
-          <a:xfrm>
-            <a:off x="2380384" y="8748241"/>
-            <a:ext cx="1928926" cy="369332"/>
-          </a:xfrm>
-          <a:prstGeom prst="rect">
-            <a:avLst/>
-          </a:prstGeom>
-          <a:noFill/>
-        </p:spPr>
-        <p:txBody>
-          <a:bodyPr wrap="none" rtlCol="0">
-            <a:spAutoFit/>
-          </a:bodyPr>
-          <a:lstStyle/>
-          <a:p>
-            <a:r>
-              <a:rPr lang="en-GB" dirty="0">
-                <a:solidFill>
-                  <a:schemeClr val="accent1">
-                    <a:lumMod val="50000"/>
-                  </a:schemeClr>
-                </a:solidFill>
-              </a:rPr>
-              <a:t>App version : 1.0.0</a:t>
-            </a:r>
-          </a:p>
-        </p:txBody>
-      </p:sp>
-    </p:spTree>
-    <p:extLst>
-      <p:ext uri="{BB962C8B-B14F-4D97-AF65-F5344CB8AC3E}">
-        <p14:creationId xmlns:p14="http://schemas.microsoft.com/office/powerpoint/2010/main" val="3101704311"/>
-      </p:ext>
-    </p:extLst>
-  </p:cSld>
-  <p:clrMapOvr>
-    <a:masterClrMapping/>
-  </p:clrMapOvr>
-</p:sld>
-</file>
-
 <file path=ppt/theme/theme1.xml><?xml version="1.0" encoding="utf-8"?>
 <a:theme xmlns:a="http://schemas.openxmlformats.org/drawingml/2006/main" name="Office Theme">
   <a:themeElements>
